--- a/apresentacao/ControleEmbalagens.pptx
+++ b/apresentacao/ControleEmbalagens.pptx
@@ -26,6 +26,9 @@
     <p:sldId id="273" r:id="rId21"/>
     <p:sldId id="274" r:id="rId22"/>
     <p:sldId id="275" r:id="rId23"/>
+    <p:sldId id="276" r:id="rId24"/>
+    <p:sldId id="277" r:id="rId25"/>
+    <p:sldId id="278" r:id="rId26"/>
   </p:sldIdLst>
   <p:sldSz cx="9144000" cy="6858000"/>
   <p:notesSz cx="7559675" cy="10691812"/>
@@ -3013,7 +3016,7 @@
         <p:spPr>
           <a:xfrm>
             <a:off x="304920" y="329040"/>
-            <a:ext cx="8531280" cy="6195960"/>
+            <a:ext cx="8530920" cy="6195600"/>
           </a:xfrm>
           <a:prstGeom prst="roundRect">
             <a:avLst>
@@ -3073,7 +3076,7 @@
         <p:spPr>
           <a:xfrm>
             <a:off x="418680" y="434160"/>
-            <a:ext cx="8305920" cy="5485680"/>
+            <a:ext cx="8305560" cy="5485320"/>
           </a:xfrm>
           <a:prstGeom prst="roundRect">
             <a:avLst>
@@ -3136,7 +3139,7 @@
         <p:spPr>
           <a:xfrm>
             <a:off x="304920" y="329040"/>
-            <a:ext cx="8531280" cy="6195960"/>
+            <a:ext cx="8530920" cy="6195600"/>
           </a:xfrm>
           <a:prstGeom prst="roundRect">
             <a:avLst>
@@ -3196,7 +3199,7 @@
         <p:spPr>
           <a:xfrm>
             <a:off x="418680" y="434160"/>
-            <a:ext cx="8305920" cy="3108240"/>
+            <a:ext cx="8305560" cy="3107880"/>
           </a:xfrm>
           <a:prstGeom prst="roundRect">
             <a:avLst>
@@ -3262,8 +3265,8 @@
         </p:nvSpPr>
         <p:spPr>
           <a:xfrm>
-            <a:off x="502920" y="4983480"/>
-            <a:ext cx="8183160" cy="1050840"/>
+            <a:off x="457200" y="273600"/>
+            <a:ext cx="8228880" cy="1144440"/>
           </a:xfrm>
           <a:prstGeom prst="rect">
             <a:avLst/>
@@ -3300,7 +3303,7 @@
         <p:spPr>
           <a:xfrm>
             <a:off x="457200" y="1604520"/>
-            <a:ext cx="8229240" cy="3977280"/>
+            <a:ext cx="8228880" cy="3976920"/>
           </a:xfrm>
           <a:prstGeom prst="rect">
             <a:avLst/>
@@ -3318,7 +3321,7 @@
               <a:buChar char=""/>
             </a:pPr>
             <a:r>
-              <a:rPr b="0" lang="pt-BR" sz="3200" spc="-1" strike="noStrike">
+              <a:rPr b="0" lang="pt-BR" sz="1800" spc="-1" strike="noStrike">
                 <a:solidFill>
                   <a:srgbClr val="000000"/>
                 </a:solidFill>
@@ -3331,7 +3334,7 @@
               </a:rPr>
               <a:t>Click to edit the outline text format</a:t>
             </a:r>
-            <a:endParaRPr b="0" lang="pt-BR" sz="3200" spc="-1" strike="noStrike">
+            <a:endParaRPr b="0" lang="pt-BR" sz="1800" spc="-1" strike="noStrike">
               <a:solidFill>
                 <a:srgbClr val="000000"/>
               </a:solidFill>
@@ -3353,7 +3356,7 @@
               <a:buChar char=""/>
             </a:pPr>
             <a:r>
-              <a:rPr b="0" lang="pt-BR" sz="2800" spc="-1" strike="noStrike">
+              <a:rPr b="0" lang="pt-BR" sz="1800" spc="-1" strike="noStrike">
                 <a:solidFill>
                   <a:srgbClr val="000000"/>
                 </a:solidFill>
@@ -3366,7 +3369,7 @@
               </a:rPr>
               <a:t>Second Outline Level</a:t>
             </a:r>
-            <a:endParaRPr b="0" lang="pt-BR" sz="2800" spc="-1" strike="noStrike">
+            <a:endParaRPr b="0" lang="pt-BR" sz="1800" spc="-1" strike="noStrike">
               <a:solidFill>
                 <a:srgbClr val="000000"/>
               </a:solidFill>
@@ -3388,7 +3391,7 @@
               <a:buChar char=""/>
             </a:pPr>
             <a:r>
-              <a:rPr b="0" lang="pt-BR" sz="2400" spc="-1" strike="noStrike">
+              <a:rPr b="0" lang="pt-BR" sz="1800" spc="-1" strike="noStrike">
                 <a:solidFill>
                   <a:srgbClr val="000000"/>
                 </a:solidFill>
@@ -3401,7 +3404,7 @@
               </a:rPr>
               <a:t>Third Outline Level</a:t>
             </a:r>
-            <a:endParaRPr b="0" lang="pt-BR" sz="2400" spc="-1" strike="noStrike">
+            <a:endParaRPr b="0" lang="pt-BR" sz="1800" spc="-1" strike="noStrike">
               <a:solidFill>
                 <a:srgbClr val="000000"/>
               </a:solidFill>
@@ -3423,7 +3426,7 @@
               <a:buChar char=""/>
             </a:pPr>
             <a:r>
-              <a:rPr b="0" lang="pt-BR" sz="2000" spc="-1" strike="noStrike">
+              <a:rPr b="0" lang="pt-BR" sz="1800" spc="-1" strike="noStrike">
                 <a:solidFill>
                   <a:srgbClr val="000000"/>
                 </a:solidFill>
@@ -3436,7 +3439,7 @@
               </a:rPr>
               <a:t>Fourth Outline Level</a:t>
             </a:r>
-            <a:endParaRPr b="0" lang="pt-BR" sz="2000" spc="-1" strike="noStrike">
+            <a:endParaRPr b="0" lang="pt-BR" sz="1800" spc="-1" strike="noStrike">
               <a:solidFill>
                 <a:srgbClr val="000000"/>
               </a:solidFill>
@@ -3458,7 +3461,7 @@
               <a:buChar char=""/>
             </a:pPr>
             <a:r>
-              <a:rPr b="0" lang="pt-BR" sz="2000" spc="-1" strike="noStrike">
+              <a:rPr b="0" lang="pt-BR" sz="1800" spc="-1" strike="noStrike">
                 <a:solidFill>
                   <a:srgbClr val="000000"/>
                 </a:solidFill>
@@ -3471,7 +3474,7 @@
               </a:rPr>
               <a:t>Fifth Outline Level</a:t>
             </a:r>
-            <a:endParaRPr b="0" lang="pt-BR" sz="2000" spc="-1" strike="noStrike">
+            <a:endParaRPr b="0" lang="pt-BR" sz="1800" spc="-1" strike="noStrike">
               <a:solidFill>
                 <a:srgbClr val="000000"/>
               </a:solidFill>
@@ -3493,7 +3496,7 @@
               <a:buChar char=""/>
             </a:pPr>
             <a:r>
-              <a:rPr b="0" lang="pt-BR" sz="2000" spc="-1" strike="noStrike">
+              <a:rPr b="0" lang="pt-BR" sz="1800" spc="-1" strike="noStrike">
                 <a:solidFill>
                   <a:srgbClr val="000000"/>
                 </a:solidFill>
@@ -3506,7 +3509,7 @@
               </a:rPr>
               <a:t>Sixth Outline Level</a:t>
             </a:r>
-            <a:endParaRPr b="0" lang="pt-BR" sz="2000" spc="-1" strike="noStrike">
+            <a:endParaRPr b="0" lang="pt-BR" sz="1800" spc="-1" strike="noStrike">
               <a:solidFill>
                 <a:srgbClr val="000000"/>
               </a:solidFill>
@@ -3528,7 +3531,7 @@
               <a:buChar char=""/>
             </a:pPr>
             <a:r>
-              <a:rPr b="0" lang="pt-BR" sz="2000" spc="-1" strike="noStrike">
+              <a:rPr b="0" lang="pt-BR" sz="1800" spc="-1" strike="noStrike">
                 <a:solidFill>
                   <a:srgbClr val="000000"/>
                 </a:solidFill>
@@ -3541,7 +3544,7 @@
               </a:rPr>
               <a:t>Seventh Outline Level</a:t>
             </a:r>
-            <a:endParaRPr b="0" lang="pt-BR" sz="2000" spc="-1" strike="noStrike">
+            <a:endParaRPr b="0" lang="pt-BR" sz="1800" spc="-1" strike="noStrike">
               <a:solidFill>
                 <a:srgbClr val="000000"/>
               </a:solidFill>
@@ -3608,7 +3611,7 @@
         <p:spPr>
           <a:xfrm>
             <a:off x="304920" y="329040"/>
-            <a:ext cx="8531280" cy="6195960"/>
+            <a:ext cx="8530920" cy="6195600"/>
           </a:xfrm>
           <a:prstGeom prst="roundRect">
             <a:avLst>
@@ -3668,7 +3671,7 @@
         <p:spPr>
           <a:xfrm>
             <a:off x="418680" y="434160"/>
-            <a:ext cx="8305920" cy="5485680"/>
+            <a:ext cx="8305560" cy="5485320"/>
           </a:xfrm>
           <a:prstGeom prst="roundRect">
             <a:avLst>
@@ -4087,7 +4090,7 @@
         <p:spPr>
           <a:xfrm>
             <a:off x="722520" y="1820160"/>
-            <a:ext cx="7771680" cy="1828080"/>
+            <a:ext cx="7771320" cy="1827720"/>
           </a:xfrm>
           <a:prstGeom prst="rect">
             <a:avLst/>
@@ -4122,6 +4125,7 @@
                   </a:solidFill>
                 </a:uFill>
                 <a:latin typeface="Verdana"/>
+                <a:ea typeface="DejaVu Sans"/>
               </a:rPr>
               <a:t>Controle de </a:t>
             </a:r>
@@ -4136,6 +4140,7 @@
                   </a:solidFill>
                 </a:uFill>
                 <a:latin typeface="Verdana"/>
+                <a:ea typeface="DejaVu Sans"/>
               </a:rPr>
               <a:t>	</a:t>
             </a:r>
@@ -4150,6 +4155,7 @@
                   </a:solidFill>
                 </a:uFill>
                 <a:latin typeface="Verdana"/>
+                <a:ea typeface="DejaVu Sans"/>
               </a:rPr>
               <a:t>	</a:t>
             </a:r>
@@ -4164,6 +4170,7 @@
                   </a:solidFill>
                 </a:uFill>
                 <a:latin typeface="Verdana"/>
+                <a:ea typeface="DejaVu Sans"/>
               </a:rPr>
               <a:t>	</a:t>
             </a:r>
@@ -4178,6 +4185,7 @@
                   </a:solidFill>
                 </a:uFill>
                 <a:latin typeface="Verdana"/>
+                <a:ea typeface="DejaVu Sans"/>
               </a:rPr>
               <a:t>	</a:t>
             </a:r>
@@ -4192,6 +4200,7 @@
                   </a:solidFill>
                 </a:uFill>
                 <a:latin typeface="Verdana"/>
+                <a:ea typeface="DejaVu Sans"/>
               </a:rPr>
               <a:t>	</a:t>
             </a:r>
@@ -4206,6 +4215,7 @@
                   </a:solidFill>
                 </a:uFill>
                 <a:latin typeface="Verdana"/>
+                <a:ea typeface="DejaVu Sans"/>
               </a:rPr>
               <a:t>	</a:t>
             </a:r>
@@ -4220,6 +4230,7 @@
                   </a:solidFill>
                 </a:uFill>
                 <a:latin typeface="Verdana"/>
+                <a:ea typeface="DejaVu Sans"/>
               </a:rPr>
               <a:t>	</a:t>
             </a:r>
@@ -4234,6 +4245,7 @@
                   </a:solidFill>
                 </a:uFill>
                 <a:latin typeface="Verdana"/>
+                <a:ea typeface="DejaVu Sans"/>
               </a:rPr>
               <a:t>	</a:t>
             </a:r>
@@ -4248,6 +4260,7 @@
                   </a:solidFill>
                 </a:uFill>
                 <a:latin typeface="Verdana"/>
+                <a:ea typeface="DejaVu Sans"/>
               </a:rPr>
               <a:t>	</a:t>
             </a:r>
@@ -4262,6 +4275,7 @@
                   </a:solidFill>
                 </a:uFill>
                 <a:latin typeface="Verdana"/>
+                <a:ea typeface="DejaVu Sans"/>
               </a:rPr>
               <a:t>	</a:t>
             </a:r>
@@ -4276,8 +4290,9 @@
                   </a:solidFill>
                 </a:uFill>
                 <a:latin typeface="Verdana"/>
+                <a:ea typeface="DejaVu Sans"/>
               </a:rPr>
-              <a:t>	</a:t>
+              <a:t>Embalagens Vazias </a:t>
             </a:r>
             <a:r>
               <a:rPr b="1" lang="pt-BR" sz="4500" spc="-1" strike="noStrike">
@@ -4290,6 +4305,7 @@
                   </a:solidFill>
                 </a:uFill>
                 <a:latin typeface="Verdana"/>
+                <a:ea typeface="DejaVu Sans"/>
               </a:rPr>
               <a:t>	</a:t>
             </a:r>
@@ -4304,8 +4320,9 @@
                   </a:solidFill>
                 </a:uFill>
                 <a:latin typeface="Verdana"/>
+                <a:ea typeface="DejaVu Sans"/>
               </a:rPr>
-              <a:t>Embalagens de </a:t>
+              <a:t>	</a:t>
             </a:r>
             <a:r>
               <a:rPr b="1" lang="pt-BR" sz="4500" spc="-1" strike="noStrike">
@@ -4318,6 +4335,7 @@
                   </a:solidFill>
                 </a:uFill>
                 <a:latin typeface="Verdana"/>
+                <a:ea typeface="DejaVu Sans"/>
               </a:rPr>
               <a:t>	</a:t>
             </a:r>
@@ -4332,6 +4350,7 @@
                   </a:solidFill>
                 </a:uFill>
                 <a:latin typeface="Verdana"/>
+                <a:ea typeface="DejaVu Sans"/>
               </a:rPr>
               <a:t>	</a:t>
             </a:r>
@@ -4346,6 +4365,7 @@
                   </a:solidFill>
                 </a:uFill>
                 <a:latin typeface="Verdana"/>
+                <a:ea typeface="DejaVu Sans"/>
               </a:rPr>
               <a:t>	</a:t>
             </a:r>
@@ -4360,6 +4380,7 @@
                   </a:solidFill>
                 </a:uFill>
                 <a:latin typeface="Verdana"/>
+                <a:ea typeface="DejaVu Sans"/>
               </a:rPr>
               <a:t>	</a:t>
             </a:r>
@@ -4374,6 +4395,7 @@
                   </a:solidFill>
                 </a:uFill>
                 <a:latin typeface="Verdana"/>
+                <a:ea typeface="DejaVu Sans"/>
               </a:rPr>
               <a:t>	</a:t>
             </a:r>
@@ -4388,6 +4410,7 @@
                   </a:solidFill>
                 </a:uFill>
                 <a:latin typeface="Verdana"/>
+                <a:ea typeface="DejaVu Sans"/>
               </a:rPr>
               <a:t>	</a:t>
             </a:r>
@@ -4402,78 +4425,9 @@
                   </a:solidFill>
                 </a:uFill>
                 <a:latin typeface="Verdana"/>
+                <a:ea typeface="DejaVu Sans"/>
               </a:rPr>
-              <a:t>	</a:t>
-            </a:r>
-            <a:r>
-              <a:rPr b="1" lang="pt-BR" sz="4500" spc="-1" strike="noStrike">
-                <a:solidFill>
-                  <a:srgbClr val="ff9257"/>
-                </a:solidFill>
-                <a:uFill>
-                  <a:solidFill>
-                    <a:srgbClr val="ffffff"/>
-                  </a:solidFill>
-                </a:uFill>
-                <a:latin typeface="Verdana"/>
-              </a:rPr>
-              <a:t>	</a:t>
-            </a:r>
-            <a:r>
-              <a:rPr b="1" lang="pt-BR" sz="4500" spc="-1" strike="noStrike">
-                <a:solidFill>
-                  <a:srgbClr val="ff9257"/>
-                </a:solidFill>
-                <a:uFill>
-                  <a:solidFill>
-                    <a:srgbClr val="ffffff"/>
-                  </a:solidFill>
-                </a:uFill>
-                <a:latin typeface="Verdana"/>
-              </a:rPr>
-              <a:t>	</a:t>
-            </a:r>
-            <a:r>
-              <a:rPr b="1" lang="pt-BR" sz="4500" spc="-1" strike="noStrike">
-                <a:solidFill>
-                  <a:srgbClr val="ff9257"/>
-                </a:solidFill>
-                <a:uFill>
-                  <a:solidFill>
-                    <a:srgbClr val="ffffff"/>
-                  </a:solidFill>
-                </a:uFill>
-                <a:latin typeface="Verdana"/>
-              </a:rPr>
-              <a:t>	</a:t>
-            </a:r>
-            <a:r>
-              <a:rPr b="1" lang="pt-BR" sz="4500" spc="-1" strike="noStrike">
-                <a:solidFill>
-                  <a:srgbClr val="ff9257"/>
-                </a:solidFill>
-                <a:uFill>
-                  <a:solidFill>
-                    <a:srgbClr val="ffffff"/>
-                  </a:solidFill>
-                </a:uFill>
-                <a:latin typeface="Verdana"/>
-              </a:rPr>
-              <a:t>	</a:t>
-            </a:r>
-            <a:r>
-              <a:rPr b="1" lang="pt-BR" sz="4500" spc="-1" strike="noStrike">
-                <a:solidFill>
-                  <a:srgbClr val="ff9257"/>
-                </a:solidFill>
-                <a:uFill>
-                  <a:solidFill>
-                    <a:srgbClr val="ffffff"/>
-                  </a:solidFill>
-                </a:uFill>
-                <a:latin typeface="Verdana"/>
-              </a:rPr>
-              <a:t>Agrotóxicos</a:t>
+              <a:t>de Agrotóxicos</a:t>
             </a:r>
             <a:endParaRPr b="0" lang="pt-BR" sz="1800" spc="-1" strike="noStrike">
               <a:solidFill>
@@ -4498,7 +4452,7 @@
         <p:spPr>
           <a:xfrm>
             <a:off x="722520" y="3684960"/>
-            <a:ext cx="7771680" cy="913680"/>
+            <a:ext cx="7771320" cy="913320"/>
           </a:xfrm>
           <a:prstGeom prst="rect">
             <a:avLst/>
@@ -4567,7 +4521,7 @@
         <p:spPr>
           <a:xfrm>
             <a:off x="1925640" y="4726800"/>
-            <a:ext cx="5562360" cy="1609200"/>
+            <a:ext cx="5562000" cy="1608840"/>
           </a:xfrm>
           <a:prstGeom prst="rect">
             <a:avLst/>
@@ -4628,14 +4582,14 @@
       </p:grpSpPr>
       <p:sp>
         <p:nvSpPr>
-          <p:cNvPr id="106" name="CustomShape 1"/>
+          <p:cNvPr id="107" name="CustomShape 1"/>
           <p:cNvSpPr/>
           <p:nvPr/>
         </p:nvSpPr>
         <p:spPr>
           <a:xfrm>
             <a:off x="467640" y="476640"/>
-            <a:ext cx="8183160" cy="1050840"/>
+            <a:ext cx="8182800" cy="1050480"/>
           </a:xfrm>
           <a:prstGeom prst="rect">
             <a:avLst/>
@@ -4670,6 +4624,7 @@
                   </a:solidFill>
                 </a:uFill>
                 <a:latin typeface="Verdana"/>
+                <a:ea typeface="DejaVu Sans"/>
               </a:rPr>
               <a:t>Prototipação das Telas</a:t>
             </a:r>
@@ -4689,14 +4644,14 @@
       </p:sp>
       <p:sp>
         <p:nvSpPr>
-          <p:cNvPr id="107" name="CustomShape 2"/>
+          <p:cNvPr id="108" name="CustomShape 2"/>
           <p:cNvSpPr/>
           <p:nvPr/>
         </p:nvSpPr>
         <p:spPr>
           <a:xfrm>
             <a:off x="467640" y="1700640"/>
-            <a:ext cx="8183160" cy="4187160"/>
+            <a:ext cx="8182800" cy="4186800"/>
           </a:xfrm>
           <a:prstGeom prst="rect">
             <a:avLst/>
@@ -4733,7 +4688,7 @@
             </a:endParaRPr>
           </a:p>
           <a:p>
-            <a:pPr marL="265320" indent="-264600">
+            <a:pPr marL="265320" indent="-264240">
               <a:lnSpc>
                 <a:spcPct val="150000"/>
               </a:lnSpc>
@@ -4755,6 +4710,7 @@
                   </a:solidFill>
                 </a:uFill>
                 <a:latin typeface="Verdana"/>
+                <a:ea typeface="DejaVu Sans"/>
               </a:rPr>
               <a:t> </a:t>
             </a:r>
@@ -4828,7 +4784,7 @@
       </p:sp>
       <p:pic>
         <p:nvPicPr>
-          <p:cNvPr id="108" name="" descr=""/>
+          <p:cNvPr id="109" name="" descr=""/>
           <p:cNvPicPr/>
           <p:nvPr/>
         </p:nvPicPr>
@@ -4838,8 +4794,8 @@
         </p:blipFill>
         <p:spPr>
           <a:xfrm>
-            <a:off x="2469240" y="1541520"/>
-            <a:ext cx="4730760" cy="4346280"/>
+            <a:off x="2456280" y="1557000"/>
+            <a:ext cx="5103720" cy="4923000"/>
           </a:xfrm>
           <a:prstGeom prst="rect">
             <a:avLst/>
@@ -4900,14 +4856,14 @@
       </p:grpSpPr>
       <p:sp>
         <p:nvSpPr>
-          <p:cNvPr id="109" name="CustomShape 1"/>
+          <p:cNvPr id="110" name="CustomShape 1"/>
           <p:cNvSpPr/>
           <p:nvPr/>
         </p:nvSpPr>
         <p:spPr>
           <a:xfrm>
             <a:off x="467640" y="476640"/>
-            <a:ext cx="8183160" cy="1050840"/>
+            <a:ext cx="8182800" cy="1050480"/>
           </a:xfrm>
           <a:prstGeom prst="rect">
             <a:avLst/>
@@ -4942,6 +4898,7 @@
                   </a:solidFill>
                 </a:uFill>
                 <a:latin typeface="Verdana"/>
+                <a:ea typeface="DejaVu Sans"/>
               </a:rPr>
               <a:t>Prototipação das Telas</a:t>
             </a:r>
@@ -4961,14 +4918,14 @@
       </p:sp>
       <p:sp>
         <p:nvSpPr>
-          <p:cNvPr id="110" name="CustomShape 2"/>
+          <p:cNvPr id="111" name="CustomShape 2"/>
           <p:cNvSpPr/>
           <p:nvPr/>
         </p:nvSpPr>
         <p:spPr>
           <a:xfrm>
             <a:off x="467640" y="1700640"/>
-            <a:ext cx="8183160" cy="4187160"/>
+            <a:ext cx="8182800" cy="4186800"/>
           </a:xfrm>
           <a:prstGeom prst="rect">
             <a:avLst/>
@@ -5005,7 +4962,7 @@
             </a:endParaRPr>
           </a:p>
           <a:p>
-            <a:pPr marL="265320" indent="-264600">
+            <a:pPr marL="265320" indent="-264240">
               <a:lnSpc>
                 <a:spcPct val="150000"/>
               </a:lnSpc>
@@ -5027,6 +4984,7 @@
                   </a:solidFill>
                 </a:uFill>
                 <a:latin typeface="Verdana"/>
+                <a:ea typeface="DejaVu Sans"/>
               </a:rPr>
               <a:t> </a:t>
             </a:r>
@@ -5100,7 +5058,7 @@
       </p:sp>
       <p:pic>
         <p:nvPicPr>
-          <p:cNvPr id="111" name="" descr=""/>
+          <p:cNvPr id="112" name="" descr=""/>
           <p:cNvPicPr/>
           <p:nvPr/>
         </p:nvPicPr>
@@ -5110,8 +5068,8 @@
         </p:blipFill>
         <p:spPr>
           <a:xfrm>
-            <a:off x="2469240" y="1541520"/>
-            <a:ext cx="4802760" cy="4346280"/>
+            <a:off x="2456280" y="1557000"/>
+            <a:ext cx="4887720" cy="4923000"/>
           </a:xfrm>
           <a:prstGeom prst="rect">
             <a:avLst/>
@@ -5172,14 +5130,14 @@
       </p:grpSpPr>
       <p:sp>
         <p:nvSpPr>
-          <p:cNvPr id="112" name="CustomShape 1"/>
+          <p:cNvPr id="113" name="CustomShape 1"/>
           <p:cNvSpPr/>
           <p:nvPr/>
         </p:nvSpPr>
         <p:spPr>
           <a:xfrm>
             <a:off x="467640" y="476640"/>
-            <a:ext cx="8183160" cy="1050840"/>
+            <a:ext cx="8182800" cy="1050480"/>
           </a:xfrm>
           <a:prstGeom prst="rect">
             <a:avLst/>
@@ -5214,6 +5172,7 @@
                   </a:solidFill>
                 </a:uFill>
                 <a:latin typeface="Verdana"/>
+                <a:ea typeface="DejaVu Sans"/>
               </a:rPr>
               <a:t>Prototipação das Telas</a:t>
             </a:r>
@@ -5233,14 +5192,14 @@
       </p:sp>
       <p:sp>
         <p:nvSpPr>
-          <p:cNvPr id="113" name="CustomShape 2"/>
+          <p:cNvPr id="114" name="CustomShape 2"/>
           <p:cNvSpPr/>
           <p:nvPr/>
         </p:nvSpPr>
         <p:spPr>
           <a:xfrm>
             <a:off x="467640" y="1700640"/>
-            <a:ext cx="8183160" cy="4187160"/>
+            <a:ext cx="8182800" cy="4186800"/>
           </a:xfrm>
           <a:prstGeom prst="rect">
             <a:avLst/>
@@ -5277,7 +5236,7 @@
             </a:endParaRPr>
           </a:p>
           <a:p>
-            <a:pPr marL="265320" indent="-264600">
+            <a:pPr marL="265320" indent="-264240">
               <a:lnSpc>
                 <a:spcPct val="150000"/>
               </a:lnSpc>
@@ -5299,6 +5258,7 @@
                   </a:solidFill>
                 </a:uFill>
                 <a:latin typeface="Verdana"/>
+                <a:ea typeface="DejaVu Sans"/>
               </a:rPr>
               <a:t> </a:t>
             </a:r>
@@ -5372,7 +5332,7 @@
       </p:sp>
       <p:pic>
         <p:nvPicPr>
-          <p:cNvPr id="114" name="" descr=""/>
+          <p:cNvPr id="115" name="" descr=""/>
           <p:cNvPicPr/>
           <p:nvPr/>
         </p:nvPicPr>
@@ -5382,8 +5342,8 @@
         </p:blipFill>
         <p:spPr>
           <a:xfrm>
-            <a:off x="2469240" y="1541520"/>
-            <a:ext cx="4946760" cy="4346280"/>
+            <a:off x="2456280" y="1557000"/>
+            <a:ext cx="4743720" cy="4995000"/>
           </a:xfrm>
           <a:prstGeom prst="rect">
             <a:avLst/>
@@ -5444,14 +5404,14 @@
       </p:grpSpPr>
       <p:sp>
         <p:nvSpPr>
-          <p:cNvPr id="115" name="CustomShape 1"/>
+          <p:cNvPr id="116" name="CustomShape 1"/>
           <p:cNvSpPr/>
           <p:nvPr/>
         </p:nvSpPr>
         <p:spPr>
           <a:xfrm>
             <a:off x="467640" y="476640"/>
-            <a:ext cx="8183160" cy="1050840"/>
+            <a:ext cx="8182800" cy="1050480"/>
           </a:xfrm>
           <a:prstGeom prst="rect">
             <a:avLst/>
@@ -5486,6 +5446,7 @@
                   </a:solidFill>
                 </a:uFill>
                 <a:latin typeface="Verdana"/>
+                <a:ea typeface="DejaVu Sans"/>
               </a:rPr>
               <a:t>Prototipação das Telas</a:t>
             </a:r>
@@ -5505,14 +5466,14 @@
       </p:sp>
       <p:sp>
         <p:nvSpPr>
-          <p:cNvPr id="116" name="CustomShape 2"/>
+          <p:cNvPr id="117" name="CustomShape 2"/>
           <p:cNvSpPr/>
           <p:nvPr/>
         </p:nvSpPr>
         <p:spPr>
           <a:xfrm>
             <a:off x="467640" y="1700640"/>
-            <a:ext cx="8183160" cy="4187160"/>
+            <a:ext cx="8182800" cy="4186800"/>
           </a:xfrm>
           <a:prstGeom prst="rect">
             <a:avLst/>
@@ -5549,7 +5510,7 @@
             </a:endParaRPr>
           </a:p>
           <a:p>
-            <a:pPr marL="265320" indent="-264600">
+            <a:pPr marL="265320" indent="-264240">
               <a:lnSpc>
                 <a:spcPct val="150000"/>
               </a:lnSpc>
@@ -5571,6 +5532,7 @@
                   </a:solidFill>
                 </a:uFill>
                 <a:latin typeface="Verdana"/>
+                <a:ea typeface="DejaVu Sans"/>
               </a:rPr>
               <a:t> </a:t>
             </a:r>
@@ -5644,7 +5606,7 @@
       </p:sp>
       <p:pic>
         <p:nvPicPr>
-          <p:cNvPr id="117" name="" descr=""/>
+          <p:cNvPr id="118" name="" descr=""/>
           <p:cNvPicPr/>
           <p:nvPr/>
         </p:nvPicPr>
@@ -5654,8 +5616,8 @@
         </p:blipFill>
         <p:spPr>
           <a:xfrm>
-            <a:off x="2469240" y="1541520"/>
-            <a:ext cx="4874760" cy="4346280"/>
+            <a:off x="2456280" y="1593000"/>
+            <a:ext cx="4959720" cy="4887000"/>
           </a:xfrm>
           <a:prstGeom prst="rect">
             <a:avLst/>
@@ -5716,14 +5678,14 @@
       </p:grpSpPr>
       <p:sp>
         <p:nvSpPr>
-          <p:cNvPr id="118" name="CustomShape 1"/>
+          <p:cNvPr id="119" name="CustomShape 1"/>
           <p:cNvSpPr/>
           <p:nvPr/>
         </p:nvSpPr>
         <p:spPr>
           <a:xfrm>
             <a:off x="467640" y="476640"/>
-            <a:ext cx="8183160" cy="1050840"/>
+            <a:ext cx="8182800" cy="1050480"/>
           </a:xfrm>
           <a:prstGeom prst="rect">
             <a:avLst/>
@@ -5758,6 +5720,7 @@
                   </a:solidFill>
                 </a:uFill>
                 <a:latin typeface="Verdana"/>
+                <a:ea typeface="DejaVu Sans"/>
               </a:rPr>
               <a:t>Prototipação das Telas</a:t>
             </a:r>
@@ -5777,14 +5740,14 @@
       </p:sp>
       <p:sp>
         <p:nvSpPr>
-          <p:cNvPr id="119" name="CustomShape 2"/>
+          <p:cNvPr id="120" name="CustomShape 2"/>
           <p:cNvSpPr/>
           <p:nvPr/>
         </p:nvSpPr>
         <p:spPr>
           <a:xfrm>
             <a:off x="467640" y="1700640"/>
-            <a:ext cx="8183160" cy="4187160"/>
+            <a:ext cx="8182800" cy="4186800"/>
           </a:xfrm>
           <a:prstGeom prst="rect">
             <a:avLst/>
@@ -5821,7 +5784,7 @@
             </a:endParaRPr>
           </a:p>
           <a:p>
-            <a:pPr marL="265320" indent="-264600">
+            <a:pPr marL="265320" indent="-264240">
               <a:lnSpc>
                 <a:spcPct val="150000"/>
               </a:lnSpc>
@@ -5843,6 +5806,7 @@
                   </a:solidFill>
                 </a:uFill>
                 <a:latin typeface="Verdana"/>
+                <a:ea typeface="DejaVu Sans"/>
               </a:rPr>
               <a:t> </a:t>
             </a:r>
@@ -5916,7 +5880,7 @@
       </p:sp>
       <p:pic>
         <p:nvPicPr>
-          <p:cNvPr id="120" name="" descr=""/>
+          <p:cNvPr id="121" name="" descr=""/>
           <p:cNvPicPr/>
           <p:nvPr/>
         </p:nvPicPr>
@@ -5926,8 +5890,8 @@
         </p:blipFill>
         <p:spPr>
           <a:xfrm>
-            <a:off x="2469240" y="1541520"/>
-            <a:ext cx="4946760" cy="4346280"/>
+            <a:off x="2456280" y="1557000"/>
+            <a:ext cx="5103720" cy="4923000"/>
           </a:xfrm>
           <a:prstGeom prst="rect">
             <a:avLst/>
@@ -5988,14 +5952,14 @@
       </p:grpSpPr>
       <p:sp>
         <p:nvSpPr>
-          <p:cNvPr id="121" name="CustomShape 1"/>
+          <p:cNvPr id="122" name="CustomShape 1"/>
           <p:cNvSpPr/>
           <p:nvPr/>
         </p:nvSpPr>
         <p:spPr>
           <a:xfrm>
             <a:off x="467640" y="476640"/>
-            <a:ext cx="8183160" cy="1050840"/>
+            <a:ext cx="8182800" cy="1050480"/>
           </a:xfrm>
           <a:prstGeom prst="rect">
             <a:avLst/>
@@ -6030,6 +5994,7 @@
                   </a:solidFill>
                 </a:uFill>
                 <a:latin typeface="Verdana"/>
+                <a:ea typeface="DejaVu Sans"/>
               </a:rPr>
               <a:t>Prototipação das Telas</a:t>
             </a:r>
@@ -6049,14 +6014,14 @@
       </p:sp>
       <p:sp>
         <p:nvSpPr>
-          <p:cNvPr id="122" name="CustomShape 2"/>
+          <p:cNvPr id="123" name="CustomShape 2"/>
           <p:cNvSpPr/>
           <p:nvPr/>
         </p:nvSpPr>
         <p:spPr>
           <a:xfrm>
             <a:off x="467640" y="1700640"/>
-            <a:ext cx="8183160" cy="4187160"/>
+            <a:ext cx="8182800" cy="4186800"/>
           </a:xfrm>
           <a:prstGeom prst="rect">
             <a:avLst/>
@@ -6093,7 +6058,7 @@
             </a:endParaRPr>
           </a:p>
           <a:p>
-            <a:pPr marL="265320" indent="-264600">
+            <a:pPr marL="265320" indent="-264240">
               <a:lnSpc>
                 <a:spcPct val="150000"/>
               </a:lnSpc>
@@ -6115,6 +6080,7 @@
                   </a:solidFill>
                 </a:uFill>
                 <a:latin typeface="Verdana"/>
+                <a:ea typeface="DejaVu Sans"/>
               </a:rPr>
               <a:t> </a:t>
             </a:r>
@@ -6188,7 +6154,7 @@
       </p:sp>
       <p:pic>
         <p:nvPicPr>
-          <p:cNvPr id="123" name="" descr=""/>
+          <p:cNvPr id="124" name="" descr=""/>
           <p:cNvPicPr/>
           <p:nvPr/>
         </p:nvPicPr>
@@ -6198,8 +6164,8 @@
         </p:blipFill>
         <p:spPr>
           <a:xfrm>
-            <a:off x="2469240" y="1584000"/>
-            <a:ext cx="4370760" cy="4326840"/>
+            <a:off x="2456280" y="1557000"/>
+            <a:ext cx="5031720" cy="4923000"/>
           </a:xfrm>
           <a:prstGeom prst="rect">
             <a:avLst/>
@@ -6260,14 +6226,14 @@
       </p:grpSpPr>
       <p:sp>
         <p:nvSpPr>
-          <p:cNvPr id="124" name="CustomShape 1"/>
+          <p:cNvPr id="125" name="CustomShape 1"/>
           <p:cNvSpPr/>
           <p:nvPr/>
         </p:nvSpPr>
         <p:spPr>
           <a:xfrm>
             <a:off x="467640" y="476640"/>
-            <a:ext cx="8183160" cy="1050840"/>
+            <a:ext cx="8182800" cy="1050480"/>
           </a:xfrm>
           <a:prstGeom prst="rect">
             <a:avLst/>
@@ -6302,6 +6268,7 @@
                   </a:solidFill>
                 </a:uFill>
                 <a:latin typeface="Verdana"/>
+                <a:ea typeface="DejaVu Sans"/>
               </a:rPr>
               <a:t>Prototipação das Telas</a:t>
             </a:r>
@@ -6321,14 +6288,14 @@
       </p:sp>
       <p:sp>
         <p:nvSpPr>
-          <p:cNvPr id="125" name="CustomShape 2"/>
+          <p:cNvPr id="126" name="CustomShape 2"/>
           <p:cNvSpPr/>
           <p:nvPr/>
         </p:nvSpPr>
         <p:spPr>
           <a:xfrm>
             <a:off x="467640" y="1700640"/>
-            <a:ext cx="8183160" cy="4187160"/>
+            <a:ext cx="8182800" cy="4186800"/>
           </a:xfrm>
           <a:prstGeom prst="rect">
             <a:avLst/>
@@ -6365,7 +6332,7 @@
             </a:endParaRPr>
           </a:p>
           <a:p>
-            <a:pPr marL="265320" indent="-264600">
+            <a:pPr marL="265320" indent="-264240">
               <a:lnSpc>
                 <a:spcPct val="150000"/>
               </a:lnSpc>
@@ -6387,6 +6354,7 @@
                   </a:solidFill>
                 </a:uFill>
                 <a:latin typeface="Verdana"/>
+                <a:ea typeface="DejaVu Sans"/>
               </a:rPr>
               <a:t> </a:t>
             </a:r>
@@ -6460,7 +6428,7 @@
       </p:sp>
       <p:pic>
         <p:nvPicPr>
-          <p:cNvPr id="126" name="" descr=""/>
+          <p:cNvPr id="127" name="" descr=""/>
           <p:cNvPicPr/>
           <p:nvPr/>
         </p:nvPicPr>
@@ -6470,8 +6438,8 @@
         </p:blipFill>
         <p:spPr>
           <a:xfrm>
-            <a:off x="2469240" y="1512000"/>
-            <a:ext cx="4285800" cy="4771800"/>
+            <a:off x="2456280" y="1522440"/>
+            <a:ext cx="4743720" cy="4957560"/>
           </a:xfrm>
           <a:prstGeom prst="rect">
             <a:avLst/>
@@ -6532,14 +6500,14 @@
       </p:grpSpPr>
       <p:sp>
         <p:nvSpPr>
-          <p:cNvPr id="127" name="CustomShape 1"/>
+          <p:cNvPr id="128" name="CustomShape 1"/>
           <p:cNvSpPr/>
           <p:nvPr/>
         </p:nvSpPr>
         <p:spPr>
           <a:xfrm>
             <a:off x="467640" y="476640"/>
-            <a:ext cx="8183160" cy="1050840"/>
+            <a:ext cx="8182800" cy="1050480"/>
           </a:xfrm>
           <a:prstGeom prst="rect">
             <a:avLst/>
@@ -6574,6 +6542,7 @@
                   </a:solidFill>
                 </a:uFill>
                 <a:latin typeface="Verdana"/>
+                <a:ea typeface="DejaVu Sans"/>
               </a:rPr>
               <a:t>Prototipação das Telas</a:t>
             </a:r>
@@ -6593,14 +6562,14 @@
       </p:sp>
       <p:sp>
         <p:nvSpPr>
-          <p:cNvPr id="128" name="CustomShape 2"/>
+          <p:cNvPr id="129" name="CustomShape 2"/>
           <p:cNvSpPr/>
           <p:nvPr/>
         </p:nvSpPr>
         <p:spPr>
           <a:xfrm>
             <a:off x="467640" y="1700640"/>
-            <a:ext cx="8183160" cy="4187160"/>
+            <a:ext cx="8182800" cy="4186800"/>
           </a:xfrm>
           <a:prstGeom prst="rect">
             <a:avLst/>
@@ -6637,7 +6606,7 @@
             </a:endParaRPr>
           </a:p>
           <a:p>
-            <a:pPr marL="265320" indent="-264600">
+            <a:pPr marL="265320" indent="-264240">
               <a:lnSpc>
                 <a:spcPct val="150000"/>
               </a:lnSpc>
@@ -6659,6 +6628,7 @@
                   </a:solidFill>
                 </a:uFill>
                 <a:latin typeface="Verdana"/>
+                <a:ea typeface="DejaVu Sans"/>
               </a:rPr>
               <a:t> </a:t>
             </a:r>
@@ -6732,7 +6702,7 @@
       </p:sp>
       <p:pic>
         <p:nvPicPr>
-          <p:cNvPr id="129" name="" descr=""/>
+          <p:cNvPr id="130" name="" descr=""/>
           <p:cNvPicPr/>
           <p:nvPr/>
         </p:nvPicPr>
@@ -6742,8 +6712,8 @@
         </p:blipFill>
         <p:spPr>
           <a:xfrm>
-            <a:off x="2469240" y="1700640"/>
-            <a:ext cx="4370760" cy="4210200"/>
+            <a:off x="2451600" y="1557000"/>
+            <a:ext cx="4676400" cy="4923000"/>
           </a:xfrm>
           <a:prstGeom prst="rect">
             <a:avLst/>
@@ -6804,14 +6774,14 @@
       </p:grpSpPr>
       <p:sp>
         <p:nvSpPr>
-          <p:cNvPr id="130" name="CustomShape 1"/>
+          <p:cNvPr id="131" name="CustomShape 1"/>
           <p:cNvSpPr/>
           <p:nvPr/>
         </p:nvSpPr>
         <p:spPr>
           <a:xfrm>
             <a:off x="467640" y="476640"/>
-            <a:ext cx="8183160" cy="1050840"/>
+            <a:ext cx="8182800" cy="1050480"/>
           </a:xfrm>
           <a:prstGeom prst="rect">
             <a:avLst/>
@@ -6846,6 +6816,7 @@
                   </a:solidFill>
                 </a:uFill>
                 <a:latin typeface="Verdana"/>
+                <a:ea typeface="DejaVu Sans"/>
               </a:rPr>
               <a:t>Prototipação das Telas</a:t>
             </a:r>
@@ -6865,14 +6836,14 @@
       </p:sp>
       <p:sp>
         <p:nvSpPr>
-          <p:cNvPr id="131" name="CustomShape 2"/>
+          <p:cNvPr id="132" name="CustomShape 2"/>
           <p:cNvSpPr/>
           <p:nvPr/>
         </p:nvSpPr>
         <p:spPr>
           <a:xfrm>
             <a:off x="467640" y="1700640"/>
-            <a:ext cx="8183160" cy="4187160"/>
+            <a:ext cx="8182800" cy="4186800"/>
           </a:xfrm>
           <a:prstGeom prst="rect">
             <a:avLst/>
@@ -6909,7 +6880,7 @@
             </a:endParaRPr>
           </a:p>
           <a:p>
-            <a:pPr marL="265320" indent="-264600">
+            <a:pPr marL="265320" indent="-264240">
               <a:lnSpc>
                 <a:spcPct val="150000"/>
               </a:lnSpc>
@@ -6931,6 +6902,7 @@
                   </a:solidFill>
                 </a:uFill>
                 <a:latin typeface="Verdana"/>
+                <a:ea typeface="DejaVu Sans"/>
               </a:rPr>
               <a:t> </a:t>
             </a:r>
@@ -7004,7 +6976,7 @@
       </p:sp>
       <p:pic>
         <p:nvPicPr>
-          <p:cNvPr id="132" name="" descr=""/>
+          <p:cNvPr id="133" name="" descr=""/>
           <p:cNvPicPr/>
           <p:nvPr/>
         </p:nvPicPr>
@@ -7014,8 +6986,8 @@
         </p:blipFill>
         <p:spPr>
           <a:xfrm>
-            <a:off x="2469240" y="1541520"/>
-            <a:ext cx="4730760" cy="4290480"/>
+            <a:off x="2456280" y="1525680"/>
+            <a:ext cx="4815720" cy="4954320"/>
           </a:xfrm>
           <a:prstGeom prst="rect">
             <a:avLst/>
@@ -7076,14 +7048,14 @@
       </p:grpSpPr>
       <p:sp>
         <p:nvSpPr>
-          <p:cNvPr id="133" name="CustomShape 1"/>
+          <p:cNvPr id="134" name="CustomShape 1"/>
           <p:cNvSpPr/>
           <p:nvPr/>
         </p:nvSpPr>
         <p:spPr>
           <a:xfrm>
             <a:off x="467640" y="476640"/>
-            <a:ext cx="8183160" cy="1050840"/>
+            <a:ext cx="8182800" cy="1050480"/>
           </a:xfrm>
           <a:prstGeom prst="rect">
             <a:avLst/>
@@ -7118,8 +7090,9 @@
                   </a:solidFill>
                 </a:uFill>
                 <a:latin typeface="Verdana"/>
+                <a:ea typeface="DejaVu Sans"/>
               </a:rPr>
-              <a:t>Diagrama de Entidade e Relacionamento</a:t>
+              <a:t>Prototipação das Telas</a:t>
             </a:r>
             <a:endParaRPr b="0" lang="pt-BR" sz="1800" spc="-1" strike="noStrike">
               <a:solidFill>
@@ -7137,14 +7110,14 @@
       </p:sp>
       <p:sp>
         <p:nvSpPr>
-          <p:cNvPr id="134" name="CustomShape 2"/>
+          <p:cNvPr id="135" name="CustomShape 2"/>
           <p:cNvSpPr/>
           <p:nvPr/>
         </p:nvSpPr>
         <p:spPr>
           <a:xfrm>
             <a:off x="467640" y="1700640"/>
-            <a:ext cx="8183160" cy="4187160"/>
+            <a:ext cx="8182800" cy="4186800"/>
           </a:xfrm>
           <a:prstGeom prst="rect">
             <a:avLst/>
@@ -7181,7 +7154,7 @@
             </a:endParaRPr>
           </a:p>
           <a:p>
-            <a:pPr marL="265320" indent="-264600">
+            <a:pPr marL="265320" indent="-264240">
               <a:lnSpc>
                 <a:spcPct val="150000"/>
               </a:lnSpc>
@@ -7203,6 +7176,7 @@
                   </a:solidFill>
                 </a:uFill>
                 <a:latin typeface="Verdana"/>
+                <a:ea typeface="DejaVu Sans"/>
               </a:rPr>
               <a:t> </a:t>
             </a:r>
@@ -7276,7 +7250,7 @@
       </p:sp>
       <p:pic>
         <p:nvPicPr>
-          <p:cNvPr id="135" name="" descr=""/>
+          <p:cNvPr id="136" name="" descr=""/>
           <p:cNvPicPr/>
           <p:nvPr/>
         </p:nvPicPr>
@@ -7286,8 +7260,8 @@
         </p:blipFill>
         <p:spPr>
           <a:xfrm>
-            <a:off x="591120" y="2027520"/>
-            <a:ext cx="8095680" cy="3228480"/>
+            <a:off x="2451600" y="1593000"/>
+            <a:ext cx="4748400" cy="4887000"/>
           </a:xfrm>
           <a:prstGeom prst="rect">
             <a:avLst/>
@@ -7355,7 +7329,7 @@
         <p:spPr>
           <a:xfrm>
             <a:off x="467640" y="476640"/>
-            <a:ext cx="8183160" cy="1050840"/>
+            <a:ext cx="8182800" cy="1050480"/>
           </a:xfrm>
           <a:prstGeom prst="rect">
             <a:avLst/>
@@ -7390,6 +7364,7 @@
                   </a:solidFill>
                 </a:uFill>
                 <a:latin typeface="Verdana"/>
+                <a:ea typeface="DejaVu Sans"/>
               </a:rPr>
               <a:t>Problema?</a:t>
             </a:r>
@@ -7415,8 +7390,8 @@
         </p:nvSpPr>
         <p:spPr>
           <a:xfrm>
-            <a:off x="467640" y="1700640"/>
-            <a:ext cx="8183160" cy="4187160"/>
+            <a:off x="467640" y="1736640"/>
+            <a:ext cx="8182800" cy="4186800"/>
           </a:xfrm>
           <a:prstGeom prst="rect">
             <a:avLst/>
@@ -7453,7 +7428,7 @@
             </a:endParaRPr>
           </a:p>
           <a:p>
-            <a:pPr marL="265320" indent="-264600">
+            <a:pPr marL="265320" indent="-264240">
               <a:lnSpc>
                 <a:spcPct val="150000"/>
               </a:lnSpc>
@@ -7465,7 +7440,7 @@
               <a:buChar char=""/>
             </a:pPr>
             <a:r>
-              <a:rPr b="0" lang="pt-BR" sz="2800" spc="-1" strike="noStrike">
+              <a:rPr b="0" lang="pt-BR" sz="2400" spc="-1" strike="noStrike">
                 <a:solidFill>
                   <a:srgbClr val="000000"/>
                 </a:solidFill>
@@ -7475,8 +7450,9 @@
                   </a:solidFill>
                 </a:uFill>
                 <a:latin typeface="Verdana"/>
+                <a:ea typeface="DejaVu Sans"/>
               </a:rPr>
-              <a:t>Quantas embalagens estão armazenadas?</a:t>
+              <a:t>Quantas embalagens vazias estão armazenadas?</a:t>
             </a:r>
             <a:endParaRPr b="0" lang="pt-BR" sz="1800" spc="-1" strike="noStrike">
               <a:solidFill>
@@ -7491,7 +7467,7 @@
             </a:endParaRPr>
           </a:p>
           <a:p>
-            <a:pPr marL="265320" indent="-264600">
+            <a:pPr marL="265320" indent="-264240">
               <a:lnSpc>
                 <a:spcPct val="150000"/>
               </a:lnSpc>
@@ -7503,7 +7479,7 @@
               <a:buChar char=""/>
             </a:pPr>
             <a:r>
-              <a:rPr b="0" lang="pt-BR" sz="2800" spc="-1" strike="noStrike">
+              <a:rPr b="0" lang="pt-BR" sz="2400" spc="-1" strike="noStrike">
                 <a:solidFill>
                   <a:srgbClr val="000000"/>
                 </a:solidFill>
@@ -7513,8 +7489,9 @@
                   </a:solidFill>
                 </a:uFill>
                 <a:latin typeface="Verdana"/>
+                <a:ea typeface="DejaVu Sans"/>
               </a:rPr>
-              <a:t>Quantas embalagens estão vazias?</a:t>
+              <a:t>Quais são os tipos de embalagens que estão vazias?</a:t>
             </a:r>
             <a:endParaRPr b="0" lang="pt-BR" sz="1800" spc="-1" strike="noStrike">
               <a:solidFill>
@@ -7529,7 +7506,7 @@
             </a:endParaRPr>
           </a:p>
           <a:p>
-            <a:pPr marL="265320" indent="-264600">
+            <a:pPr marL="265320" indent="-264240">
               <a:lnSpc>
                 <a:spcPct val="150000"/>
               </a:lnSpc>
@@ -7541,7 +7518,7 @@
               <a:buChar char=""/>
             </a:pPr>
             <a:r>
-              <a:rPr b="0" lang="pt-BR" sz="2800" spc="-1" strike="noStrike">
+              <a:rPr b="0" lang="pt-BR" sz="2400" spc="-1" strike="noStrike">
                 <a:solidFill>
                   <a:srgbClr val="000000"/>
                 </a:solidFill>
@@ -7551,8 +7528,9 @@
                   </a:solidFill>
                 </a:uFill>
                 <a:latin typeface="Verdana"/>
+                <a:ea typeface="DejaVu Sans"/>
               </a:rPr>
-              <a:t>Quais os tipos de embalagens?</a:t>
+              <a:t>Você sabe quantas embalagens estão vazias de um determiado produto?</a:t>
             </a:r>
             <a:endParaRPr b="0" lang="pt-BR" sz="1800" spc="-1" strike="noStrike">
               <a:solidFill>
@@ -7567,7 +7545,7 @@
             </a:endParaRPr>
           </a:p>
           <a:p>
-            <a:pPr marL="265320" indent="-264600">
+            <a:pPr marL="265320" indent="-264240">
               <a:lnSpc>
                 <a:spcPct val="150000"/>
               </a:lnSpc>
@@ -7579,7 +7557,7 @@
               <a:buChar char=""/>
             </a:pPr>
             <a:r>
-              <a:rPr b="0" lang="pt-BR" sz="2800" spc="-1" strike="noStrike">
+              <a:rPr b="0" lang="pt-BR" sz="2400" spc="-1" strike="noStrike">
                 <a:solidFill>
                   <a:srgbClr val="000000"/>
                 </a:solidFill>
@@ -7589,46 +7567,9 @@
                   </a:solidFill>
                 </a:uFill>
                 <a:latin typeface="Verdana"/>
+                <a:ea typeface="DejaVu Sans"/>
               </a:rPr>
               <a:t>Você sabe quantas embalagens vazias foram entregues?</a:t>
-            </a:r>
-            <a:endParaRPr b="0" lang="pt-BR" sz="1800" spc="-1" strike="noStrike">
-              <a:solidFill>
-                <a:srgbClr val="000000"/>
-              </a:solidFill>
-              <a:uFill>
-                <a:solidFill>
-                  <a:srgbClr val="ffffff"/>
-                </a:solidFill>
-              </a:uFill>
-              <a:latin typeface="Arial"/>
-            </a:endParaRPr>
-          </a:p>
-          <a:p>
-            <a:pPr marL="265320" indent="-264600">
-              <a:lnSpc>
-                <a:spcPct val="150000"/>
-              </a:lnSpc>
-              <a:buClr>
-                <a:srgbClr val="f07f09"/>
-              </a:buClr>
-              <a:buSzPct val="80000"/>
-              <a:buFont typeface="Wingdings 2" charset="2"/>
-              <a:buChar char=""/>
-            </a:pPr>
-            <a:r>
-              <a:rPr b="0" lang="pt-BR" sz="2800" spc="-1" strike="noStrike">
-                <a:solidFill>
-                  <a:srgbClr val="000000"/>
-                </a:solidFill>
-                <a:uFill>
-                  <a:solidFill>
-                    <a:srgbClr val="ffffff"/>
-                  </a:solidFill>
-                </a:uFill>
-                <a:latin typeface="Verdana"/>
-              </a:rPr>
-              <a:t> </a:t>
             </a:r>
             <a:endParaRPr b="0" lang="pt-BR" sz="1800" spc="-1" strike="noStrike">
               <a:solidFill>
@@ -7674,8 +7615,8 @@
         </p:blipFill>
         <p:spPr>
           <a:xfrm>
-            <a:off x="5832000" y="563400"/>
-            <a:ext cx="2736000" cy="1884600"/>
+            <a:off x="3528000" y="506160"/>
+            <a:ext cx="5106240" cy="1330200"/>
           </a:xfrm>
           <a:prstGeom prst="rect">
             <a:avLst/>
@@ -7736,14 +7677,14 @@
       </p:grpSpPr>
       <p:sp>
         <p:nvSpPr>
-          <p:cNvPr id="136" name="CustomShape 1"/>
+          <p:cNvPr id="137" name="CustomShape 1"/>
           <p:cNvSpPr/>
           <p:nvPr/>
         </p:nvSpPr>
         <p:spPr>
           <a:xfrm>
             <a:off x="467640" y="476640"/>
-            <a:ext cx="8183160" cy="1050840"/>
+            <a:ext cx="8182800" cy="1050480"/>
           </a:xfrm>
           <a:prstGeom prst="rect">
             <a:avLst/>
@@ -7778,8 +7719,9 @@
                   </a:solidFill>
                 </a:uFill>
                 <a:latin typeface="Verdana"/>
+                <a:ea typeface="DejaVu Sans"/>
               </a:rPr>
-              <a:t>Sobre</a:t>
+              <a:t>Prototipação das Telas</a:t>
             </a:r>
             <a:endParaRPr b="0" lang="pt-BR" sz="1800" spc="-1" strike="noStrike">
               <a:solidFill>
@@ -7797,14 +7739,14 @@
       </p:sp>
       <p:sp>
         <p:nvSpPr>
-          <p:cNvPr id="137" name="CustomShape 2"/>
+          <p:cNvPr id="138" name="CustomShape 2"/>
           <p:cNvSpPr/>
           <p:nvPr/>
         </p:nvSpPr>
         <p:spPr>
           <a:xfrm>
             <a:off x="467640" y="1700640"/>
-            <a:ext cx="8183160" cy="4187160"/>
+            <a:ext cx="8182800" cy="4186800"/>
           </a:xfrm>
           <a:prstGeom prst="rect">
             <a:avLst/>
@@ -7841,7 +7783,7 @@
             </a:endParaRPr>
           </a:p>
           <a:p>
-            <a:pPr marL="265320" indent="-264600">
+            <a:pPr marL="265320" indent="-264240">
               <a:lnSpc>
                 <a:spcPct val="150000"/>
               </a:lnSpc>
@@ -7853,7 +7795,7 @@
               <a:buChar char=""/>
             </a:pPr>
             <a:r>
-              <a:rPr b="0" lang="pt-BR" sz="2000" spc="-1" strike="noStrike">
+              <a:rPr b="0" lang="pt-BR" sz="2800" spc="-1" strike="noStrike">
                 <a:solidFill>
                   <a:srgbClr val="000000"/>
                 </a:solidFill>
@@ -7863,8 +7805,9 @@
                   </a:solidFill>
                 </a:uFill>
                 <a:latin typeface="Verdana"/>
+                <a:ea typeface="DejaVu Sans"/>
               </a:rPr>
-              <a:t>Jonas Pereira</a:t>
+              <a:t> </a:t>
             </a:r>
             <a:endParaRPr b="0" lang="pt-BR" sz="1800" spc="-1" strike="noStrike">
               <a:solidFill>
@@ -7879,183 +7822,29 @@
             </a:endParaRPr>
           </a:p>
           <a:p>
-            <a:pPr marL="265320" indent="-264600">
+            <a:pPr>
               <a:lnSpc>
                 <a:spcPct val="150000"/>
               </a:lnSpc>
-              <a:buClr>
-                <a:srgbClr val="f07f09"/>
-              </a:buClr>
-              <a:buSzPct val="80000"/>
-              <a:buFont typeface="Wingdings 2" charset="2"/>
-              <a:buChar char=""/>
-            </a:pPr>
-            <a:r>
-              <a:rPr b="0" lang="pt-BR" sz="2000" spc="-1" strike="noStrike">
-                <a:solidFill>
-                  <a:srgbClr val="000000"/>
-                </a:solidFill>
-                <a:uFill>
-                  <a:solidFill>
-                    <a:srgbClr val="ffffff"/>
-                  </a:solidFill>
-                </a:uFill>
-                <a:latin typeface="Verdana"/>
-              </a:rPr>
-              <a:t>34 anos</a:t>
-            </a:r>
-            <a:endParaRPr b="0" lang="pt-BR" sz="1800" spc="-1" strike="noStrike">
-              <a:solidFill>
-                <a:srgbClr val="000000"/>
-              </a:solidFill>
-              <a:uFill>
-                <a:solidFill>
-                  <a:srgbClr val="ffffff"/>
-                </a:solidFill>
-              </a:uFill>
-              <a:latin typeface="Arial"/>
-            </a:endParaRPr>
-          </a:p>
-          <a:p>
-            <a:pPr marL="265320" indent="-264600">
+            </a:pPr>
+            <a:endParaRPr b="0" lang="pt-BR" sz="1800" spc="-1" strike="noStrike">
+              <a:solidFill>
+                <a:srgbClr val="000000"/>
+              </a:solidFill>
+              <a:uFill>
+                <a:solidFill>
+                  <a:srgbClr val="ffffff"/>
+                </a:solidFill>
+              </a:uFill>
+              <a:latin typeface="Arial"/>
+            </a:endParaRPr>
+          </a:p>
+          <a:p>
+            <a:pPr>
               <a:lnSpc>
                 <a:spcPct val="150000"/>
               </a:lnSpc>
-              <a:buClr>
-                <a:srgbClr val="f07f09"/>
-              </a:buClr>
-              <a:buSzPct val="80000"/>
-              <a:buFont typeface="Wingdings 2" charset="2"/>
-              <a:buChar char=""/>
-            </a:pPr>
-            <a:r>
-              <a:rPr b="0" lang="pt-BR" sz="2000" spc="-1" strike="noStrike">
-                <a:solidFill>
-                  <a:srgbClr val="000000"/>
-                </a:solidFill>
-                <a:uFill>
-                  <a:solidFill>
-                    <a:srgbClr val="ffffff"/>
-                  </a:solidFill>
-                </a:uFill>
-                <a:latin typeface="Verdana"/>
-              </a:rPr>
-              <a:t>Graduado em Sistema de Informação</a:t>
-            </a:r>
-            <a:endParaRPr b="0" lang="pt-BR" sz="1800" spc="-1" strike="noStrike">
-              <a:solidFill>
-                <a:srgbClr val="000000"/>
-              </a:solidFill>
-              <a:uFill>
-                <a:solidFill>
-                  <a:srgbClr val="ffffff"/>
-                </a:solidFill>
-              </a:uFill>
-              <a:latin typeface="Arial"/>
-            </a:endParaRPr>
-          </a:p>
-          <a:p>
-            <a:pPr marL="265320" indent="-264600">
-              <a:lnSpc>
-                <a:spcPct val="150000"/>
-              </a:lnSpc>
-              <a:buClr>
-                <a:srgbClr val="f07f09"/>
-              </a:buClr>
-              <a:buSzPct val="80000"/>
-              <a:buFont typeface="Wingdings 2" charset="2"/>
-              <a:buChar char=""/>
-            </a:pPr>
-            <a:r>
-              <a:rPr b="0" lang="pt-BR" sz="2000" spc="-1" strike="noStrike">
-                <a:solidFill>
-                  <a:srgbClr val="000000"/>
-                </a:solidFill>
-                <a:uFill>
-                  <a:solidFill>
-                    <a:srgbClr val="ffffff"/>
-                  </a:solidFill>
-                </a:uFill>
-                <a:latin typeface="Verdana"/>
-              </a:rPr>
-              <a:t>Pós-graduado em Gestão Estratégica em Tecnologia de Informação</a:t>
-            </a:r>
-            <a:endParaRPr b="0" lang="pt-BR" sz="1800" spc="-1" strike="noStrike">
-              <a:solidFill>
-                <a:srgbClr val="000000"/>
-              </a:solidFill>
-              <a:uFill>
-                <a:solidFill>
-                  <a:srgbClr val="ffffff"/>
-                </a:solidFill>
-              </a:uFill>
-              <a:latin typeface="Arial"/>
-            </a:endParaRPr>
-          </a:p>
-          <a:p>
-            <a:pPr marL="265320" indent="-264600">
-              <a:lnSpc>
-                <a:spcPct val="150000"/>
-              </a:lnSpc>
-              <a:buClr>
-                <a:srgbClr val="f07f09"/>
-              </a:buClr>
-              <a:buSzPct val="80000"/>
-              <a:buFont typeface="Wingdings 2" charset="2"/>
-              <a:buChar char=""/>
-            </a:pPr>
-            <a:r>
-              <a:rPr b="0" lang="pt-BR" sz="2000" spc="-1" strike="noStrike">
-                <a:solidFill>
-                  <a:srgbClr val="000000"/>
-                </a:solidFill>
-                <a:uFill>
-                  <a:solidFill>
-                    <a:srgbClr val="ffffff"/>
-                  </a:solidFill>
-                </a:uFill>
-                <a:latin typeface="Verdana"/>
-              </a:rPr>
-              <a:t>Aluno do Projeto Aprender e Crescer</a:t>
-            </a:r>
-            <a:endParaRPr b="0" lang="pt-BR" sz="1800" spc="-1" strike="noStrike">
-              <a:solidFill>
-                <a:srgbClr val="000000"/>
-              </a:solidFill>
-              <a:uFill>
-                <a:solidFill>
-                  <a:srgbClr val="ffffff"/>
-                </a:solidFill>
-              </a:uFill>
-              <a:latin typeface="Arial"/>
-            </a:endParaRPr>
-          </a:p>
-          <a:p>
-            <a:pPr marL="265320" indent="-264600">
-              <a:lnSpc>
-                <a:spcPct val="150000"/>
-              </a:lnSpc>
-              <a:buClr>
-                <a:srgbClr val="f07f09"/>
-              </a:buClr>
-              <a:buSzPct val="80000"/>
-              <a:buFont typeface="Wingdings 2" charset="2"/>
-              <a:buChar char=""/>
-            </a:pPr>
-            <a:r>
-              <a:rPr b="0" lang="pt-BR" sz="2000" spc="-1" strike="noStrike">
-                <a:solidFill>
-                  <a:srgbClr val="000000"/>
-                </a:solidFill>
-                <a:uFill>
-                  <a:solidFill>
-                    <a:srgbClr val="ffffff"/>
-                  </a:solidFill>
-                </a:uFill>
-                <a:latin typeface="Verdana"/>
-              </a:rPr>
-              <a:t>Colaborador da Empresa CISS Software e Serviços.</a:t>
-            </a:r>
+            </a:pPr>
             <a:endParaRPr b="0" lang="pt-BR" sz="1800" spc="-1" strike="noStrike">
               <a:solidFill>
                 <a:srgbClr val="000000"/>
@@ -8090,7 +7879,7 @@
       </p:sp>
       <p:pic>
         <p:nvPicPr>
-          <p:cNvPr id="138" name="" descr=""/>
+          <p:cNvPr id="139" name="" descr=""/>
           <p:cNvPicPr/>
           <p:nvPr/>
         </p:nvPicPr>
@@ -8100,8 +7889,8 @@
         </p:blipFill>
         <p:spPr>
           <a:xfrm>
-            <a:off x="5976000" y="720000"/>
-            <a:ext cx="2520000" cy="2160000"/>
+            <a:off x="2456280" y="1557000"/>
+            <a:ext cx="5031720" cy="4923000"/>
           </a:xfrm>
           <a:prstGeom prst="rect">
             <a:avLst/>
@@ -8120,6 +7909,987 @@
           <p:childTnLst>
             <p:seq>
               <p:cTn id="40" nodeType="mainSeq"/>
+              <p:prevCondLst>
+                <p:cond delay="0" evt="onPrev">
+                  <p:tgtEl>
+                    <p:sldTgt/>
+                  </p:tgtEl>
+                </p:cond>
+              </p:prevCondLst>
+              <p:nextCondLst>
+                <p:cond delay="0" evt="onNext">
+                  <p:tgtEl>
+                    <p:sldTgt/>
+                  </p:tgtEl>
+                </p:cond>
+              </p:nextCondLst>
+            </p:seq>
+          </p:childTnLst>
+        </p:cTn>
+      </p:par>
+    </p:tnLst>
+  </p:timing>
+</p:sld>
+</file>
+
+<file path=ppt/slides/slide21.xml><?xml version="1.0" encoding="utf-8"?>
+<p:sld xmlns:a="http://schemas.openxmlformats.org/drawingml/2006/main" xmlns:p="http://schemas.openxmlformats.org/presentationml/2006/main" xmlns:r="http://schemas.openxmlformats.org/officeDocument/2006/relationships" xmlns:p14="http://schemas.microsoft.com/office/powerpoint/2010/main" xmlns:p15="http://schemas.microsoft.com/office/powerpoint/2012/main" xmlns:mc="http://schemas.openxmlformats.org/markup-compatibility/2006">
+  <p:cSld>
+    <p:spTree>
+      <p:nvGrpSpPr>
+        <p:cNvPr id="1" name=""/>
+        <p:cNvGrpSpPr/>
+        <p:nvPr/>
+      </p:nvGrpSpPr>
+      <p:grpSpPr>
+        <a:xfrm>
+          <a:off x="0" y="0"/>
+          <a:ext cx="0" cy="0"/>
+          <a:chOff x="0" y="0"/>
+          <a:chExt cx="0" cy="0"/>
+        </a:xfrm>
+      </p:grpSpPr>
+      <p:sp>
+        <p:nvSpPr>
+          <p:cNvPr id="140" name="CustomShape 1"/>
+          <p:cNvSpPr/>
+          <p:nvPr/>
+        </p:nvSpPr>
+        <p:spPr>
+          <a:xfrm>
+            <a:off x="467640" y="476640"/>
+            <a:ext cx="8182800" cy="1050480"/>
+          </a:xfrm>
+          <a:prstGeom prst="rect">
+            <a:avLst/>
+          </a:prstGeom>
+          <a:noFill/>
+          <a:ln>
+            <a:noFill/>
+          </a:ln>
+        </p:spPr>
+        <p:style>
+          <a:lnRef idx="0"/>
+          <a:fillRef idx="0"/>
+          <a:effectRef idx="0"/>
+          <a:fontRef idx="minor"/>
+        </p:style>
+        <p:txBody>
+          <a:bodyPr lIns="90000" rIns="90000" tIns="45000" bIns="45000" anchor="b"/>
+          <a:p>
+            <a:pPr>
+              <a:lnSpc>
+                <a:spcPct val="100000"/>
+              </a:lnSpc>
+            </a:pPr>
+            <a:r>
+              <a:rPr b="1" lang="pt-BR" sz="3600" spc="-1" strike="noStrike">
+                <a:solidFill>
+                  <a:srgbClr val="ff9257"/>
+                </a:solidFill>
+                <a:uFill>
+                  <a:solidFill>
+                    <a:srgbClr val="ffffff"/>
+                  </a:solidFill>
+                </a:uFill>
+                <a:latin typeface="Verdana"/>
+                <a:ea typeface="DejaVu Sans"/>
+              </a:rPr>
+              <a:t>Prototipação das Telas</a:t>
+            </a:r>
+            <a:endParaRPr b="0" lang="pt-BR" sz="1800" spc="-1" strike="noStrike">
+              <a:solidFill>
+                <a:srgbClr val="000000"/>
+              </a:solidFill>
+              <a:uFill>
+                <a:solidFill>
+                  <a:srgbClr val="ffffff"/>
+                </a:solidFill>
+              </a:uFill>
+              <a:latin typeface="Arial"/>
+            </a:endParaRPr>
+          </a:p>
+        </p:txBody>
+      </p:sp>
+      <p:sp>
+        <p:nvSpPr>
+          <p:cNvPr id="141" name="CustomShape 2"/>
+          <p:cNvSpPr/>
+          <p:nvPr/>
+        </p:nvSpPr>
+        <p:spPr>
+          <a:xfrm>
+            <a:off x="467640" y="1700640"/>
+            <a:ext cx="8182800" cy="4186800"/>
+          </a:xfrm>
+          <a:prstGeom prst="rect">
+            <a:avLst/>
+          </a:prstGeom>
+          <a:noFill/>
+          <a:ln>
+            <a:noFill/>
+          </a:ln>
+        </p:spPr>
+        <p:style>
+          <a:lnRef idx="0"/>
+          <a:fillRef idx="0"/>
+          <a:effectRef idx="0"/>
+          <a:fontRef idx="minor"/>
+        </p:style>
+        <p:txBody>
+          <a:bodyPr lIns="182880" rIns="90000" tIns="91440" bIns="45000"/>
+          <a:p>
+            <a:pPr>
+              <a:lnSpc>
+                <a:spcPct val="100000"/>
+              </a:lnSpc>
+            </a:pPr>
+            <a:endParaRPr b="0" lang="pt-BR" sz="1800" spc="-1" strike="noStrike">
+              <a:solidFill>
+                <a:srgbClr val="000000"/>
+              </a:solidFill>
+              <a:uFill>
+                <a:solidFill>
+                  <a:srgbClr val="ffffff"/>
+                </a:solidFill>
+              </a:uFill>
+              <a:latin typeface="Arial"/>
+            </a:endParaRPr>
+          </a:p>
+          <a:p>
+            <a:pPr marL="265320" indent="-264240">
+              <a:lnSpc>
+                <a:spcPct val="150000"/>
+              </a:lnSpc>
+              <a:buClr>
+                <a:srgbClr val="f07f09"/>
+              </a:buClr>
+              <a:buSzPct val="80000"/>
+              <a:buFont typeface="Wingdings 2" charset="2"/>
+              <a:buChar char=""/>
+            </a:pPr>
+            <a:r>
+              <a:rPr b="0" lang="pt-BR" sz="2800" spc="-1" strike="noStrike">
+                <a:solidFill>
+                  <a:srgbClr val="000000"/>
+                </a:solidFill>
+                <a:uFill>
+                  <a:solidFill>
+                    <a:srgbClr val="ffffff"/>
+                  </a:solidFill>
+                </a:uFill>
+                <a:latin typeface="Verdana"/>
+                <a:ea typeface="DejaVu Sans"/>
+              </a:rPr>
+              <a:t> </a:t>
+            </a:r>
+            <a:endParaRPr b="0" lang="pt-BR" sz="1800" spc="-1" strike="noStrike">
+              <a:solidFill>
+                <a:srgbClr val="000000"/>
+              </a:solidFill>
+              <a:uFill>
+                <a:solidFill>
+                  <a:srgbClr val="ffffff"/>
+                </a:solidFill>
+              </a:uFill>
+              <a:latin typeface="Arial"/>
+            </a:endParaRPr>
+          </a:p>
+          <a:p>
+            <a:pPr>
+              <a:lnSpc>
+                <a:spcPct val="150000"/>
+              </a:lnSpc>
+            </a:pPr>
+            <a:endParaRPr b="0" lang="pt-BR" sz="1800" spc="-1" strike="noStrike">
+              <a:solidFill>
+                <a:srgbClr val="000000"/>
+              </a:solidFill>
+              <a:uFill>
+                <a:solidFill>
+                  <a:srgbClr val="ffffff"/>
+                </a:solidFill>
+              </a:uFill>
+              <a:latin typeface="Arial"/>
+            </a:endParaRPr>
+          </a:p>
+          <a:p>
+            <a:pPr>
+              <a:lnSpc>
+                <a:spcPct val="150000"/>
+              </a:lnSpc>
+            </a:pPr>
+            <a:endParaRPr b="0" lang="pt-BR" sz="1800" spc="-1" strike="noStrike">
+              <a:solidFill>
+                <a:srgbClr val="000000"/>
+              </a:solidFill>
+              <a:uFill>
+                <a:solidFill>
+                  <a:srgbClr val="ffffff"/>
+                </a:solidFill>
+              </a:uFill>
+              <a:latin typeface="Arial"/>
+            </a:endParaRPr>
+          </a:p>
+          <a:p>
+            <a:pPr>
+              <a:lnSpc>
+                <a:spcPct val="100000"/>
+              </a:lnSpc>
+            </a:pPr>
+            <a:endParaRPr b="0" lang="pt-BR" sz="1800" spc="-1" strike="noStrike">
+              <a:solidFill>
+                <a:srgbClr val="000000"/>
+              </a:solidFill>
+              <a:uFill>
+                <a:solidFill>
+                  <a:srgbClr val="ffffff"/>
+                </a:solidFill>
+              </a:uFill>
+              <a:latin typeface="Arial"/>
+            </a:endParaRPr>
+          </a:p>
+        </p:txBody>
+      </p:sp>
+      <p:pic>
+        <p:nvPicPr>
+          <p:cNvPr id="142" name="" descr=""/>
+          <p:cNvPicPr/>
+          <p:nvPr/>
+        </p:nvPicPr>
+        <p:blipFill>
+          <a:blip r:embed="rId1"/>
+          <a:stretch/>
+        </p:blipFill>
+        <p:spPr>
+          <a:xfrm>
+            <a:off x="2456280" y="1557000"/>
+            <a:ext cx="4959720" cy="4923000"/>
+          </a:xfrm>
+          <a:prstGeom prst="rect">
+            <a:avLst/>
+          </a:prstGeom>
+          <a:ln>
+            <a:noFill/>
+          </a:ln>
+        </p:spPr>
+      </p:pic>
+    </p:spTree>
+  </p:cSld>
+  <p:timing>
+    <p:tnLst>
+      <p:par>
+        <p:cTn id="41" dur="indefinite" restart="never" nodeType="tmRoot">
+          <p:childTnLst>
+            <p:seq>
+              <p:cTn id="42" nodeType="mainSeq"/>
+              <p:prevCondLst>
+                <p:cond delay="0" evt="onPrev">
+                  <p:tgtEl>
+                    <p:sldTgt/>
+                  </p:tgtEl>
+                </p:cond>
+              </p:prevCondLst>
+              <p:nextCondLst>
+                <p:cond delay="0" evt="onNext">
+                  <p:tgtEl>
+                    <p:sldTgt/>
+                  </p:tgtEl>
+                </p:cond>
+              </p:nextCondLst>
+            </p:seq>
+          </p:childTnLst>
+        </p:cTn>
+      </p:par>
+    </p:tnLst>
+  </p:timing>
+</p:sld>
+</file>
+
+<file path=ppt/slides/slide22.xml><?xml version="1.0" encoding="utf-8"?>
+<p:sld xmlns:a="http://schemas.openxmlformats.org/drawingml/2006/main" xmlns:p="http://schemas.openxmlformats.org/presentationml/2006/main" xmlns:r="http://schemas.openxmlformats.org/officeDocument/2006/relationships" xmlns:p14="http://schemas.microsoft.com/office/powerpoint/2010/main" xmlns:p15="http://schemas.microsoft.com/office/powerpoint/2012/main" xmlns:mc="http://schemas.openxmlformats.org/markup-compatibility/2006">
+  <p:cSld>
+    <p:spTree>
+      <p:nvGrpSpPr>
+        <p:cNvPr id="1" name=""/>
+        <p:cNvGrpSpPr/>
+        <p:nvPr/>
+      </p:nvGrpSpPr>
+      <p:grpSpPr>
+        <a:xfrm>
+          <a:off x="0" y="0"/>
+          <a:ext cx="0" cy="0"/>
+          <a:chOff x="0" y="0"/>
+          <a:chExt cx="0" cy="0"/>
+        </a:xfrm>
+      </p:grpSpPr>
+      <p:sp>
+        <p:nvSpPr>
+          <p:cNvPr id="143" name="CustomShape 1"/>
+          <p:cNvSpPr/>
+          <p:nvPr/>
+        </p:nvSpPr>
+        <p:spPr>
+          <a:xfrm>
+            <a:off x="467640" y="476640"/>
+            <a:ext cx="8182800" cy="1050480"/>
+          </a:xfrm>
+          <a:prstGeom prst="rect">
+            <a:avLst/>
+          </a:prstGeom>
+          <a:noFill/>
+          <a:ln>
+            <a:noFill/>
+          </a:ln>
+        </p:spPr>
+        <p:style>
+          <a:lnRef idx="0"/>
+          <a:fillRef idx="0"/>
+          <a:effectRef idx="0"/>
+          <a:fontRef idx="minor"/>
+        </p:style>
+        <p:txBody>
+          <a:bodyPr lIns="90000" rIns="90000" tIns="45000" bIns="45000" anchor="b"/>
+          <a:p>
+            <a:pPr>
+              <a:lnSpc>
+                <a:spcPct val="100000"/>
+              </a:lnSpc>
+            </a:pPr>
+            <a:r>
+              <a:rPr b="1" lang="pt-BR" sz="3600" spc="-1" strike="noStrike">
+                <a:solidFill>
+                  <a:srgbClr val="ff9257"/>
+                </a:solidFill>
+                <a:uFill>
+                  <a:solidFill>
+                    <a:srgbClr val="ffffff"/>
+                  </a:solidFill>
+                </a:uFill>
+                <a:latin typeface="Verdana"/>
+                <a:ea typeface="DejaVu Sans"/>
+              </a:rPr>
+              <a:t>Diagrama de Entidade e Relacionamento</a:t>
+            </a:r>
+            <a:endParaRPr b="0" lang="pt-BR" sz="1800" spc="-1" strike="noStrike">
+              <a:solidFill>
+                <a:srgbClr val="000000"/>
+              </a:solidFill>
+              <a:uFill>
+                <a:solidFill>
+                  <a:srgbClr val="ffffff"/>
+                </a:solidFill>
+              </a:uFill>
+              <a:latin typeface="Arial"/>
+            </a:endParaRPr>
+          </a:p>
+        </p:txBody>
+      </p:sp>
+      <p:sp>
+        <p:nvSpPr>
+          <p:cNvPr id="144" name="CustomShape 2"/>
+          <p:cNvSpPr/>
+          <p:nvPr/>
+        </p:nvSpPr>
+        <p:spPr>
+          <a:xfrm>
+            <a:off x="467640" y="1700640"/>
+            <a:ext cx="8182800" cy="4186800"/>
+          </a:xfrm>
+          <a:prstGeom prst="rect">
+            <a:avLst/>
+          </a:prstGeom>
+          <a:noFill/>
+          <a:ln>
+            <a:noFill/>
+          </a:ln>
+        </p:spPr>
+        <p:style>
+          <a:lnRef idx="0"/>
+          <a:fillRef idx="0"/>
+          <a:effectRef idx="0"/>
+          <a:fontRef idx="minor"/>
+        </p:style>
+        <p:txBody>
+          <a:bodyPr lIns="182880" rIns="90000" tIns="91440" bIns="45000"/>
+          <a:p>
+            <a:pPr>
+              <a:lnSpc>
+                <a:spcPct val="100000"/>
+              </a:lnSpc>
+            </a:pPr>
+            <a:endParaRPr b="0" lang="pt-BR" sz="1800" spc="-1" strike="noStrike">
+              <a:solidFill>
+                <a:srgbClr val="000000"/>
+              </a:solidFill>
+              <a:uFill>
+                <a:solidFill>
+                  <a:srgbClr val="ffffff"/>
+                </a:solidFill>
+              </a:uFill>
+              <a:latin typeface="Arial"/>
+            </a:endParaRPr>
+          </a:p>
+          <a:p>
+            <a:pPr marL="265320" indent="-264240">
+              <a:lnSpc>
+                <a:spcPct val="150000"/>
+              </a:lnSpc>
+              <a:buClr>
+                <a:srgbClr val="f07f09"/>
+              </a:buClr>
+              <a:buSzPct val="80000"/>
+              <a:buFont typeface="Wingdings 2" charset="2"/>
+              <a:buChar char=""/>
+            </a:pPr>
+            <a:r>
+              <a:rPr b="0" lang="pt-BR" sz="2800" spc="-1" strike="noStrike">
+                <a:solidFill>
+                  <a:srgbClr val="000000"/>
+                </a:solidFill>
+                <a:uFill>
+                  <a:solidFill>
+                    <a:srgbClr val="ffffff"/>
+                  </a:solidFill>
+                </a:uFill>
+                <a:latin typeface="Verdana"/>
+                <a:ea typeface="DejaVu Sans"/>
+              </a:rPr>
+              <a:t> </a:t>
+            </a:r>
+            <a:endParaRPr b="0" lang="pt-BR" sz="1800" spc="-1" strike="noStrike">
+              <a:solidFill>
+                <a:srgbClr val="000000"/>
+              </a:solidFill>
+              <a:uFill>
+                <a:solidFill>
+                  <a:srgbClr val="ffffff"/>
+                </a:solidFill>
+              </a:uFill>
+              <a:latin typeface="Arial"/>
+            </a:endParaRPr>
+          </a:p>
+          <a:p>
+            <a:pPr>
+              <a:lnSpc>
+                <a:spcPct val="150000"/>
+              </a:lnSpc>
+            </a:pPr>
+            <a:endParaRPr b="0" lang="pt-BR" sz="1800" spc="-1" strike="noStrike">
+              <a:solidFill>
+                <a:srgbClr val="000000"/>
+              </a:solidFill>
+              <a:uFill>
+                <a:solidFill>
+                  <a:srgbClr val="ffffff"/>
+                </a:solidFill>
+              </a:uFill>
+              <a:latin typeface="Arial"/>
+            </a:endParaRPr>
+          </a:p>
+          <a:p>
+            <a:pPr>
+              <a:lnSpc>
+                <a:spcPct val="150000"/>
+              </a:lnSpc>
+            </a:pPr>
+            <a:endParaRPr b="0" lang="pt-BR" sz="1800" spc="-1" strike="noStrike">
+              <a:solidFill>
+                <a:srgbClr val="000000"/>
+              </a:solidFill>
+              <a:uFill>
+                <a:solidFill>
+                  <a:srgbClr val="ffffff"/>
+                </a:solidFill>
+              </a:uFill>
+              <a:latin typeface="Arial"/>
+            </a:endParaRPr>
+          </a:p>
+          <a:p>
+            <a:pPr>
+              <a:lnSpc>
+                <a:spcPct val="100000"/>
+              </a:lnSpc>
+            </a:pPr>
+            <a:endParaRPr b="0" lang="pt-BR" sz="1800" spc="-1" strike="noStrike">
+              <a:solidFill>
+                <a:srgbClr val="000000"/>
+              </a:solidFill>
+              <a:uFill>
+                <a:solidFill>
+                  <a:srgbClr val="ffffff"/>
+                </a:solidFill>
+              </a:uFill>
+              <a:latin typeface="Arial"/>
+            </a:endParaRPr>
+          </a:p>
+        </p:txBody>
+      </p:sp>
+      <p:pic>
+        <p:nvPicPr>
+          <p:cNvPr id="145" name="" descr=""/>
+          <p:cNvPicPr/>
+          <p:nvPr/>
+        </p:nvPicPr>
+        <p:blipFill>
+          <a:blip r:embed="rId1"/>
+          <a:stretch/>
+        </p:blipFill>
+        <p:spPr>
+          <a:xfrm>
+            <a:off x="503640" y="2409840"/>
+            <a:ext cx="8182800" cy="3276720"/>
+          </a:xfrm>
+          <a:prstGeom prst="rect">
+            <a:avLst/>
+          </a:prstGeom>
+          <a:ln>
+            <a:noFill/>
+          </a:ln>
+        </p:spPr>
+      </p:pic>
+    </p:spTree>
+  </p:cSld>
+  <p:timing>
+    <p:tnLst>
+      <p:par>
+        <p:cTn id="43" dur="indefinite" restart="never" nodeType="tmRoot">
+          <p:childTnLst>
+            <p:seq>
+              <p:cTn id="44" nodeType="mainSeq"/>
+              <p:prevCondLst>
+                <p:cond delay="0" evt="onPrev">
+                  <p:tgtEl>
+                    <p:sldTgt/>
+                  </p:tgtEl>
+                </p:cond>
+              </p:prevCondLst>
+              <p:nextCondLst>
+                <p:cond delay="0" evt="onNext">
+                  <p:tgtEl>
+                    <p:sldTgt/>
+                  </p:tgtEl>
+                </p:cond>
+              </p:nextCondLst>
+            </p:seq>
+          </p:childTnLst>
+        </p:cTn>
+      </p:par>
+    </p:tnLst>
+  </p:timing>
+</p:sld>
+</file>
+
+<file path=ppt/slides/slide23.xml><?xml version="1.0" encoding="utf-8"?>
+<p:sld xmlns:a="http://schemas.openxmlformats.org/drawingml/2006/main" xmlns:p="http://schemas.openxmlformats.org/presentationml/2006/main" xmlns:r="http://schemas.openxmlformats.org/officeDocument/2006/relationships" xmlns:p14="http://schemas.microsoft.com/office/powerpoint/2010/main" xmlns:p15="http://schemas.microsoft.com/office/powerpoint/2012/main" xmlns:mc="http://schemas.openxmlformats.org/markup-compatibility/2006">
+  <p:cSld>
+    <p:spTree>
+      <p:nvGrpSpPr>
+        <p:cNvPr id="1" name=""/>
+        <p:cNvGrpSpPr/>
+        <p:nvPr/>
+      </p:nvGrpSpPr>
+      <p:grpSpPr>
+        <a:xfrm>
+          <a:off x="0" y="0"/>
+          <a:ext cx="0" cy="0"/>
+          <a:chOff x="0" y="0"/>
+          <a:chExt cx="0" cy="0"/>
+        </a:xfrm>
+      </p:grpSpPr>
+      <p:sp>
+        <p:nvSpPr>
+          <p:cNvPr id="146" name="CustomShape 1"/>
+          <p:cNvSpPr/>
+          <p:nvPr/>
+        </p:nvSpPr>
+        <p:spPr>
+          <a:xfrm>
+            <a:off x="467640" y="476640"/>
+            <a:ext cx="8182800" cy="1050480"/>
+          </a:xfrm>
+          <a:prstGeom prst="rect">
+            <a:avLst/>
+          </a:prstGeom>
+          <a:noFill/>
+          <a:ln>
+            <a:noFill/>
+          </a:ln>
+        </p:spPr>
+        <p:style>
+          <a:lnRef idx="0"/>
+          <a:fillRef idx="0"/>
+          <a:effectRef idx="0"/>
+          <a:fontRef idx="minor"/>
+        </p:style>
+        <p:txBody>
+          <a:bodyPr lIns="90000" rIns="90000" tIns="45000" bIns="45000" anchor="b"/>
+          <a:p>
+            <a:pPr>
+              <a:lnSpc>
+                <a:spcPct val="100000"/>
+              </a:lnSpc>
+            </a:pPr>
+            <a:r>
+              <a:rPr b="1" lang="pt-BR" sz="3600" spc="-1" strike="noStrike">
+                <a:solidFill>
+                  <a:srgbClr val="ff9257"/>
+                </a:solidFill>
+                <a:uFill>
+                  <a:solidFill>
+                    <a:srgbClr val="ffffff"/>
+                  </a:solidFill>
+                </a:uFill>
+                <a:latin typeface="Verdana"/>
+                <a:ea typeface="DejaVu Sans"/>
+              </a:rPr>
+              <a:t>Sobre</a:t>
+            </a:r>
+            <a:endParaRPr b="0" lang="pt-BR" sz="1800" spc="-1" strike="noStrike">
+              <a:solidFill>
+                <a:srgbClr val="000000"/>
+              </a:solidFill>
+              <a:uFill>
+                <a:solidFill>
+                  <a:srgbClr val="ffffff"/>
+                </a:solidFill>
+              </a:uFill>
+              <a:latin typeface="Arial"/>
+            </a:endParaRPr>
+          </a:p>
+        </p:txBody>
+      </p:sp>
+      <p:sp>
+        <p:nvSpPr>
+          <p:cNvPr id="147" name="CustomShape 2"/>
+          <p:cNvSpPr/>
+          <p:nvPr/>
+        </p:nvSpPr>
+        <p:spPr>
+          <a:xfrm>
+            <a:off x="467640" y="1700640"/>
+            <a:ext cx="8182800" cy="4186800"/>
+          </a:xfrm>
+          <a:prstGeom prst="rect">
+            <a:avLst/>
+          </a:prstGeom>
+          <a:noFill/>
+          <a:ln>
+            <a:noFill/>
+          </a:ln>
+        </p:spPr>
+        <p:style>
+          <a:lnRef idx="0"/>
+          <a:fillRef idx="0"/>
+          <a:effectRef idx="0"/>
+          <a:fontRef idx="minor"/>
+        </p:style>
+        <p:txBody>
+          <a:bodyPr lIns="182880" rIns="90000" tIns="91440" bIns="45000"/>
+          <a:p>
+            <a:pPr>
+              <a:lnSpc>
+                <a:spcPct val="100000"/>
+              </a:lnSpc>
+            </a:pPr>
+            <a:endParaRPr b="0" lang="pt-BR" sz="1800" spc="-1" strike="noStrike">
+              <a:solidFill>
+                <a:srgbClr val="000000"/>
+              </a:solidFill>
+              <a:uFill>
+                <a:solidFill>
+                  <a:srgbClr val="ffffff"/>
+                </a:solidFill>
+              </a:uFill>
+              <a:latin typeface="Arial"/>
+            </a:endParaRPr>
+          </a:p>
+          <a:p>
+            <a:pPr marL="265320" indent="-264240">
+              <a:lnSpc>
+                <a:spcPct val="150000"/>
+              </a:lnSpc>
+              <a:buClr>
+                <a:srgbClr val="f07f09"/>
+              </a:buClr>
+              <a:buSzPct val="80000"/>
+              <a:buFont typeface="Wingdings 2" charset="2"/>
+              <a:buChar char=""/>
+            </a:pPr>
+            <a:r>
+              <a:rPr b="0" lang="pt-BR" sz="2000" spc="-1" strike="noStrike">
+                <a:solidFill>
+                  <a:srgbClr val="000000"/>
+                </a:solidFill>
+                <a:uFill>
+                  <a:solidFill>
+                    <a:srgbClr val="ffffff"/>
+                  </a:solidFill>
+                </a:uFill>
+                <a:latin typeface="Verdana"/>
+                <a:ea typeface="DejaVu Sans"/>
+              </a:rPr>
+              <a:t>Jonas Pereira</a:t>
+            </a:r>
+            <a:endParaRPr b="0" lang="pt-BR" sz="1800" spc="-1" strike="noStrike">
+              <a:solidFill>
+                <a:srgbClr val="000000"/>
+              </a:solidFill>
+              <a:uFill>
+                <a:solidFill>
+                  <a:srgbClr val="ffffff"/>
+                </a:solidFill>
+              </a:uFill>
+              <a:latin typeface="Arial"/>
+            </a:endParaRPr>
+          </a:p>
+          <a:p>
+            <a:pPr marL="265320" indent="-264240">
+              <a:lnSpc>
+                <a:spcPct val="150000"/>
+              </a:lnSpc>
+              <a:buClr>
+                <a:srgbClr val="f07f09"/>
+              </a:buClr>
+              <a:buSzPct val="80000"/>
+              <a:buFont typeface="Wingdings 2" charset="2"/>
+              <a:buChar char=""/>
+            </a:pPr>
+            <a:r>
+              <a:rPr b="0" lang="pt-BR" sz="2000" spc="-1" strike="noStrike">
+                <a:solidFill>
+                  <a:srgbClr val="000000"/>
+                </a:solidFill>
+                <a:uFill>
+                  <a:solidFill>
+                    <a:srgbClr val="ffffff"/>
+                  </a:solidFill>
+                </a:uFill>
+                <a:latin typeface="Verdana"/>
+                <a:ea typeface="DejaVu Sans"/>
+              </a:rPr>
+              <a:t>34 anos</a:t>
+            </a:r>
+            <a:endParaRPr b="0" lang="pt-BR" sz="1800" spc="-1" strike="noStrike">
+              <a:solidFill>
+                <a:srgbClr val="000000"/>
+              </a:solidFill>
+              <a:uFill>
+                <a:solidFill>
+                  <a:srgbClr val="ffffff"/>
+                </a:solidFill>
+              </a:uFill>
+              <a:latin typeface="Arial"/>
+            </a:endParaRPr>
+          </a:p>
+          <a:p>
+            <a:pPr marL="265320" indent="-264240">
+              <a:lnSpc>
+                <a:spcPct val="150000"/>
+              </a:lnSpc>
+              <a:buClr>
+                <a:srgbClr val="f07f09"/>
+              </a:buClr>
+              <a:buSzPct val="80000"/>
+              <a:buFont typeface="Wingdings 2" charset="2"/>
+              <a:buChar char=""/>
+            </a:pPr>
+            <a:r>
+              <a:rPr b="0" lang="pt-BR" sz="2000" spc="-1" strike="noStrike">
+                <a:solidFill>
+                  <a:srgbClr val="000000"/>
+                </a:solidFill>
+                <a:uFill>
+                  <a:solidFill>
+                    <a:srgbClr val="ffffff"/>
+                  </a:solidFill>
+                </a:uFill>
+                <a:latin typeface="Verdana"/>
+                <a:ea typeface="DejaVu Sans"/>
+              </a:rPr>
+              <a:t>Graduado em Sistema de Informação</a:t>
+            </a:r>
+            <a:endParaRPr b="0" lang="pt-BR" sz="1800" spc="-1" strike="noStrike">
+              <a:solidFill>
+                <a:srgbClr val="000000"/>
+              </a:solidFill>
+              <a:uFill>
+                <a:solidFill>
+                  <a:srgbClr val="ffffff"/>
+                </a:solidFill>
+              </a:uFill>
+              <a:latin typeface="Arial"/>
+            </a:endParaRPr>
+          </a:p>
+          <a:p>
+            <a:pPr marL="265320" indent="-264240">
+              <a:lnSpc>
+                <a:spcPct val="150000"/>
+              </a:lnSpc>
+              <a:buClr>
+                <a:srgbClr val="f07f09"/>
+              </a:buClr>
+              <a:buSzPct val="80000"/>
+              <a:buFont typeface="Wingdings 2" charset="2"/>
+              <a:buChar char=""/>
+            </a:pPr>
+            <a:r>
+              <a:rPr b="0" lang="pt-BR" sz="2000" spc="-1" strike="noStrike">
+                <a:solidFill>
+                  <a:srgbClr val="000000"/>
+                </a:solidFill>
+                <a:uFill>
+                  <a:solidFill>
+                    <a:srgbClr val="ffffff"/>
+                  </a:solidFill>
+                </a:uFill>
+                <a:latin typeface="Verdana"/>
+                <a:ea typeface="DejaVu Sans"/>
+              </a:rPr>
+              <a:t>Pós-graduado em Gestão Estratégica em Tecnologia de Informação</a:t>
+            </a:r>
+            <a:endParaRPr b="0" lang="pt-BR" sz="1800" spc="-1" strike="noStrike">
+              <a:solidFill>
+                <a:srgbClr val="000000"/>
+              </a:solidFill>
+              <a:uFill>
+                <a:solidFill>
+                  <a:srgbClr val="ffffff"/>
+                </a:solidFill>
+              </a:uFill>
+              <a:latin typeface="Arial"/>
+            </a:endParaRPr>
+          </a:p>
+          <a:p>
+            <a:pPr marL="265320" indent="-264240">
+              <a:lnSpc>
+                <a:spcPct val="150000"/>
+              </a:lnSpc>
+              <a:buClr>
+                <a:srgbClr val="f07f09"/>
+              </a:buClr>
+              <a:buSzPct val="80000"/>
+              <a:buFont typeface="Wingdings 2" charset="2"/>
+              <a:buChar char=""/>
+            </a:pPr>
+            <a:r>
+              <a:rPr b="0" lang="pt-BR" sz="2000" spc="-1" strike="noStrike">
+                <a:solidFill>
+                  <a:srgbClr val="000000"/>
+                </a:solidFill>
+                <a:uFill>
+                  <a:solidFill>
+                    <a:srgbClr val="ffffff"/>
+                  </a:solidFill>
+                </a:uFill>
+                <a:latin typeface="Verdana"/>
+                <a:ea typeface="DejaVu Sans"/>
+              </a:rPr>
+              <a:t>Aluno do Projeto Aprender e Crescer</a:t>
+            </a:r>
+            <a:endParaRPr b="0" lang="pt-BR" sz="1800" spc="-1" strike="noStrike">
+              <a:solidFill>
+                <a:srgbClr val="000000"/>
+              </a:solidFill>
+              <a:uFill>
+                <a:solidFill>
+                  <a:srgbClr val="ffffff"/>
+                </a:solidFill>
+              </a:uFill>
+              <a:latin typeface="Arial"/>
+            </a:endParaRPr>
+          </a:p>
+          <a:p>
+            <a:pPr marL="265320" indent="-264240">
+              <a:lnSpc>
+                <a:spcPct val="150000"/>
+              </a:lnSpc>
+              <a:buClr>
+                <a:srgbClr val="f07f09"/>
+              </a:buClr>
+              <a:buSzPct val="80000"/>
+              <a:buFont typeface="Wingdings 2" charset="2"/>
+              <a:buChar char=""/>
+            </a:pPr>
+            <a:r>
+              <a:rPr b="0" lang="pt-BR" sz="2000" spc="-1" strike="noStrike">
+                <a:solidFill>
+                  <a:srgbClr val="000000"/>
+                </a:solidFill>
+                <a:uFill>
+                  <a:solidFill>
+                    <a:srgbClr val="ffffff"/>
+                  </a:solidFill>
+                </a:uFill>
+                <a:latin typeface="Verdana"/>
+                <a:ea typeface="DejaVu Sans"/>
+              </a:rPr>
+              <a:t>Colaborador da Empresa CISS Software e Serviços.</a:t>
+            </a:r>
+            <a:endParaRPr b="0" lang="pt-BR" sz="1800" spc="-1" strike="noStrike">
+              <a:solidFill>
+                <a:srgbClr val="000000"/>
+              </a:solidFill>
+              <a:uFill>
+                <a:solidFill>
+                  <a:srgbClr val="ffffff"/>
+                </a:solidFill>
+              </a:uFill>
+              <a:latin typeface="Arial"/>
+            </a:endParaRPr>
+          </a:p>
+          <a:p>
+            <a:pPr>
+              <a:lnSpc>
+                <a:spcPct val="100000"/>
+              </a:lnSpc>
+            </a:pPr>
+            <a:endParaRPr b="0" lang="pt-BR" sz="1800" spc="-1" strike="noStrike">
+              <a:solidFill>
+                <a:srgbClr val="000000"/>
+              </a:solidFill>
+              <a:uFill>
+                <a:solidFill>
+                  <a:srgbClr val="ffffff"/>
+                </a:solidFill>
+              </a:uFill>
+              <a:latin typeface="Arial"/>
+            </a:endParaRPr>
+          </a:p>
+        </p:txBody>
+      </p:sp>
+      <p:pic>
+        <p:nvPicPr>
+          <p:cNvPr id="148" name="" descr=""/>
+          <p:cNvPicPr/>
+          <p:nvPr/>
+        </p:nvPicPr>
+        <p:blipFill>
+          <a:blip r:embed="rId1"/>
+          <a:stretch/>
+        </p:blipFill>
+        <p:spPr>
+          <a:xfrm>
+            <a:off x="5976000" y="720000"/>
+            <a:ext cx="2519640" cy="2159640"/>
+          </a:xfrm>
+          <a:prstGeom prst="rect">
+            <a:avLst/>
+          </a:prstGeom>
+          <a:ln>
+            <a:noFill/>
+          </a:ln>
+        </p:spPr>
+      </p:pic>
+    </p:spTree>
+  </p:cSld>
+  <p:timing>
+    <p:tnLst>
+      <p:par>
+        <p:cTn id="45" dur="indefinite" restart="never" nodeType="tmRoot">
+          <p:childTnLst>
+            <p:seq>
+              <p:cTn id="46" nodeType="mainSeq"/>
               <p:prevCondLst>
                 <p:cond delay="0" evt="onPrev">
                   <p:tgtEl>
@@ -8169,7 +8939,7 @@
         <p:spPr>
           <a:xfrm>
             <a:off x="467640" y="476640"/>
-            <a:ext cx="8183160" cy="1050840"/>
+            <a:ext cx="8182800" cy="1050480"/>
           </a:xfrm>
           <a:prstGeom prst="rect">
             <a:avLst/>
@@ -8204,6 +8974,7 @@
                   </a:solidFill>
                 </a:uFill>
                 <a:latin typeface="Verdana"/>
+                <a:ea typeface="DejaVu Sans"/>
               </a:rPr>
               <a:t>Solução</a:t>
             </a:r>
@@ -8229,8 +9000,8 @@
         </p:nvSpPr>
         <p:spPr>
           <a:xfrm>
-            <a:off x="467640" y="1700640"/>
-            <a:ext cx="8183160" cy="4607640"/>
+            <a:off x="455040" y="1813320"/>
+            <a:ext cx="8182800" cy="4607280"/>
           </a:xfrm>
           <a:prstGeom prst="rect">
             <a:avLst/>
@@ -8267,7 +9038,7 @@
             </a:endParaRPr>
           </a:p>
           <a:p>
-            <a:pPr marL="265320" indent="-264600">
+            <a:pPr marL="265320" indent="-264240">
               <a:lnSpc>
                 <a:spcPct val="150000"/>
               </a:lnSpc>
@@ -8289,6 +9060,7 @@
                   </a:solidFill>
                 </a:uFill>
                 <a:latin typeface="Verdana"/>
+                <a:ea typeface="DejaVu Sans"/>
               </a:rPr>
               <a:t>Desenvolvimento de Aplicativo</a:t>
             </a:r>
@@ -8305,7 +9077,7 @@
             </a:endParaRPr>
           </a:p>
           <a:p>
-            <a:pPr marL="265320" indent="-264600">
+            <a:pPr marL="265320" indent="-264240">
               <a:lnSpc>
                 <a:spcPct val="150000"/>
               </a:lnSpc>
@@ -8327,6 +9099,7 @@
                   </a:solidFill>
                 </a:uFill>
                 <a:latin typeface="Verdana"/>
+                <a:ea typeface="DejaVu Sans"/>
               </a:rPr>
               <a:t>Informações previamente cadastradas</a:t>
             </a:r>
@@ -8343,7 +9116,7 @@
             </a:endParaRPr>
           </a:p>
           <a:p>
-            <a:pPr marL="265320" indent="-264600">
+            <a:pPr marL="265320" indent="-264240">
               <a:lnSpc>
                 <a:spcPct val="150000"/>
               </a:lnSpc>
@@ -8365,8 +9138,9 @@
                   </a:solidFill>
                 </a:uFill>
                 <a:latin typeface="Verdana"/>
+                <a:ea typeface="DejaVu Sans"/>
               </a:rPr>
-              <a:t>Cadastro de embalagens adquiridas</a:t>
+              <a:t>Cadastro de embalagens vazias</a:t>
             </a:r>
             <a:endParaRPr b="0" lang="pt-BR" sz="1800" spc="-1" strike="noStrike">
               <a:solidFill>
@@ -8381,7 +9155,7 @@
             </a:endParaRPr>
           </a:p>
           <a:p>
-            <a:pPr marL="265320" indent="-264600">
+            <a:pPr marL="265320" indent="-264240">
               <a:lnSpc>
                 <a:spcPct val="150000"/>
               </a:lnSpc>
@@ -8403,8 +9177,9 @@
                   </a:solidFill>
                 </a:uFill>
                 <a:latin typeface="Verdana"/>
+                <a:ea typeface="DejaVu Sans"/>
               </a:rPr>
-              <a:t>Opção marcar embalagem como vazia</a:t>
+              <a:t>Opção marcar embalagem como devolvida</a:t>
             </a:r>
             <a:endParaRPr b="0" lang="pt-BR" sz="1800" spc="-1" strike="noStrike">
               <a:solidFill>
@@ -8419,7 +9194,7 @@
             </a:endParaRPr>
           </a:p>
           <a:p>
-            <a:pPr marL="265320" indent="-264600">
+            <a:pPr marL="265320" indent="-264240">
               <a:lnSpc>
                 <a:spcPct val="150000"/>
               </a:lnSpc>
@@ -8441,6 +9216,7 @@
                   </a:solidFill>
                 </a:uFill>
                 <a:latin typeface="Verdana"/>
+                <a:ea typeface="DejaVu Sans"/>
               </a:rPr>
               <a:t>Relatório de quantidade entreguada</a:t>
             </a:r>
@@ -8457,7 +9233,7 @@
             </a:endParaRPr>
           </a:p>
           <a:p>
-            <a:pPr marL="265320" indent="-264600">
+            <a:pPr marL="265320" indent="-264240">
               <a:lnSpc>
                 <a:spcPct val="150000"/>
               </a:lnSpc>
@@ -8479,6 +9255,7 @@
                   </a:solidFill>
                 </a:uFill>
                 <a:latin typeface="Verdana"/>
+                <a:ea typeface="DejaVu Sans"/>
               </a:rPr>
               <a:t>Relatório de quantidade armazenada</a:t>
             </a:r>
@@ -8495,7 +9272,7 @@
             </a:endParaRPr>
           </a:p>
           <a:p>
-            <a:pPr marL="265320" indent="-264600">
+            <a:pPr marL="265320" indent="-264240">
               <a:lnSpc>
                 <a:spcPct val="150000"/>
               </a:lnSpc>
@@ -8517,6 +9294,7 @@
                   </a:solidFill>
                 </a:uFill>
                 <a:latin typeface="Verdana"/>
+                <a:ea typeface="DejaVu Sans"/>
               </a:rPr>
               <a:t>Relatório por tipos de embalagens</a:t>
             </a:r>
@@ -8564,8 +9342,8 @@
         </p:blipFill>
         <p:spPr>
           <a:xfrm>
-            <a:off x="4680000" y="542880"/>
-            <a:ext cx="3888000" cy="1761120"/>
+            <a:off x="4742640" y="505440"/>
+            <a:ext cx="3887640" cy="1760760"/>
           </a:xfrm>
           <a:prstGeom prst="rect">
             <a:avLst/>
@@ -8574,7 +9352,6 @@
             <a:solidFill>
               <a:srgbClr val="3465a4"/>
             </a:solidFill>
-            <a:custDash/>
           </a:ln>
         </p:spPr>
       </p:pic>
@@ -8636,7 +9413,7 @@
         <p:spPr>
           <a:xfrm>
             <a:off x="467640" y="476640"/>
-            <a:ext cx="8183160" cy="1050840"/>
+            <a:ext cx="8182800" cy="1050480"/>
           </a:xfrm>
           <a:prstGeom prst="rect">
             <a:avLst/>
@@ -8671,6 +9448,7 @@
                   </a:solidFill>
                 </a:uFill>
                 <a:latin typeface="Verdana"/>
+                <a:ea typeface="DejaVu Sans"/>
               </a:rPr>
               <a:t>Mercado</a:t>
             </a:r>
@@ -8697,7 +9475,7 @@
         <p:spPr>
           <a:xfrm>
             <a:off x="467640" y="1700640"/>
-            <a:ext cx="8183160" cy="4187160"/>
+            <a:ext cx="8182800" cy="4186800"/>
           </a:xfrm>
           <a:prstGeom prst="rect">
             <a:avLst/>
@@ -8734,7 +9512,7 @@
             </a:endParaRPr>
           </a:p>
           <a:p>
-            <a:pPr marL="265320" indent="-264600">
+            <a:pPr marL="265320" indent="-264240">
               <a:lnSpc>
                 <a:spcPct val="150000"/>
               </a:lnSpc>
@@ -8756,6 +9534,7 @@
                   </a:solidFill>
                 </a:uFill>
                 <a:latin typeface="Verdana"/>
+                <a:ea typeface="DejaVu Sans"/>
               </a:rPr>
               <a:t>Agricultores de Porte:</a:t>
             </a:r>
@@ -8772,7 +9551,7 @@
             </a:endParaRPr>
           </a:p>
           <a:p>
-            <a:pPr lvl="3" marL="864000" indent="-216000">
+            <a:pPr lvl="3" marL="864000" indent="-215640">
               <a:lnSpc>
                 <a:spcPct val="150000"/>
               </a:lnSpc>
@@ -8794,6 +9573,7 @@
                   </a:solidFill>
                 </a:uFill>
                 <a:latin typeface="Verdana"/>
+                <a:ea typeface="DejaVu Sans"/>
               </a:rPr>
               <a:t>Pequeno</a:t>
             </a:r>
@@ -8810,7 +9590,7 @@
             </a:endParaRPr>
           </a:p>
           <a:p>
-            <a:pPr lvl="3" marL="864000" indent="-216000">
+            <a:pPr lvl="3" marL="864000" indent="-215640">
               <a:lnSpc>
                 <a:spcPct val="150000"/>
               </a:lnSpc>
@@ -8832,6 +9612,7 @@
                   </a:solidFill>
                 </a:uFill>
                 <a:latin typeface="Verdana"/>
+                <a:ea typeface="DejaVu Sans"/>
               </a:rPr>
               <a:t>Médio</a:t>
             </a:r>
@@ -8848,7 +9629,7 @@
             </a:endParaRPr>
           </a:p>
           <a:p>
-            <a:pPr lvl="3" marL="864000" indent="-216000">
+            <a:pPr lvl="3" marL="864000" indent="-215640">
               <a:lnSpc>
                 <a:spcPct val="150000"/>
               </a:lnSpc>
@@ -8870,6 +9651,7 @@
                   </a:solidFill>
                 </a:uFill>
                 <a:latin typeface="Verdana"/>
+                <a:ea typeface="DejaVu Sans"/>
               </a:rPr>
               <a:t>Grande</a:t>
             </a:r>
@@ -8886,7 +9668,7 @@
             </a:endParaRPr>
           </a:p>
           <a:p>
-            <a:pPr marL="265320" indent="-264600">
+            <a:pPr marL="265320" indent="-264240">
               <a:lnSpc>
                 <a:spcPct val="150000"/>
               </a:lnSpc>
@@ -8908,6 +9690,7 @@
                   </a:solidFill>
                 </a:uFill>
                 <a:latin typeface="Verdana"/>
+                <a:ea typeface="DejaVu Sans"/>
               </a:rPr>
               <a:t>Solução inédita</a:t>
             </a:r>
@@ -8974,7 +9757,7 @@
         <p:spPr>
           <a:xfrm>
             <a:off x="4716000" y="3208680"/>
-            <a:ext cx="3960720" cy="2631600"/>
+            <a:ext cx="3960360" cy="2631240"/>
           </a:xfrm>
           <a:prstGeom prst="rect">
             <a:avLst/>
@@ -8997,7 +9780,7 @@
         <p:spPr>
           <a:xfrm>
             <a:off x="7362720" y="615240"/>
-            <a:ext cx="1133280" cy="1904760"/>
+            <a:ext cx="1132920" cy="1904400"/>
           </a:xfrm>
           <a:prstGeom prst="rect">
             <a:avLst/>
@@ -9065,7 +9848,7 @@
         <p:spPr>
           <a:xfrm>
             <a:off x="467640" y="476640"/>
-            <a:ext cx="8183160" cy="1050840"/>
+            <a:ext cx="8182800" cy="1050480"/>
           </a:xfrm>
           <a:prstGeom prst="rect">
             <a:avLst/>
@@ -9100,6 +9883,7 @@
                   </a:solidFill>
                 </a:uFill>
                 <a:latin typeface="Verdana"/>
+                <a:ea typeface="DejaVu Sans"/>
               </a:rPr>
               <a:t>Diferenciais</a:t>
             </a:r>
@@ -9126,7 +9910,7 @@
         <p:spPr>
           <a:xfrm>
             <a:off x="467640" y="1700640"/>
-            <a:ext cx="8183160" cy="4187160"/>
+            <a:ext cx="8182800" cy="4186800"/>
           </a:xfrm>
           <a:prstGeom prst="rect">
             <a:avLst/>
@@ -9163,7 +9947,7 @@
             </a:endParaRPr>
           </a:p>
           <a:p>
-            <a:pPr marL="265320" indent="-264600">
+            <a:pPr marL="265320" indent="-264240">
               <a:lnSpc>
                 <a:spcPct val="150000"/>
               </a:lnSpc>
@@ -9185,8 +9969,9 @@
                   </a:solidFill>
                 </a:uFill>
                 <a:latin typeface="Verdana"/>
+                <a:ea typeface="DejaVu Sans"/>
               </a:rPr>
-              <a:t>Fácil controle das embalgens de agrotóxicos</a:t>
+              <a:t>Fácil controle das embalgens vazias de agrotóxicos</a:t>
             </a:r>
             <a:endParaRPr b="0" lang="pt-BR" sz="1800" spc="-1" strike="noStrike">
               <a:solidFill>
@@ -9201,7 +9986,7 @@
             </a:endParaRPr>
           </a:p>
           <a:p>
-            <a:pPr marL="265320" indent="-264600">
+            <a:pPr marL="265320" indent="-264240">
               <a:lnSpc>
                 <a:spcPct val="150000"/>
               </a:lnSpc>
@@ -9223,6 +10008,7 @@
                   </a:solidFill>
                 </a:uFill>
                 <a:latin typeface="Verdana"/>
+                <a:ea typeface="DejaVu Sans"/>
               </a:rPr>
               <a:t>Diponível gratuitamente</a:t>
             </a:r>
@@ -9289,7 +10075,7 @@
         <p:spPr>
           <a:xfrm>
             <a:off x="5400000" y="3168000"/>
-            <a:ext cx="3168000" cy="2624760"/>
+            <a:ext cx="3167640" cy="2624400"/>
           </a:xfrm>
           <a:prstGeom prst="rect">
             <a:avLst/>
@@ -9357,7 +10143,7 @@
         <p:spPr>
           <a:xfrm>
             <a:off x="467640" y="476640"/>
-            <a:ext cx="8183160" cy="1050840"/>
+            <a:ext cx="8182800" cy="1050480"/>
           </a:xfrm>
           <a:prstGeom prst="rect">
             <a:avLst/>
@@ -9392,6 +10178,7 @@
                   </a:solidFill>
                 </a:uFill>
                 <a:latin typeface="Verdana"/>
+                <a:ea typeface="DejaVu Sans"/>
               </a:rPr>
               <a:t>Prototipação das Telas</a:t>
             </a:r>
@@ -9418,7 +10205,7 @@
         <p:spPr>
           <a:xfrm>
             <a:off x="467640" y="1700640"/>
-            <a:ext cx="8183160" cy="4187160"/>
+            <a:ext cx="8182800" cy="4186800"/>
           </a:xfrm>
           <a:prstGeom prst="rect">
             <a:avLst/>
@@ -9455,7 +10242,7 @@
             </a:endParaRPr>
           </a:p>
           <a:p>
-            <a:pPr marL="265320" indent="-264600">
+            <a:pPr marL="265320" indent="-264240">
               <a:lnSpc>
                 <a:spcPct val="150000"/>
               </a:lnSpc>
@@ -9477,6 +10264,7 @@
                   </a:solidFill>
                 </a:uFill>
                 <a:latin typeface="Verdana"/>
+                <a:ea typeface="DejaVu Sans"/>
               </a:rPr>
               <a:t> </a:t>
             </a:r>
@@ -9560,8 +10348,8 @@
         </p:blipFill>
         <p:spPr>
           <a:xfrm>
-            <a:off x="2304000" y="1656000"/>
-            <a:ext cx="4645800" cy="4297320"/>
+            <a:off x="2456280" y="1557000"/>
+            <a:ext cx="5247720" cy="4923000"/>
           </a:xfrm>
           <a:prstGeom prst="rect">
             <a:avLst/>
@@ -9629,7 +10417,7 @@
         <p:spPr>
           <a:xfrm>
             <a:off x="467640" y="476640"/>
-            <a:ext cx="8183160" cy="1050840"/>
+            <a:ext cx="8182800" cy="1050480"/>
           </a:xfrm>
           <a:prstGeom prst="rect">
             <a:avLst/>
@@ -9664,6 +10452,7 @@
                   </a:solidFill>
                 </a:uFill>
                 <a:latin typeface="Verdana"/>
+                <a:ea typeface="DejaVu Sans"/>
               </a:rPr>
               <a:t>Prototipação das Telas</a:t>
             </a:r>
@@ -9690,7 +10479,7 @@
         <p:spPr>
           <a:xfrm>
             <a:off x="467640" y="1700640"/>
-            <a:ext cx="8183160" cy="4187160"/>
+            <a:ext cx="8182800" cy="4186800"/>
           </a:xfrm>
           <a:prstGeom prst="rect">
             <a:avLst/>
@@ -9727,7 +10516,7 @@
             </a:endParaRPr>
           </a:p>
           <a:p>
-            <a:pPr marL="265320" indent="-264600">
+            <a:pPr marL="265320" indent="-264240">
               <a:lnSpc>
                 <a:spcPct val="150000"/>
               </a:lnSpc>
@@ -9749,6 +10538,7 @@
                   </a:solidFill>
                 </a:uFill>
                 <a:latin typeface="Verdana"/>
+                <a:ea typeface="DejaVu Sans"/>
               </a:rPr>
               <a:t> </a:t>
             </a:r>
@@ -9832,8 +10622,31 @@
         </p:blipFill>
         <p:spPr>
           <a:xfrm>
-            <a:off x="2469240" y="1584000"/>
-            <a:ext cx="4442760" cy="4326840"/>
+            <a:off x="2448000" y="1590480"/>
+            <a:ext cx="4285800" cy="3809520"/>
+          </a:xfrm>
+          <a:prstGeom prst="rect">
+            <a:avLst/>
+          </a:prstGeom>
+          <a:ln>
+            <a:noFill/>
+          </a:ln>
+        </p:spPr>
+      </p:pic>
+      <p:pic>
+        <p:nvPicPr>
+          <p:cNvPr id="100" name="" descr=""/>
+          <p:cNvPicPr/>
+          <p:nvPr/>
+        </p:nvPicPr>
+        <p:blipFill>
+          <a:blip r:embed="rId2"/>
+          <a:stretch/>
+        </p:blipFill>
+        <p:spPr>
+          <a:xfrm>
+            <a:off x="2448000" y="1590480"/>
+            <a:ext cx="5419800" cy="4817520"/>
           </a:xfrm>
           <a:prstGeom prst="rect">
             <a:avLst/>
@@ -9894,14 +10707,14 @@
       </p:grpSpPr>
       <p:sp>
         <p:nvSpPr>
-          <p:cNvPr id="100" name="CustomShape 1"/>
+          <p:cNvPr id="101" name="CustomShape 1"/>
           <p:cNvSpPr/>
           <p:nvPr/>
         </p:nvSpPr>
         <p:spPr>
           <a:xfrm>
             <a:off x="467640" y="476640"/>
-            <a:ext cx="8183160" cy="1050840"/>
+            <a:ext cx="8182800" cy="1050480"/>
           </a:xfrm>
           <a:prstGeom prst="rect">
             <a:avLst/>
@@ -9936,6 +10749,7 @@
                   </a:solidFill>
                 </a:uFill>
                 <a:latin typeface="Verdana"/>
+                <a:ea typeface="DejaVu Sans"/>
               </a:rPr>
               <a:t>Prototipação das Telas</a:t>
             </a:r>
@@ -9955,14 +10769,14 @@
       </p:sp>
       <p:sp>
         <p:nvSpPr>
-          <p:cNvPr id="101" name="CustomShape 2"/>
+          <p:cNvPr id="102" name="CustomShape 2"/>
           <p:cNvSpPr/>
           <p:nvPr/>
         </p:nvSpPr>
         <p:spPr>
           <a:xfrm>
             <a:off x="467640" y="1700640"/>
-            <a:ext cx="8183160" cy="4187160"/>
+            <a:ext cx="8182800" cy="4186800"/>
           </a:xfrm>
           <a:prstGeom prst="rect">
             <a:avLst/>
@@ -9999,7 +10813,7 @@
             </a:endParaRPr>
           </a:p>
           <a:p>
-            <a:pPr marL="265320" indent="-264600">
+            <a:pPr marL="265320" indent="-264240">
               <a:lnSpc>
                 <a:spcPct val="150000"/>
               </a:lnSpc>
@@ -10021,6 +10835,7 @@
                   </a:solidFill>
                 </a:uFill>
                 <a:latin typeface="Verdana"/>
+                <a:ea typeface="DejaVu Sans"/>
               </a:rPr>
               <a:t> </a:t>
             </a:r>
@@ -10094,7 +10909,7 @@
       </p:sp>
       <p:pic>
         <p:nvPicPr>
-          <p:cNvPr id="102" name="" descr=""/>
+          <p:cNvPr id="103" name="" descr=""/>
           <p:cNvPicPr/>
           <p:nvPr/>
         </p:nvPicPr>
@@ -10104,8 +10919,8 @@
         </p:blipFill>
         <p:spPr>
           <a:xfrm>
-            <a:off x="2469240" y="1527480"/>
-            <a:ext cx="4514760" cy="4383360"/>
+            <a:off x="2456280" y="1557000"/>
+            <a:ext cx="5319720" cy="4923000"/>
           </a:xfrm>
           <a:prstGeom prst="rect">
             <a:avLst/>
@@ -10166,14 +10981,14 @@
       </p:grpSpPr>
       <p:sp>
         <p:nvSpPr>
-          <p:cNvPr id="103" name="CustomShape 1"/>
+          <p:cNvPr id="104" name="CustomShape 1"/>
           <p:cNvSpPr/>
           <p:nvPr/>
         </p:nvSpPr>
         <p:spPr>
           <a:xfrm>
             <a:off x="467640" y="476640"/>
-            <a:ext cx="8183160" cy="1050840"/>
+            <a:ext cx="8182800" cy="1050480"/>
           </a:xfrm>
           <a:prstGeom prst="rect">
             <a:avLst/>
@@ -10208,6 +11023,7 @@
                   </a:solidFill>
                 </a:uFill>
                 <a:latin typeface="Verdana"/>
+                <a:ea typeface="DejaVu Sans"/>
               </a:rPr>
               <a:t>Prototipação das Telas</a:t>
             </a:r>
@@ -10227,14 +11043,14 @@
       </p:sp>
       <p:sp>
         <p:nvSpPr>
-          <p:cNvPr id="104" name="CustomShape 2"/>
+          <p:cNvPr id="105" name="CustomShape 2"/>
           <p:cNvSpPr/>
           <p:nvPr/>
         </p:nvSpPr>
         <p:spPr>
           <a:xfrm>
             <a:off x="467640" y="1700640"/>
-            <a:ext cx="8183160" cy="4187160"/>
+            <a:ext cx="8182800" cy="4186800"/>
           </a:xfrm>
           <a:prstGeom prst="rect">
             <a:avLst/>
@@ -10271,7 +11087,7 @@
             </a:endParaRPr>
           </a:p>
           <a:p>
-            <a:pPr marL="265320" indent="-264600">
+            <a:pPr marL="265320" indent="-264240">
               <a:lnSpc>
                 <a:spcPct val="150000"/>
               </a:lnSpc>
@@ -10293,6 +11109,7 @@
                   </a:solidFill>
                 </a:uFill>
                 <a:latin typeface="Verdana"/>
+                <a:ea typeface="DejaVu Sans"/>
               </a:rPr>
               <a:t> </a:t>
             </a:r>
@@ -10366,7 +11183,7 @@
       </p:sp>
       <p:pic>
         <p:nvPicPr>
-          <p:cNvPr id="105" name="" descr=""/>
+          <p:cNvPr id="106" name="" descr=""/>
           <p:cNvPicPr/>
           <p:nvPr/>
         </p:nvPicPr>
@@ -10376,8 +11193,8 @@
         </p:blipFill>
         <p:spPr>
           <a:xfrm>
-            <a:off x="1952280" y="1584000"/>
-            <a:ext cx="4743720" cy="4346280"/>
+            <a:off x="2456280" y="1557000"/>
+            <a:ext cx="5391720" cy="4923000"/>
           </a:xfrm>
           <a:prstGeom prst="rect">
             <a:avLst/>

--- a/apresentacao/ControleEmbalagens.pptx
+++ b/apresentacao/ControleEmbalagens.pptx
@@ -17,18 +17,6 @@
     <p:sldId id="264" r:id="rId12"/>
     <p:sldId id="265" r:id="rId13"/>
     <p:sldId id="266" r:id="rId14"/>
-    <p:sldId id="267" r:id="rId15"/>
-    <p:sldId id="268" r:id="rId16"/>
-    <p:sldId id="269" r:id="rId17"/>
-    <p:sldId id="270" r:id="rId18"/>
-    <p:sldId id="271" r:id="rId19"/>
-    <p:sldId id="272" r:id="rId20"/>
-    <p:sldId id="273" r:id="rId21"/>
-    <p:sldId id="274" r:id="rId22"/>
-    <p:sldId id="275" r:id="rId23"/>
-    <p:sldId id="276" r:id="rId24"/>
-    <p:sldId id="277" r:id="rId25"/>
-    <p:sldId id="278" r:id="rId26"/>
   </p:sldIdLst>
   <p:sldSz cx="9144000" cy="6858000"/>
   <p:notesSz cx="7559675" cy="10691812"/>
@@ -3016,7 +3004,7 @@
         <p:spPr>
           <a:xfrm>
             <a:off x="304920" y="329040"/>
-            <a:ext cx="8530920" cy="6195600"/>
+            <a:ext cx="8529840" cy="6194520"/>
           </a:xfrm>
           <a:prstGeom prst="roundRect">
             <a:avLst>
@@ -3076,7 +3064,7 @@
         <p:spPr>
           <a:xfrm>
             <a:off x="418680" y="434160"/>
-            <a:ext cx="8305560" cy="5485320"/>
+            <a:ext cx="8304480" cy="5484240"/>
           </a:xfrm>
           <a:prstGeom prst="roundRect">
             <a:avLst>
@@ -3139,7 +3127,7 @@
         <p:spPr>
           <a:xfrm>
             <a:off x="304920" y="329040"/>
-            <a:ext cx="8530920" cy="6195600"/>
+            <a:ext cx="8529840" cy="6194520"/>
           </a:xfrm>
           <a:prstGeom prst="roundRect">
             <a:avLst>
@@ -3199,7 +3187,7 @@
         <p:spPr>
           <a:xfrm>
             <a:off x="418680" y="434160"/>
-            <a:ext cx="8305560" cy="3107880"/>
+            <a:ext cx="8304480" cy="3106800"/>
           </a:xfrm>
           <a:prstGeom prst="roundRect">
             <a:avLst>
@@ -3266,7 +3254,7 @@
         <p:spPr>
           <a:xfrm>
             <a:off x="457200" y="273600"/>
-            <a:ext cx="8228880" cy="1144440"/>
+            <a:ext cx="8229240" cy="1144800"/>
           </a:xfrm>
           <a:prstGeom prst="rect">
             <a:avLst/>
@@ -3276,6 +3264,20 @@
           <a:bodyPr lIns="0" rIns="0" tIns="0" bIns="0" anchor="ctr"/>
           <a:p>
             <a:pPr algn="ctr"/>
+            <a:r>
+              <a:rPr b="0" lang="pt-BR" sz="4400" spc="-1" strike="noStrike">
+                <a:solidFill>
+                  <a:srgbClr val="000000"/>
+                </a:solidFill>
+                <a:uFill>
+                  <a:solidFill>
+                    <a:srgbClr val="ffffff"/>
+                  </a:solidFill>
+                </a:uFill>
+                <a:latin typeface="Arial"/>
+              </a:rPr>
+              <a:t>Click to edit the title text format</a:t>
+            </a:r>
             <a:endParaRPr b="0" lang="pt-BR" sz="4400" spc="-1" strike="noStrike">
               <a:solidFill>
                 <a:srgbClr val="000000"/>
@@ -3303,7 +3305,7 @@
         <p:spPr>
           <a:xfrm>
             <a:off x="457200" y="1604520"/>
-            <a:ext cx="8228880" cy="3976920"/>
+            <a:ext cx="8229240" cy="3977280"/>
           </a:xfrm>
           <a:prstGeom prst="rect">
             <a:avLst/>
@@ -3321,7 +3323,7 @@
               <a:buChar char=""/>
             </a:pPr>
             <a:r>
-              <a:rPr b="0" lang="pt-BR" sz="1800" spc="-1" strike="noStrike">
+              <a:rPr b="0" lang="pt-BR" sz="3200" spc="-1" strike="noStrike">
                 <a:solidFill>
                   <a:srgbClr val="000000"/>
                 </a:solidFill>
@@ -3334,7 +3336,7 @@
               </a:rPr>
               <a:t>Click to edit the outline text format</a:t>
             </a:r>
-            <a:endParaRPr b="0" lang="pt-BR" sz="1800" spc="-1" strike="noStrike">
+            <a:endParaRPr b="0" lang="pt-BR" sz="3200" spc="-1" strike="noStrike">
               <a:solidFill>
                 <a:srgbClr val="000000"/>
               </a:solidFill>
@@ -3356,7 +3358,7 @@
               <a:buChar char=""/>
             </a:pPr>
             <a:r>
-              <a:rPr b="0" lang="pt-BR" sz="1800" spc="-1" strike="noStrike">
+              <a:rPr b="0" lang="pt-BR" sz="2800" spc="-1" strike="noStrike">
                 <a:solidFill>
                   <a:srgbClr val="000000"/>
                 </a:solidFill>
@@ -3369,7 +3371,7 @@
               </a:rPr>
               <a:t>Second Outline Level</a:t>
             </a:r>
-            <a:endParaRPr b="0" lang="pt-BR" sz="1800" spc="-1" strike="noStrike">
+            <a:endParaRPr b="0" lang="pt-BR" sz="2800" spc="-1" strike="noStrike">
               <a:solidFill>
                 <a:srgbClr val="000000"/>
               </a:solidFill>
@@ -3391,7 +3393,7 @@
               <a:buChar char=""/>
             </a:pPr>
             <a:r>
-              <a:rPr b="0" lang="pt-BR" sz="1800" spc="-1" strike="noStrike">
+              <a:rPr b="0" lang="pt-BR" sz="2400" spc="-1" strike="noStrike">
                 <a:solidFill>
                   <a:srgbClr val="000000"/>
                 </a:solidFill>
@@ -3404,7 +3406,7 @@
               </a:rPr>
               <a:t>Third Outline Level</a:t>
             </a:r>
-            <a:endParaRPr b="0" lang="pt-BR" sz="1800" spc="-1" strike="noStrike">
+            <a:endParaRPr b="0" lang="pt-BR" sz="2400" spc="-1" strike="noStrike">
               <a:solidFill>
                 <a:srgbClr val="000000"/>
               </a:solidFill>
@@ -3426,7 +3428,7 @@
               <a:buChar char=""/>
             </a:pPr>
             <a:r>
-              <a:rPr b="0" lang="pt-BR" sz="1800" spc="-1" strike="noStrike">
+              <a:rPr b="0" lang="pt-BR" sz="2000" spc="-1" strike="noStrike">
                 <a:solidFill>
                   <a:srgbClr val="000000"/>
                 </a:solidFill>
@@ -3439,7 +3441,7 @@
               </a:rPr>
               <a:t>Fourth Outline Level</a:t>
             </a:r>
-            <a:endParaRPr b="0" lang="pt-BR" sz="1800" spc="-1" strike="noStrike">
+            <a:endParaRPr b="0" lang="pt-BR" sz="2000" spc="-1" strike="noStrike">
               <a:solidFill>
                 <a:srgbClr val="000000"/>
               </a:solidFill>
@@ -3461,7 +3463,7 @@
               <a:buChar char=""/>
             </a:pPr>
             <a:r>
-              <a:rPr b="0" lang="pt-BR" sz="1800" spc="-1" strike="noStrike">
+              <a:rPr b="0" lang="pt-BR" sz="2000" spc="-1" strike="noStrike">
                 <a:solidFill>
                   <a:srgbClr val="000000"/>
                 </a:solidFill>
@@ -3474,7 +3476,7 @@
               </a:rPr>
               <a:t>Fifth Outline Level</a:t>
             </a:r>
-            <a:endParaRPr b="0" lang="pt-BR" sz="1800" spc="-1" strike="noStrike">
+            <a:endParaRPr b="0" lang="pt-BR" sz="2000" spc="-1" strike="noStrike">
               <a:solidFill>
                 <a:srgbClr val="000000"/>
               </a:solidFill>
@@ -3496,7 +3498,7 @@
               <a:buChar char=""/>
             </a:pPr>
             <a:r>
-              <a:rPr b="0" lang="pt-BR" sz="1800" spc="-1" strike="noStrike">
+              <a:rPr b="0" lang="pt-BR" sz="2000" spc="-1" strike="noStrike">
                 <a:solidFill>
                   <a:srgbClr val="000000"/>
                 </a:solidFill>
@@ -3509,7 +3511,7 @@
               </a:rPr>
               <a:t>Sixth Outline Level</a:t>
             </a:r>
-            <a:endParaRPr b="0" lang="pt-BR" sz="1800" spc="-1" strike="noStrike">
+            <a:endParaRPr b="0" lang="pt-BR" sz="2000" spc="-1" strike="noStrike">
               <a:solidFill>
                 <a:srgbClr val="000000"/>
               </a:solidFill>
@@ -3531,7 +3533,7 @@
               <a:buChar char=""/>
             </a:pPr>
             <a:r>
-              <a:rPr b="0" lang="pt-BR" sz="1800" spc="-1" strike="noStrike">
+              <a:rPr b="0" lang="pt-BR" sz="2000" spc="-1" strike="noStrike">
                 <a:solidFill>
                   <a:srgbClr val="000000"/>
                 </a:solidFill>
@@ -3544,7 +3546,7 @@
               </a:rPr>
               <a:t>Seventh Outline Level</a:t>
             </a:r>
-            <a:endParaRPr b="0" lang="pt-BR" sz="1800" spc="-1" strike="noStrike">
+            <a:endParaRPr b="0" lang="pt-BR" sz="2000" spc="-1" strike="noStrike">
               <a:solidFill>
                 <a:srgbClr val="000000"/>
               </a:solidFill>
@@ -3611,7 +3613,7 @@
         <p:spPr>
           <a:xfrm>
             <a:off x="304920" y="329040"/>
-            <a:ext cx="8530920" cy="6195600"/>
+            <a:ext cx="8529840" cy="6194520"/>
           </a:xfrm>
           <a:prstGeom prst="roundRect">
             <a:avLst>
@@ -3671,7 +3673,7 @@
         <p:spPr>
           <a:xfrm>
             <a:off x="418680" y="434160"/>
-            <a:ext cx="8305560" cy="5485320"/>
+            <a:ext cx="8304480" cy="5484240"/>
           </a:xfrm>
           <a:prstGeom prst="roundRect">
             <a:avLst>
@@ -4090,7 +4092,7 @@
         <p:spPr>
           <a:xfrm>
             <a:off x="722520" y="1820160"/>
-            <a:ext cx="7771320" cy="1827720"/>
+            <a:ext cx="7770240" cy="1826640"/>
           </a:xfrm>
           <a:prstGeom prst="rect">
             <a:avLst/>
@@ -4452,7 +4454,7 @@
         <p:spPr>
           <a:xfrm>
             <a:off x="722520" y="3684960"/>
-            <a:ext cx="7771320" cy="913320"/>
+            <a:ext cx="7770240" cy="912240"/>
           </a:xfrm>
           <a:prstGeom prst="rect">
             <a:avLst/>
@@ -4521,7 +4523,7 @@
         <p:spPr>
           <a:xfrm>
             <a:off x="1925640" y="4726800"/>
-            <a:ext cx="5562000" cy="1608840"/>
+            <a:ext cx="5560920" cy="1607760"/>
           </a:xfrm>
           <a:prstGeom prst="rect">
             <a:avLst/>
@@ -4582,14 +4584,14 @@
       </p:grpSpPr>
       <p:sp>
         <p:nvSpPr>
-          <p:cNvPr id="107" name="CustomShape 1"/>
+          <p:cNvPr id="106" name="CustomShape 1"/>
           <p:cNvSpPr/>
           <p:nvPr/>
         </p:nvSpPr>
         <p:spPr>
           <a:xfrm>
             <a:off x="467640" y="476640"/>
-            <a:ext cx="8182800" cy="1050480"/>
+            <a:ext cx="8181720" cy="1049400"/>
           </a:xfrm>
           <a:prstGeom prst="rect">
             <a:avLst/>
@@ -4626,7 +4628,7 @@
                 <a:latin typeface="Verdana"/>
                 <a:ea typeface="DejaVu Sans"/>
               </a:rPr>
-              <a:t>Prototipação das Telas</a:t>
+              <a:t>Diagrama de Entidade e Relacionamento</a:t>
             </a:r>
             <a:endParaRPr b="0" lang="pt-BR" sz="1800" spc="-1" strike="noStrike">
               <a:solidFill>
@@ -4644,14 +4646,14 @@
       </p:sp>
       <p:sp>
         <p:nvSpPr>
-          <p:cNvPr id="108" name="CustomShape 2"/>
+          <p:cNvPr id="107" name="CustomShape 2"/>
           <p:cNvSpPr/>
           <p:nvPr/>
         </p:nvSpPr>
         <p:spPr>
           <a:xfrm>
             <a:off x="467640" y="1700640"/>
-            <a:ext cx="8182800" cy="4186800"/>
+            <a:ext cx="8181720" cy="4185720"/>
           </a:xfrm>
           <a:prstGeom prst="rect">
             <a:avLst/>
@@ -4688,7 +4690,7 @@
             </a:endParaRPr>
           </a:p>
           <a:p>
-            <a:pPr marL="265320" indent="-264240">
+            <a:pPr marL="265320" indent="-263160">
               <a:lnSpc>
                 <a:spcPct val="150000"/>
               </a:lnSpc>
@@ -4784,7 +4786,7 @@
       </p:sp>
       <p:pic>
         <p:nvPicPr>
-          <p:cNvPr id="109" name="" descr=""/>
+          <p:cNvPr id="108" name="" descr=""/>
           <p:cNvPicPr/>
           <p:nvPr/>
         </p:nvPicPr>
@@ -4794,8 +4796,8 @@
         </p:blipFill>
         <p:spPr>
           <a:xfrm>
-            <a:off x="2456280" y="1557000"/>
-            <a:ext cx="5103720" cy="4923000"/>
+            <a:off x="503640" y="2409840"/>
+            <a:ext cx="8181720" cy="3275640"/>
           </a:xfrm>
           <a:prstGeom prst="rect">
             <a:avLst/>
@@ -4856,14 +4858,14 @@
       </p:grpSpPr>
       <p:sp>
         <p:nvSpPr>
-          <p:cNvPr id="110" name="CustomShape 1"/>
+          <p:cNvPr id="109" name="CustomShape 1"/>
           <p:cNvSpPr/>
           <p:nvPr/>
         </p:nvSpPr>
         <p:spPr>
           <a:xfrm>
             <a:off x="467640" y="476640"/>
-            <a:ext cx="8182800" cy="1050480"/>
+            <a:ext cx="8181720" cy="1049400"/>
           </a:xfrm>
           <a:prstGeom prst="rect">
             <a:avLst/>
@@ -4900,7 +4902,7 @@
                 <a:latin typeface="Verdana"/>
                 <a:ea typeface="DejaVu Sans"/>
               </a:rPr>
-              <a:t>Prototipação das Telas</a:t>
+              <a:t>Sobre</a:t>
             </a:r>
             <a:endParaRPr b="0" lang="pt-BR" sz="1800" spc="-1" strike="noStrike">
               <a:solidFill>
@@ -4918,14 +4920,14 @@
       </p:sp>
       <p:sp>
         <p:nvSpPr>
-          <p:cNvPr id="111" name="CustomShape 2"/>
+          <p:cNvPr id="110" name="CustomShape 2"/>
           <p:cNvSpPr/>
           <p:nvPr/>
         </p:nvSpPr>
         <p:spPr>
           <a:xfrm>
             <a:off x="467640" y="1700640"/>
-            <a:ext cx="8182800" cy="4186800"/>
+            <a:ext cx="8181720" cy="4185720"/>
           </a:xfrm>
           <a:prstGeom prst="rect">
             <a:avLst/>
@@ -4962,7 +4964,7 @@
             </a:endParaRPr>
           </a:p>
           <a:p>
-            <a:pPr marL="265320" indent="-264240">
+            <a:pPr marL="265320" indent="-263160">
               <a:lnSpc>
                 <a:spcPct val="150000"/>
               </a:lnSpc>
@@ -4974,7 +4976,7 @@
               <a:buChar char=""/>
             </a:pPr>
             <a:r>
-              <a:rPr b="0" lang="pt-BR" sz="2800" spc="-1" strike="noStrike">
+              <a:rPr b="0" lang="pt-BR" sz="2000" spc="-1" strike="noStrike">
                 <a:solidFill>
                   <a:srgbClr val="000000"/>
                 </a:solidFill>
@@ -4986,7 +4988,7 @@
                 <a:latin typeface="Verdana"/>
                 <a:ea typeface="DejaVu Sans"/>
               </a:rPr>
-              <a:t> </a:t>
+              <a:t>Jonas Pereira</a:t>
             </a:r>
             <a:endParaRPr b="0" lang="pt-BR" sz="1800" spc="-1" strike="noStrike">
               <a:solidFill>
@@ -5001,11 +5003,32 @@
             </a:endParaRPr>
           </a:p>
           <a:p>
-            <a:pPr>
+            <a:pPr marL="265320" indent="-263160">
               <a:lnSpc>
                 <a:spcPct val="150000"/>
               </a:lnSpc>
-            </a:pPr>
+              <a:buClr>
+                <a:srgbClr val="f07f09"/>
+              </a:buClr>
+              <a:buSzPct val="80000"/>
+              <a:buFont typeface="Wingdings 2" charset="2"/>
+              <a:buChar char=""/>
+            </a:pPr>
+            <a:r>
+              <a:rPr b="0" lang="pt-BR" sz="2000" spc="-1" strike="noStrike">
+                <a:solidFill>
+                  <a:srgbClr val="000000"/>
+                </a:solidFill>
+                <a:uFill>
+                  <a:solidFill>
+                    <a:srgbClr val="ffffff"/>
+                  </a:solidFill>
+                </a:uFill>
+                <a:latin typeface="Verdana"/>
+                <a:ea typeface="DejaVu Sans"/>
+              </a:rPr>
+              <a:t>34 anos</a:t>
+            </a:r>
             <a:endParaRPr b="0" lang="pt-BR" sz="1800" spc="-1" strike="noStrike">
               <a:solidFill>
                 <a:srgbClr val="000000"/>
@@ -5019,11 +5042,149 @@
             </a:endParaRPr>
           </a:p>
           <a:p>
-            <a:pPr>
+            <a:pPr marL="265320" indent="-263160">
               <a:lnSpc>
                 <a:spcPct val="150000"/>
               </a:lnSpc>
-            </a:pPr>
+              <a:buClr>
+                <a:srgbClr val="f07f09"/>
+              </a:buClr>
+              <a:buSzPct val="80000"/>
+              <a:buFont typeface="Wingdings 2" charset="2"/>
+              <a:buChar char=""/>
+            </a:pPr>
+            <a:r>
+              <a:rPr b="0" lang="pt-BR" sz="2000" spc="-1" strike="noStrike">
+                <a:solidFill>
+                  <a:srgbClr val="000000"/>
+                </a:solidFill>
+                <a:uFill>
+                  <a:solidFill>
+                    <a:srgbClr val="ffffff"/>
+                  </a:solidFill>
+                </a:uFill>
+                <a:latin typeface="Verdana"/>
+                <a:ea typeface="DejaVu Sans"/>
+              </a:rPr>
+              <a:t>Graduado em Sistema de Informação</a:t>
+            </a:r>
+            <a:endParaRPr b="0" lang="pt-BR" sz="1800" spc="-1" strike="noStrike">
+              <a:solidFill>
+                <a:srgbClr val="000000"/>
+              </a:solidFill>
+              <a:uFill>
+                <a:solidFill>
+                  <a:srgbClr val="ffffff"/>
+                </a:solidFill>
+              </a:uFill>
+              <a:latin typeface="Arial"/>
+            </a:endParaRPr>
+          </a:p>
+          <a:p>
+            <a:pPr marL="265320" indent="-263160">
+              <a:lnSpc>
+                <a:spcPct val="150000"/>
+              </a:lnSpc>
+              <a:buClr>
+                <a:srgbClr val="f07f09"/>
+              </a:buClr>
+              <a:buSzPct val="80000"/>
+              <a:buFont typeface="Wingdings 2" charset="2"/>
+              <a:buChar char=""/>
+            </a:pPr>
+            <a:r>
+              <a:rPr b="0" lang="pt-BR" sz="2000" spc="-1" strike="noStrike">
+                <a:solidFill>
+                  <a:srgbClr val="000000"/>
+                </a:solidFill>
+                <a:uFill>
+                  <a:solidFill>
+                    <a:srgbClr val="ffffff"/>
+                  </a:solidFill>
+                </a:uFill>
+                <a:latin typeface="Verdana"/>
+                <a:ea typeface="DejaVu Sans"/>
+              </a:rPr>
+              <a:t>Pós-graduado em Gestão Estratégica em Tecnologia de Informação</a:t>
+            </a:r>
+            <a:endParaRPr b="0" lang="pt-BR" sz="1800" spc="-1" strike="noStrike">
+              <a:solidFill>
+                <a:srgbClr val="000000"/>
+              </a:solidFill>
+              <a:uFill>
+                <a:solidFill>
+                  <a:srgbClr val="ffffff"/>
+                </a:solidFill>
+              </a:uFill>
+              <a:latin typeface="Arial"/>
+            </a:endParaRPr>
+          </a:p>
+          <a:p>
+            <a:pPr marL="265320" indent="-263160">
+              <a:lnSpc>
+                <a:spcPct val="150000"/>
+              </a:lnSpc>
+              <a:buClr>
+                <a:srgbClr val="f07f09"/>
+              </a:buClr>
+              <a:buSzPct val="80000"/>
+              <a:buFont typeface="Wingdings 2" charset="2"/>
+              <a:buChar char=""/>
+            </a:pPr>
+            <a:r>
+              <a:rPr b="0" lang="pt-BR" sz="2000" spc="-1" strike="noStrike">
+                <a:solidFill>
+                  <a:srgbClr val="000000"/>
+                </a:solidFill>
+                <a:uFill>
+                  <a:solidFill>
+                    <a:srgbClr val="ffffff"/>
+                  </a:solidFill>
+                </a:uFill>
+                <a:latin typeface="Verdana"/>
+                <a:ea typeface="DejaVu Sans"/>
+              </a:rPr>
+              <a:t>Aluno do Projeto Aprender e Crescer</a:t>
+            </a:r>
+            <a:endParaRPr b="0" lang="pt-BR" sz="1800" spc="-1" strike="noStrike">
+              <a:solidFill>
+                <a:srgbClr val="000000"/>
+              </a:solidFill>
+              <a:uFill>
+                <a:solidFill>
+                  <a:srgbClr val="ffffff"/>
+                </a:solidFill>
+              </a:uFill>
+              <a:latin typeface="Arial"/>
+            </a:endParaRPr>
+          </a:p>
+          <a:p>
+            <a:pPr marL="265320" indent="-263160">
+              <a:lnSpc>
+                <a:spcPct val="150000"/>
+              </a:lnSpc>
+              <a:buClr>
+                <a:srgbClr val="f07f09"/>
+              </a:buClr>
+              <a:buSzPct val="80000"/>
+              <a:buFont typeface="Wingdings 2" charset="2"/>
+              <a:buChar char=""/>
+            </a:pPr>
+            <a:r>
+              <a:rPr b="0" lang="pt-BR" sz="2000" spc="-1" strike="noStrike">
+                <a:solidFill>
+                  <a:srgbClr val="000000"/>
+                </a:solidFill>
+                <a:uFill>
+                  <a:solidFill>
+                    <a:srgbClr val="ffffff"/>
+                  </a:solidFill>
+                </a:uFill>
+                <a:latin typeface="Verdana"/>
+                <a:ea typeface="DejaVu Sans"/>
+              </a:rPr>
+              <a:t>Colaborador da Empresa CISS Software e Serviços.</a:t>
+            </a:r>
             <a:endParaRPr b="0" lang="pt-BR" sz="1800" spc="-1" strike="noStrike">
               <a:solidFill>
                 <a:srgbClr val="000000"/>
@@ -5058,7 +5219,7 @@
       </p:sp>
       <p:pic>
         <p:nvPicPr>
-          <p:cNvPr id="112" name="" descr=""/>
+          <p:cNvPr id="111" name="" descr=""/>
           <p:cNvPicPr/>
           <p:nvPr/>
         </p:nvPicPr>
@@ -5068,8 +5229,8 @@
         </p:blipFill>
         <p:spPr>
           <a:xfrm>
-            <a:off x="2456280" y="1557000"/>
-            <a:ext cx="4887720" cy="4923000"/>
+            <a:off x="5976000" y="720000"/>
+            <a:ext cx="2518560" cy="2158560"/>
           </a:xfrm>
           <a:prstGeom prst="rect">
             <a:avLst/>
@@ -5088,2198 +5249,6 @@
           <p:childTnLst>
             <p:seq>
               <p:cTn id="22" nodeType="mainSeq"/>
-              <p:prevCondLst>
-                <p:cond delay="0" evt="onPrev">
-                  <p:tgtEl>
-                    <p:sldTgt/>
-                  </p:tgtEl>
-                </p:cond>
-              </p:prevCondLst>
-              <p:nextCondLst>
-                <p:cond delay="0" evt="onNext">
-                  <p:tgtEl>
-                    <p:sldTgt/>
-                  </p:tgtEl>
-                </p:cond>
-              </p:nextCondLst>
-            </p:seq>
-          </p:childTnLst>
-        </p:cTn>
-      </p:par>
-    </p:tnLst>
-  </p:timing>
-</p:sld>
-</file>
-
-<file path=ppt/slides/slide12.xml><?xml version="1.0" encoding="utf-8"?>
-<p:sld xmlns:a="http://schemas.openxmlformats.org/drawingml/2006/main" xmlns:p="http://schemas.openxmlformats.org/presentationml/2006/main" xmlns:r="http://schemas.openxmlformats.org/officeDocument/2006/relationships" xmlns:p14="http://schemas.microsoft.com/office/powerpoint/2010/main" xmlns:p15="http://schemas.microsoft.com/office/powerpoint/2012/main" xmlns:mc="http://schemas.openxmlformats.org/markup-compatibility/2006">
-  <p:cSld>
-    <p:spTree>
-      <p:nvGrpSpPr>
-        <p:cNvPr id="1" name=""/>
-        <p:cNvGrpSpPr/>
-        <p:nvPr/>
-      </p:nvGrpSpPr>
-      <p:grpSpPr>
-        <a:xfrm>
-          <a:off x="0" y="0"/>
-          <a:ext cx="0" cy="0"/>
-          <a:chOff x="0" y="0"/>
-          <a:chExt cx="0" cy="0"/>
-        </a:xfrm>
-      </p:grpSpPr>
-      <p:sp>
-        <p:nvSpPr>
-          <p:cNvPr id="113" name="CustomShape 1"/>
-          <p:cNvSpPr/>
-          <p:nvPr/>
-        </p:nvSpPr>
-        <p:spPr>
-          <a:xfrm>
-            <a:off x="467640" y="476640"/>
-            <a:ext cx="8182800" cy="1050480"/>
-          </a:xfrm>
-          <a:prstGeom prst="rect">
-            <a:avLst/>
-          </a:prstGeom>
-          <a:noFill/>
-          <a:ln>
-            <a:noFill/>
-          </a:ln>
-        </p:spPr>
-        <p:style>
-          <a:lnRef idx="0"/>
-          <a:fillRef idx="0"/>
-          <a:effectRef idx="0"/>
-          <a:fontRef idx="minor"/>
-        </p:style>
-        <p:txBody>
-          <a:bodyPr lIns="90000" rIns="90000" tIns="45000" bIns="45000" anchor="b"/>
-          <a:p>
-            <a:pPr>
-              <a:lnSpc>
-                <a:spcPct val="100000"/>
-              </a:lnSpc>
-            </a:pPr>
-            <a:r>
-              <a:rPr b="1" lang="pt-BR" sz="3600" spc="-1" strike="noStrike">
-                <a:solidFill>
-                  <a:srgbClr val="ff9257"/>
-                </a:solidFill>
-                <a:uFill>
-                  <a:solidFill>
-                    <a:srgbClr val="ffffff"/>
-                  </a:solidFill>
-                </a:uFill>
-                <a:latin typeface="Verdana"/>
-                <a:ea typeface="DejaVu Sans"/>
-              </a:rPr>
-              <a:t>Prototipação das Telas</a:t>
-            </a:r>
-            <a:endParaRPr b="0" lang="pt-BR" sz="1800" spc="-1" strike="noStrike">
-              <a:solidFill>
-                <a:srgbClr val="000000"/>
-              </a:solidFill>
-              <a:uFill>
-                <a:solidFill>
-                  <a:srgbClr val="ffffff"/>
-                </a:solidFill>
-              </a:uFill>
-              <a:latin typeface="Arial"/>
-            </a:endParaRPr>
-          </a:p>
-        </p:txBody>
-      </p:sp>
-      <p:sp>
-        <p:nvSpPr>
-          <p:cNvPr id="114" name="CustomShape 2"/>
-          <p:cNvSpPr/>
-          <p:nvPr/>
-        </p:nvSpPr>
-        <p:spPr>
-          <a:xfrm>
-            <a:off x="467640" y="1700640"/>
-            <a:ext cx="8182800" cy="4186800"/>
-          </a:xfrm>
-          <a:prstGeom prst="rect">
-            <a:avLst/>
-          </a:prstGeom>
-          <a:noFill/>
-          <a:ln>
-            <a:noFill/>
-          </a:ln>
-        </p:spPr>
-        <p:style>
-          <a:lnRef idx="0"/>
-          <a:fillRef idx="0"/>
-          <a:effectRef idx="0"/>
-          <a:fontRef idx="minor"/>
-        </p:style>
-        <p:txBody>
-          <a:bodyPr lIns="182880" rIns="90000" tIns="91440" bIns="45000"/>
-          <a:p>
-            <a:pPr>
-              <a:lnSpc>
-                <a:spcPct val="100000"/>
-              </a:lnSpc>
-            </a:pPr>
-            <a:endParaRPr b="0" lang="pt-BR" sz="1800" spc="-1" strike="noStrike">
-              <a:solidFill>
-                <a:srgbClr val="000000"/>
-              </a:solidFill>
-              <a:uFill>
-                <a:solidFill>
-                  <a:srgbClr val="ffffff"/>
-                </a:solidFill>
-              </a:uFill>
-              <a:latin typeface="Arial"/>
-            </a:endParaRPr>
-          </a:p>
-          <a:p>
-            <a:pPr marL="265320" indent="-264240">
-              <a:lnSpc>
-                <a:spcPct val="150000"/>
-              </a:lnSpc>
-              <a:buClr>
-                <a:srgbClr val="f07f09"/>
-              </a:buClr>
-              <a:buSzPct val="80000"/>
-              <a:buFont typeface="Wingdings 2" charset="2"/>
-              <a:buChar char=""/>
-            </a:pPr>
-            <a:r>
-              <a:rPr b="0" lang="pt-BR" sz="2800" spc="-1" strike="noStrike">
-                <a:solidFill>
-                  <a:srgbClr val="000000"/>
-                </a:solidFill>
-                <a:uFill>
-                  <a:solidFill>
-                    <a:srgbClr val="ffffff"/>
-                  </a:solidFill>
-                </a:uFill>
-                <a:latin typeface="Verdana"/>
-                <a:ea typeface="DejaVu Sans"/>
-              </a:rPr>
-              <a:t> </a:t>
-            </a:r>
-            <a:endParaRPr b="0" lang="pt-BR" sz="1800" spc="-1" strike="noStrike">
-              <a:solidFill>
-                <a:srgbClr val="000000"/>
-              </a:solidFill>
-              <a:uFill>
-                <a:solidFill>
-                  <a:srgbClr val="ffffff"/>
-                </a:solidFill>
-              </a:uFill>
-              <a:latin typeface="Arial"/>
-            </a:endParaRPr>
-          </a:p>
-          <a:p>
-            <a:pPr>
-              <a:lnSpc>
-                <a:spcPct val="150000"/>
-              </a:lnSpc>
-            </a:pPr>
-            <a:endParaRPr b="0" lang="pt-BR" sz="1800" spc="-1" strike="noStrike">
-              <a:solidFill>
-                <a:srgbClr val="000000"/>
-              </a:solidFill>
-              <a:uFill>
-                <a:solidFill>
-                  <a:srgbClr val="ffffff"/>
-                </a:solidFill>
-              </a:uFill>
-              <a:latin typeface="Arial"/>
-            </a:endParaRPr>
-          </a:p>
-          <a:p>
-            <a:pPr>
-              <a:lnSpc>
-                <a:spcPct val="150000"/>
-              </a:lnSpc>
-            </a:pPr>
-            <a:endParaRPr b="0" lang="pt-BR" sz="1800" spc="-1" strike="noStrike">
-              <a:solidFill>
-                <a:srgbClr val="000000"/>
-              </a:solidFill>
-              <a:uFill>
-                <a:solidFill>
-                  <a:srgbClr val="ffffff"/>
-                </a:solidFill>
-              </a:uFill>
-              <a:latin typeface="Arial"/>
-            </a:endParaRPr>
-          </a:p>
-          <a:p>
-            <a:pPr>
-              <a:lnSpc>
-                <a:spcPct val="100000"/>
-              </a:lnSpc>
-            </a:pPr>
-            <a:endParaRPr b="0" lang="pt-BR" sz="1800" spc="-1" strike="noStrike">
-              <a:solidFill>
-                <a:srgbClr val="000000"/>
-              </a:solidFill>
-              <a:uFill>
-                <a:solidFill>
-                  <a:srgbClr val="ffffff"/>
-                </a:solidFill>
-              </a:uFill>
-              <a:latin typeface="Arial"/>
-            </a:endParaRPr>
-          </a:p>
-        </p:txBody>
-      </p:sp>
-      <p:pic>
-        <p:nvPicPr>
-          <p:cNvPr id="115" name="" descr=""/>
-          <p:cNvPicPr/>
-          <p:nvPr/>
-        </p:nvPicPr>
-        <p:blipFill>
-          <a:blip r:embed="rId1"/>
-          <a:stretch/>
-        </p:blipFill>
-        <p:spPr>
-          <a:xfrm>
-            <a:off x="2456280" y="1557000"/>
-            <a:ext cx="4743720" cy="4995000"/>
-          </a:xfrm>
-          <a:prstGeom prst="rect">
-            <a:avLst/>
-          </a:prstGeom>
-          <a:ln>
-            <a:noFill/>
-          </a:ln>
-        </p:spPr>
-      </p:pic>
-    </p:spTree>
-  </p:cSld>
-  <p:timing>
-    <p:tnLst>
-      <p:par>
-        <p:cTn id="23" dur="indefinite" restart="never" nodeType="tmRoot">
-          <p:childTnLst>
-            <p:seq>
-              <p:cTn id="24" nodeType="mainSeq"/>
-              <p:prevCondLst>
-                <p:cond delay="0" evt="onPrev">
-                  <p:tgtEl>
-                    <p:sldTgt/>
-                  </p:tgtEl>
-                </p:cond>
-              </p:prevCondLst>
-              <p:nextCondLst>
-                <p:cond delay="0" evt="onNext">
-                  <p:tgtEl>
-                    <p:sldTgt/>
-                  </p:tgtEl>
-                </p:cond>
-              </p:nextCondLst>
-            </p:seq>
-          </p:childTnLst>
-        </p:cTn>
-      </p:par>
-    </p:tnLst>
-  </p:timing>
-</p:sld>
-</file>
-
-<file path=ppt/slides/slide13.xml><?xml version="1.0" encoding="utf-8"?>
-<p:sld xmlns:a="http://schemas.openxmlformats.org/drawingml/2006/main" xmlns:p="http://schemas.openxmlformats.org/presentationml/2006/main" xmlns:r="http://schemas.openxmlformats.org/officeDocument/2006/relationships" xmlns:p14="http://schemas.microsoft.com/office/powerpoint/2010/main" xmlns:p15="http://schemas.microsoft.com/office/powerpoint/2012/main" xmlns:mc="http://schemas.openxmlformats.org/markup-compatibility/2006">
-  <p:cSld>
-    <p:spTree>
-      <p:nvGrpSpPr>
-        <p:cNvPr id="1" name=""/>
-        <p:cNvGrpSpPr/>
-        <p:nvPr/>
-      </p:nvGrpSpPr>
-      <p:grpSpPr>
-        <a:xfrm>
-          <a:off x="0" y="0"/>
-          <a:ext cx="0" cy="0"/>
-          <a:chOff x="0" y="0"/>
-          <a:chExt cx="0" cy="0"/>
-        </a:xfrm>
-      </p:grpSpPr>
-      <p:sp>
-        <p:nvSpPr>
-          <p:cNvPr id="116" name="CustomShape 1"/>
-          <p:cNvSpPr/>
-          <p:nvPr/>
-        </p:nvSpPr>
-        <p:spPr>
-          <a:xfrm>
-            <a:off x="467640" y="476640"/>
-            <a:ext cx="8182800" cy="1050480"/>
-          </a:xfrm>
-          <a:prstGeom prst="rect">
-            <a:avLst/>
-          </a:prstGeom>
-          <a:noFill/>
-          <a:ln>
-            <a:noFill/>
-          </a:ln>
-        </p:spPr>
-        <p:style>
-          <a:lnRef idx="0"/>
-          <a:fillRef idx="0"/>
-          <a:effectRef idx="0"/>
-          <a:fontRef idx="minor"/>
-        </p:style>
-        <p:txBody>
-          <a:bodyPr lIns="90000" rIns="90000" tIns="45000" bIns="45000" anchor="b"/>
-          <a:p>
-            <a:pPr>
-              <a:lnSpc>
-                <a:spcPct val="100000"/>
-              </a:lnSpc>
-            </a:pPr>
-            <a:r>
-              <a:rPr b="1" lang="pt-BR" sz="3600" spc="-1" strike="noStrike">
-                <a:solidFill>
-                  <a:srgbClr val="ff9257"/>
-                </a:solidFill>
-                <a:uFill>
-                  <a:solidFill>
-                    <a:srgbClr val="ffffff"/>
-                  </a:solidFill>
-                </a:uFill>
-                <a:latin typeface="Verdana"/>
-                <a:ea typeface="DejaVu Sans"/>
-              </a:rPr>
-              <a:t>Prototipação das Telas</a:t>
-            </a:r>
-            <a:endParaRPr b="0" lang="pt-BR" sz="1800" spc="-1" strike="noStrike">
-              <a:solidFill>
-                <a:srgbClr val="000000"/>
-              </a:solidFill>
-              <a:uFill>
-                <a:solidFill>
-                  <a:srgbClr val="ffffff"/>
-                </a:solidFill>
-              </a:uFill>
-              <a:latin typeface="Arial"/>
-            </a:endParaRPr>
-          </a:p>
-        </p:txBody>
-      </p:sp>
-      <p:sp>
-        <p:nvSpPr>
-          <p:cNvPr id="117" name="CustomShape 2"/>
-          <p:cNvSpPr/>
-          <p:nvPr/>
-        </p:nvSpPr>
-        <p:spPr>
-          <a:xfrm>
-            <a:off x="467640" y="1700640"/>
-            <a:ext cx="8182800" cy="4186800"/>
-          </a:xfrm>
-          <a:prstGeom prst="rect">
-            <a:avLst/>
-          </a:prstGeom>
-          <a:noFill/>
-          <a:ln>
-            <a:noFill/>
-          </a:ln>
-        </p:spPr>
-        <p:style>
-          <a:lnRef idx="0"/>
-          <a:fillRef idx="0"/>
-          <a:effectRef idx="0"/>
-          <a:fontRef idx="minor"/>
-        </p:style>
-        <p:txBody>
-          <a:bodyPr lIns="182880" rIns="90000" tIns="91440" bIns="45000"/>
-          <a:p>
-            <a:pPr>
-              <a:lnSpc>
-                <a:spcPct val="100000"/>
-              </a:lnSpc>
-            </a:pPr>
-            <a:endParaRPr b="0" lang="pt-BR" sz="1800" spc="-1" strike="noStrike">
-              <a:solidFill>
-                <a:srgbClr val="000000"/>
-              </a:solidFill>
-              <a:uFill>
-                <a:solidFill>
-                  <a:srgbClr val="ffffff"/>
-                </a:solidFill>
-              </a:uFill>
-              <a:latin typeface="Arial"/>
-            </a:endParaRPr>
-          </a:p>
-          <a:p>
-            <a:pPr marL="265320" indent="-264240">
-              <a:lnSpc>
-                <a:spcPct val="150000"/>
-              </a:lnSpc>
-              <a:buClr>
-                <a:srgbClr val="f07f09"/>
-              </a:buClr>
-              <a:buSzPct val="80000"/>
-              <a:buFont typeface="Wingdings 2" charset="2"/>
-              <a:buChar char=""/>
-            </a:pPr>
-            <a:r>
-              <a:rPr b="0" lang="pt-BR" sz="2800" spc="-1" strike="noStrike">
-                <a:solidFill>
-                  <a:srgbClr val="000000"/>
-                </a:solidFill>
-                <a:uFill>
-                  <a:solidFill>
-                    <a:srgbClr val="ffffff"/>
-                  </a:solidFill>
-                </a:uFill>
-                <a:latin typeface="Verdana"/>
-                <a:ea typeface="DejaVu Sans"/>
-              </a:rPr>
-              <a:t> </a:t>
-            </a:r>
-            <a:endParaRPr b="0" lang="pt-BR" sz="1800" spc="-1" strike="noStrike">
-              <a:solidFill>
-                <a:srgbClr val="000000"/>
-              </a:solidFill>
-              <a:uFill>
-                <a:solidFill>
-                  <a:srgbClr val="ffffff"/>
-                </a:solidFill>
-              </a:uFill>
-              <a:latin typeface="Arial"/>
-            </a:endParaRPr>
-          </a:p>
-          <a:p>
-            <a:pPr>
-              <a:lnSpc>
-                <a:spcPct val="150000"/>
-              </a:lnSpc>
-            </a:pPr>
-            <a:endParaRPr b="0" lang="pt-BR" sz="1800" spc="-1" strike="noStrike">
-              <a:solidFill>
-                <a:srgbClr val="000000"/>
-              </a:solidFill>
-              <a:uFill>
-                <a:solidFill>
-                  <a:srgbClr val="ffffff"/>
-                </a:solidFill>
-              </a:uFill>
-              <a:latin typeface="Arial"/>
-            </a:endParaRPr>
-          </a:p>
-          <a:p>
-            <a:pPr>
-              <a:lnSpc>
-                <a:spcPct val="150000"/>
-              </a:lnSpc>
-            </a:pPr>
-            <a:endParaRPr b="0" lang="pt-BR" sz="1800" spc="-1" strike="noStrike">
-              <a:solidFill>
-                <a:srgbClr val="000000"/>
-              </a:solidFill>
-              <a:uFill>
-                <a:solidFill>
-                  <a:srgbClr val="ffffff"/>
-                </a:solidFill>
-              </a:uFill>
-              <a:latin typeface="Arial"/>
-            </a:endParaRPr>
-          </a:p>
-          <a:p>
-            <a:pPr>
-              <a:lnSpc>
-                <a:spcPct val="100000"/>
-              </a:lnSpc>
-            </a:pPr>
-            <a:endParaRPr b="0" lang="pt-BR" sz="1800" spc="-1" strike="noStrike">
-              <a:solidFill>
-                <a:srgbClr val="000000"/>
-              </a:solidFill>
-              <a:uFill>
-                <a:solidFill>
-                  <a:srgbClr val="ffffff"/>
-                </a:solidFill>
-              </a:uFill>
-              <a:latin typeface="Arial"/>
-            </a:endParaRPr>
-          </a:p>
-        </p:txBody>
-      </p:sp>
-      <p:pic>
-        <p:nvPicPr>
-          <p:cNvPr id="118" name="" descr=""/>
-          <p:cNvPicPr/>
-          <p:nvPr/>
-        </p:nvPicPr>
-        <p:blipFill>
-          <a:blip r:embed="rId1"/>
-          <a:stretch/>
-        </p:blipFill>
-        <p:spPr>
-          <a:xfrm>
-            <a:off x="2456280" y="1593000"/>
-            <a:ext cx="4959720" cy="4887000"/>
-          </a:xfrm>
-          <a:prstGeom prst="rect">
-            <a:avLst/>
-          </a:prstGeom>
-          <a:ln>
-            <a:noFill/>
-          </a:ln>
-        </p:spPr>
-      </p:pic>
-    </p:spTree>
-  </p:cSld>
-  <p:timing>
-    <p:tnLst>
-      <p:par>
-        <p:cTn id="25" dur="indefinite" restart="never" nodeType="tmRoot">
-          <p:childTnLst>
-            <p:seq>
-              <p:cTn id="26" nodeType="mainSeq"/>
-              <p:prevCondLst>
-                <p:cond delay="0" evt="onPrev">
-                  <p:tgtEl>
-                    <p:sldTgt/>
-                  </p:tgtEl>
-                </p:cond>
-              </p:prevCondLst>
-              <p:nextCondLst>
-                <p:cond delay="0" evt="onNext">
-                  <p:tgtEl>
-                    <p:sldTgt/>
-                  </p:tgtEl>
-                </p:cond>
-              </p:nextCondLst>
-            </p:seq>
-          </p:childTnLst>
-        </p:cTn>
-      </p:par>
-    </p:tnLst>
-  </p:timing>
-</p:sld>
-</file>
-
-<file path=ppt/slides/slide14.xml><?xml version="1.0" encoding="utf-8"?>
-<p:sld xmlns:a="http://schemas.openxmlformats.org/drawingml/2006/main" xmlns:p="http://schemas.openxmlformats.org/presentationml/2006/main" xmlns:r="http://schemas.openxmlformats.org/officeDocument/2006/relationships" xmlns:p14="http://schemas.microsoft.com/office/powerpoint/2010/main" xmlns:p15="http://schemas.microsoft.com/office/powerpoint/2012/main" xmlns:mc="http://schemas.openxmlformats.org/markup-compatibility/2006">
-  <p:cSld>
-    <p:spTree>
-      <p:nvGrpSpPr>
-        <p:cNvPr id="1" name=""/>
-        <p:cNvGrpSpPr/>
-        <p:nvPr/>
-      </p:nvGrpSpPr>
-      <p:grpSpPr>
-        <a:xfrm>
-          <a:off x="0" y="0"/>
-          <a:ext cx="0" cy="0"/>
-          <a:chOff x="0" y="0"/>
-          <a:chExt cx="0" cy="0"/>
-        </a:xfrm>
-      </p:grpSpPr>
-      <p:sp>
-        <p:nvSpPr>
-          <p:cNvPr id="119" name="CustomShape 1"/>
-          <p:cNvSpPr/>
-          <p:nvPr/>
-        </p:nvSpPr>
-        <p:spPr>
-          <a:xfrm>
-            <a:off x="467640" y="476640"/>
-            <a:ext cx="8182800" cy="1050480"/>
-          </a:xfrm>
-          <a:prstGeom prst="rect">
-            <a:avLst/>
-          </a:prstGeom>
-          <a:noFill/>
-          <a:ln>
-            <a:noFill/>
-          </a:ln>
-        </p:spPr>
-        <p:style>
-          <a:lnRef idx="0"/>
-          <a:fillRef idx="0"/>
-          <a:effectRef idx="0"/>
-          <a:fontRef idx="minor"/>
-        </p:style>
-        <p:txBody>
-          <a:bodyPr lIns="90000" rIns="90000" tIns="45000" bIns="45000" anchor="b"/>
-          <a:p>
-            <a:pPr>
-              <a:lnSpc>
-                <a:spcPct val="100000"/>
-              </a:lnSpc>
-            </a:pPr>
-            <a:r>
-              <a:rPr b="1" lang="pt-BR" sz="3600" spc="-1" strike="noStrike">
-                <a:solidFill>
-                  <a:srgbClr val="ff9257"/>
-                </a:solidFill>
-                <a:uFill>
-                  <a:solidFill>
-                    <a:srgbClr val="ffffff"/>
-                  </a:solidFill>
-                </a:uFill>
-                <a:latin typeface="Verdana"/>
-                <a:ea typeface="DejaVu Sans"/>
-              </a:rPr>
-              <a:t>Prototipação das Telas</a:t>
-            </a:r>
-            <a:endParaRPr b="0" lang="pt-BR" sz="1800" spc="-1" strike="noStrike">
-              <a:solidFill>
-                <a:srgbClr val="000000"/>
-              </a:solidFill>
-              <a:uFill>
-                <a:solidFill>
-                  <a:srgbClr val="ffffff"/>
-                </a:solidFill>
-              </a:uFill>
-              <a:latin typeface="Arial"/>
-            </a:endParaRPr>
-          </a:p>
-        </p:txBody>
-      </p:sp>
-      <p:sp>
-        <p:nvSpPr>
-          <p:cNvPr id="120" name="CustomShape 2"/>
-          <p:cNvSpPr/>
-          <p:nvPr/>
-        </p:nvSpPr>
-        <p:spPr>
-          <a:xfrm>
-            <a:off x="467640" y="1700640"/>
-            <a:ext cx="8182800" cy="4186800"/>
-          </a:xfrm>
-          <a:prstGeom prst="rect">
-            <a:avLst/>
-          </a:prstGeom>
-          <a:noFill/>
-          <a:ln>
-            <a:noFill/>
-          </a:ln>
-        </p:spPr>
-        <p:style>
-          <a:lnRef idx="0"/>
-          <a:fillRef idx="0"/>
-          <a:effectRef idx="0"/>
-          <a:fontRef idx="minor"/>
-        </p:style>
-        <p:txBody>
-          <a:bodyPr lIns="182880" rIns="90000" tIns="91440" bIns="45000"/>
-          <a:p>
-            <a:pPr>
-              <a:lnSpc>
-                <a:spcPct val="100000"/>
-              </a:lnSpc>
-            </a:pPr>
-            <a:endParaRPr b="0" lang="pt-BR" sz="1800" spc="-1" strike="noStrike">
-              <a:solidFill>
-                <a:srgbClr val="000000"/>
-              </a:solidFill>
-              <a:uFill>
-                <a:solidFill>
-                  <a:srgbClr val="ffffff"/>
-                </a:solidFill>
-              </a:uFill>
-              <a:latin typeface="Arial"/>
-            </a:endParaRPr>
-          </a:p>
-          <a:p>
-            <a:pPr marL="265320" indent="-264240">
-              <a:lnSpc>
-                <a:spcPct val="150000"/>
-              </a:lnSpc>
-              <a:buClr>
-                <a:srgbClr val="f07f09"/>
-              </a:buClr>
-              <a:buSzPct val="80000"/>
-              <a:buFont typeface="Wingdings 2" charset="2"/>
-              <a:buChar char=""/>
-            </a:pPr>
-            <a:r>
-              <a:rPr b="0" lang="pt-BR" sz="2800" spc="-1" strike="noStrike">
-                <a:solidFill>
-                  <a:srgbClr val="000000"/>
-                </a:solidFill>
-                <a:uFill>
-                  <a:solidFill>
-                    <a:srgbClr val="ffffff"/>
-                  </a:solidFill>
-                </a:uFill>
-                <a:latin typeface="Verdana"/>
-                <a:ea typeface="DejaVu Sans"/>
-              </a:rPr>
-              <a:t> </a:t>
-            </a:r>
-            <a:endParaRPr b="0" lang="pt-BR" sz="1800" spc="-1" strike="noStrike">
-              <a:solidFill>
-                <a:srgbClr val="000000"/>
-              </a:solidFill>
-              <a:uFill>
-                <a:solidFill>
-                  <a:srgbClr val="ffffff"/>
-                </a:solidFill>
-              </a:uFill>
-              <a:latin typeface="Arial"/>
-            </a:endParaRPr>
-          </a:p>
-          <a:p>
-            <a:pPr>
-              <a:lnSpc>
-                <a:spcPct val="150000"/>
-              </a:lnSpc>
-            </a:pPr>
-            <a:endParaRPr b="0" lang="pt-BR" sz="1800" spc="-1" strike="noStrike">
-              <a:solidFill>
-                <a:srgbClr val="000000"/>
-              </a:solidFill>
-              <a:uFill>
-                <a:solidFill>
-                  <a:srgbClr val="ffffff"/>
-                </a:solidFill>
-              </a:uFill>
-              <a:latin typeface="Arial"/>
-            </a:endParaRPr>
-          </a:p>
-          <a:p>
-            <a:pPr>
-              <a:lnSpc>
-                <a:spcPct val="150000"/>
-              </a:lnSpc>
-            </a:pPr>
-            <a:endParaRPr b="0" lang="pt-BR" sz="1800" spc="-1" strike="noStrike">
-              <a:solidFill>
-                <a:srgbClr val="000000"/>
-              </a:solidFill>
-              <a:uFill>
-                <a:solidFill>
-                  <a:srgbClr val="ffffff"/>
-                </a:solidFill>
-              </a:uFill>
-              <a:latin typeface="Arial"/>
-            </a:endParaRPr>
-          </a:p>
-          <a:p>
-            <a:pPr>
-              <a:lnSpc>
-                <a:spcPct val="100000"/>
-              </a:lnSpc>
-            </a:pPr>
-            <a:endParaRPr b="0" lang="pt-BR" sz="1800" spc="-1" strike="noStrike">
-              <a:solidFill>
-                <a:srgbClr val="000000"/>
-              </a:solidFill>
-              <a:uFill>
-                <a:solidFill>
-                  <a:srgbClr val="ffffff"/>
-                </a:solidFill>
-              </a:uFill>
-              <a:latin typeface="Arial"/>
-            </a:endParaRPr>
-          </a:p>
-        </p:txBody>
-      </p:sp>
-      <p:pic>
-        <p:nvPicPr>
-          <p:cNvPr id="121" name="" descr=""/>
-          <p:cNvPicPr/>
-          <p:nvPr/>
-        </p:nvPicPr>
-        <p:blipFill>
-          <a:blip r:embed="rId1"/>
-          <a:stretch/>
-        </p:blipFill>
-        <p:spPr>
-          <a:xfrm>
-            <a:off x="2456280" y="1557000"/>
-            <a:ext cx="5103720" cy="4923000"/>
-          </a:xfrm>
-          <a:prstGeom prst="rect">
-            <a:avLst/>
-          </a:prstGeom>
-          <a:ln>
-            <a:noFill/>
-          </a:ln>
-        </p:spPr>
-      </p:pic>
-    </p:spTree>
-  </p:cSld>
-  <p:timing>
-    <p:tnLst>
-      <p:par>
-        <p:cTn id="27" dur="indefinite" restart="never" nodeType="tmRoot">
-          <p:childTnLst>
-            <p:seq>
-              <p:cTn id="28" nodeType="mainSeq"/>
-              <p:prevCondLst>
-                <p:cond delay="0" evt="onPrev">
-                  <p:tgtEl>
-                    <p:sldTgt/>
-                  </p:tgtEl>
-                </p:cond>
-              </p:prevCondLst>
-              <p:nextCondLst>
-                <p:cond delay="0" evt="onNext">
-                  <p:tgtEl>
-                    <p:sldTgt/>
-                  </p:tgtEl>
-                </p:cond>
-              </p:nextCondLst>
-            </p:seq>
-          </p:childTnLst>
-        </p:cTn>
-      </p:par>
-    </p:tnLst>
-  </p:timing>
-</p:sld>
-</file>
-
-<file path=ppt/slides/slide15.xml><?xml version="1.0" encoding="utf-8"?>
-<p:sld xmlns:a="http://schemas.openxmlformats.org/drawingml/2006/main" xmlns:p="http://schemas.openxmlformats.org/presentationml/2006/main" xmlns:r="http://schemas.openxmlformats.org/officeDocument/2006/relationships" xmlns:p14="http://schemas.microsoft.com/office/powerpoint/2010/main" xmlns:p15="http://schemas.microsoft.com/office/powerpoint/2012/main" xmlns:mc="http://schemas.openxmlformats.org/markup-compatibility/2006">
-  <p:cSld>
-    <p:spTree>
-      <p:nvGrpSpPr>
-        <p:cNvPr id="1" name=""/>
-        <p:cNvGrpSpPr/>
-        <p:nvPr/>
-      </p:nvGrpSpPr>
-      <p:grpSpPr>
-        <a:xfrm>
-          <a:off x="0" y="0"/>
-          <a:ext cx="0" cy="0"/>
-          <a:chOff x="0" y="0"/>
-          <a:chExt cx="0" cy="0"/>
-        </a:xfrm>
-      </p:grpSpPr>
-      <p:sp>
-        <p:nvSpPr>
-          <p:cNvPr id="122" name="CustomShape 1"/>
-          <p:cNvSpPr/>
-          <p:nvPr/>
-        </p:nvSpPr>
-        <p:spPr>
-          <a:xfrm>
-            <a:off x="467640" y="476640"/>
-            <a:ext cx="8182800" cy="1050480"/>
-          </a:xfrm>
-          <a:prstGeom prst="rect">
-            <a:avLst/>
-          </a:prstGeom>
-          <a:noFill/>
-          <a:ln>
-            <a:noFill/>
-          </a:ln>
-        </p:spPr>
-        <p:style>
-          <a:lnRef idx="0"/>
-          <a:fillRef idx="0"/>
-          <a:effectRef idx="0"/>
-          <a:fontRef idx="minor"/>
-        </p:style>
-        <p:txBody>
-          <a:bodyPr lIns="90000" rIns="90000" tIns="45000" bIns="45000" anchor="b"/>
-          <a:p>
-            <a:pPr>
-              <a:lnSpc>
-                <a:spcPct val="100000"/>
-              </a:lnSpc>
-            </a:pPr>
-            <a:r>
-              <a:rPr b="1" lang="pt-BR" sz="3600" spc="-1" strike="noStrike">
-                <a:solidFill>
-                  <a:srgbClr val="ff9257"/>
-                </a:solidFill>
-                <a:uFill>
-                  <a:solidFill>
-                    <a:srgbClr val="ffffff"/>
-                  </a:solidFill>
-                </a:uFill>
-                <a:latin typeface="Verdana"/>
-                <a:ea typeface="DejaVu Sans"/>
-              </a:rPr>
-              <a:t>Prototipação das Telas</a:t>
-            </a:r>
-            <a:endParaRPr b="0" lang="pt-BR" sz="1800" spc="-1" strike="noStrike">
-              <a:solidFill>
-                <a:srgbClr val="000000"/>
-              </a:solidFill>
-              <a:uFill>
-                <a:solidFill>
-                  <a:srgbClr val="ffffff"/>
-                </a:solidFill>
-              </a:uFill>
-              <a:latin typeface="Arial"/>
-            </a:endParaRPr>
-          </a:p>
-        </p:txBody>
-      </p:sp>
-      <p:sp>
-        <p:nvSpPr>
-          <p:cNvPr id="123" name="CustomShape 2"/>
-          <p:cNvSpPr/>
-          <p:nvPr/>
-        </p:nvSpPr>
-        <p:spPr>
-          <a:xfrm>
-            <a:off x="467640" y="1700640"/>
-            <a:ext cx="8182800" cy="4186800"/>
-          </a:xfrm>
-          <a:prstGeom prst="rect">
-            <a:avLst/>
-          </a:prstGeom>
-          <a:noFill/>
-          <a:ln>
-            <a:noFill/>
-          </a:ln>
-        </p:spPr>
-        <p:style>
-          <a:lnRef idx="0"/>
-          <a:fillRef idx="0"/>
-          <a:effectRef idx="0"/>
-          <a:fontRef idx="minor"/>
-        </p:style>
-        <p:txBody>
-          <a:bodyPr lIns="182880" rIns="90000" tIns="91440" bIns="45000"/>
-          <a:p>
-            <a:pPr>
-              <a:lnSpc>
-                <a:spcPct val="100000"/>
-              </a:lnSpc>
-            </a:pPr>
-            <a:endParaRPr b="0" lang="pt-BR" sz="1800" spc="-1" strike="noStrike">
-              <a:solidFill>
-                <a:srgbClr val="000000"/>
-              </a:solidFill>
-              <a:uFill>
-                <a:solidFill>
-                  <a:srgbClr val="ffffff"/>
-                </a:solidFill>
-              </a:uFill>
-              <a:latin typeface="Arial"/>
-            </a:endParaRPr>
-          </a:p>
-          <a:p>
-            <a:pPr marL="265320" indent="-264240">
-              <a:lnSpc>
-                <a:spcPct val="150000"/>
-              </a:lnSpc>
-              <a:buClr>
-                <a:srgbClr val="f07f09"/>
-              </a:buClr>
-              <a:buSzPct val="80000"/>
-              <a:buFont typeface="Wingdings 2" charset="2"/>
-              <a:buChar char=""/>
-            </a:pPr>
-            <a:r>
-              <a:rPr b="0" lang="pt-BR" sz="2800" spc="-1" strike="noStrike">
-                <a:solidFill>
-                  <a:srgbClr val="000000"/>
-                </a:solidFill>
-                <a:uFill>
-                  <a:solidFill>
-                    <a:srgbClr val="ffffff"/>
-                  </a:solidFill>
-                </a:uFill>
-                <a:latin typeface="Verdana"/>
-                <a:ea typeface="DejaVu Sans"/>
-              </a:rPr>
-              <a:t> </a:t>
-            </a:r>
-            <a:endParaRPr b="0" lang="pt-BR" sz="1800" spc="-1" strike="noStrike">
-              <a:solidFill>
-                <a:srgbClr val="000000"/>
-              </a:solidFill>
-              <a:uFill>
-                <a:solidFill>
-                  <a:srgbClr val="ffffff"/>
-                </a:solidFill>
-              </a:uFill>
-              <a:latin typeface="Arial"/>
-            </a:endParaRPr>
-          </a:p>
-          <a:p>
-            <a:pPr>
-              <a:lnSpc>
-                <a:spcPct val="150000"/>
-              </a:lnSpc>
-            </a:pPr>
-            <a:endParaRPr b="0" lang="pt-BR" sz="1800" spc="-1" strike="noStrike">
-              <a:solidFill>
-                <a:srgbClr val="000000"/>
-              </a:solidFill>
-              <a:uFill>
-                <a:solidFill>
-                  <a:srgbClr val="ffffff"/>
-                </a:solidFill>
-              </a:uFill>
-              <a:latin typeface="Arial"/>
-            </a:endParaRPr>
-          </a:p>
-          <a:p>
-            <a:pPr>
-              <a:lnSpc>
-                <a:spcPct val="150000"/>
-              </a:lnSpc>
-            </a:pPr>
-            <a:endParaRPr b="0" lang="pt-BR" sz="1800" spc="-1" strike="noStrike">
-              <a:solidFill>
-                <a:srgbClr val="000000"/>
-              </a:solidFill>
-              <a:uFill>
-                <a:solidFill>
-                  <a:srgbClr val="ffffff"/>
-                </a:solidFill>
-              </a:uFill>
-              <a:latin typeface="Arial"/>
-            </a:endParaRPr>
-          </a:p>
-          <a:p>
-            <a:pPr>
-              <a:lnSpc>
-                <a:spcPct val="100000"/>
-              </a:lnSpc>
-            </a:pPr>
-            <a:endParaRPr b="0" lang="pt-BR" sz="1800" spc="-1" strike="noStrike">
-              <a:solidFill>
-                <a:srgbClr val="000000"/>
-              </a:solidFill>
-              <a:uFill>
-                <a:solidFill>
-                  <a:srgbClr val="ffffff"/>
-                </a:solidFill>
-              </a:uFill>
-              <a:latin typeface="Arial"/>
-            </a:endParaRPr>
-          </a:p>
-        </p:txBody>
-      </p:sp>
-      <p:pic>
-        <p:nvPicPr>
-          <p:cNvPr id="124" name="" descr=""/>
-          <p:cNvPicPr/>
-          <p:nvPr/>
-        </p:nvPicPr>
-        <p:blipFill>
-          <a:blip r:embed="rId1"/>
-          <a:stretch/>
-        </p:blipFill>
-        <p:spPr>
-          <a:xfrm>
-            <a:off x="2456280" y="1557000"/>
-            <a:ext cx="5031720" cy="4923000"/>
-          </a:xfrm>
-          <a:prstGeom prst="rect">
-            <a:avLst/>
-          </a:prstGeom>
-          <a:ln>
-            <a:noFill/>
-          </a:ln>
-        </p:spPr>
-      </p:pic>
-    </p:spTree>
-  </p:cSld>
-  <p:timing>
-    <p:tnLst>
-      <p:par>
-        <p:cTn id="29" dur="indefinite" restart="never" nodeType="tmRoot">
-          <p:childTnLst>
-            <p:seq>
-              <p:cTn id="30" nodeType="mainSeq"/>
-              <p:prevCondLst>
-                <p:cond delay="0" evt="onPrev">
-                  <p:tgtEl>
-                    <p:sldTgt/>
-                  </p:tgtEl>
-                </p:cond>
-              </p:prevCondLst>
-              <p:nextCondLst>
-                <p:cond delay="0" evt="onNext">
-                  <p:tgtEl>
-                    <p:sldTgt/>
-                  </p:tgtEl>
-                </p:cond>
-              </p:nextCondLst>
-            </p:seq>
-          </p:childTnLst>
-        </p:cTn>
-      </p:par>
-    </p:tnLst>
-  </p:timing>
-</p:sld>
-</file>
-
-<file path=ppt/slides/slide16.xml><?xml version="1.0" encoding="utf-8"?>
-<p:sld xmlns:a="http://schemas.openxmlformats.org/drawingml/2006/main" xmlns:p="http://schemas.openxmlformats.org/presentationml/2006/main" xmlns:r="http://schemas.openxmlformats.org/officeDocument/2006/relationships" xmlns:p14="http://schemas.microsoft.com/office/powerpoint/2010/main" xmlns:p15="http://schemas.microsoft.com/office/powerpoint/2012/main" xmlns:mc="http://schemas.openxmlformats.org/markup-compatibility/2006">
-  <p:cSld>
-    <p:spTree>
-      <p:nvGrpSpPr>
-        <p:cNvPr id="1" name=""/>
-        <p:cNvGrpSpPr/>
-        <p:nvPr/>
-      </p:nvGrpSpPr>
-      <p:grpSpPr>
-        <a:xfrm>
-          <a:off x="0" y="0"/>
-          <a:ext cx="0" cy="0"/>
-          <a:chOff x="0" y="0"/>
-          <a:chExt cx="0" cy="0"/>
-        </a:xfrm>
-      </p:grpSpPr>
-      <p:sp>
-        <p:nvSpPr>
-          <p:cNvPr id="125" name="CustomShape 1"/>
-          <p:cNvSpPr/>
-          <p:nvPr/>
-        </p:nvSpPr>
-        <p:spPr>
-          <a:xfrm>
-            <a:off x="467640" y="476640"/>
-            <a:ext cx="8182800" cy="1050480"/>
-          </a:xfrm>
-          <a:prstGeom prst="rect">
-            <a:avLst/>
-          </a:prstGeom>
-          <a:noFill/>
-          <a:ln>
-            <a:noFill/>
-          </a:ln>
-        </p:spPr>
-        <p:style>
-          <a:lnRef idx="0"/>
-          <a:fillRef idx="0"/>
-          <a:effectRef idx="0"/>
-          <a:fontRef idx="minor"/>
-        </p:style>
-        <p:txBody>
-          <a:bodyPr lIns="90000" rIns="90000" tIns="45000" bIns="45000" anchor="b"/>
-          <a:p>
-            <a:pPr>
-              <a:lnSpc>
-                <a:spcPct val="100000"/>
-              </a:lnSpc>
-            </a:pPr>
-            <a:r>
-              <a:rPr b="1" lang="pt-BR" sz="3600" spc="-1" strike="noStrike">
-                <a:solidFill>
-                  <a:srgbClr val="ff9257"/>
-                </a:solidFill>
-                <a:uFill>
-                  <a:solidFill>
-                    <a:srgbClr val="ffffff"/>
-                  </a:solidFill>
-                </a:uFill>
-                <a:latin typeface="Verdana"/>
-                <a:ea typeface="DejaVu Sans"/>
-              </a:rPr>
-              <a:t>Prototipação das Telas</a:t>
-            </a:r>
-            <a:endParaRPr b="0" lang="pt-BR" sz="1800" spc="-1" strike="noStrike">
-              <a:solidFill>
-                <a:srgbClr val="000000"/>
-              </a:solidFill>
-              <a:uFill>
-                <a:solidFill>
-                  <a:srgbClr val="ffffff"/>
-                </a:solidFill>
-              </a:uFill>
-              <a:latin typeface="Arial"/>
-            </a:endParaRPr>
-          </a:p>
-        </p:txBody>
-      </p:sp>
-      <p:sp>
-        <p:nvSpPr>
-          <p:cNvPr id="126" name="CustomShape 2"/>
-          <p:cNvSpPr/>
-          <p:nvPr/>
-        </p:nvSpPr>
-        <p:spPr>
-          <a:xfrm>
-            <a:off x="467640" y="1700640"/>
-            <a:ext cx="8182800" cy="4186800"/>
-          </a:xfrm>
-          <a:prstGeom prst="rect">
-            <a:avLst/>
-          </a:prstGeom>
-          <a:noFill/>
-          <a:ln>
-            <a:noFill/>
-          </a:ln>
-        </p:spPr>
-        <p:style>
-          <a:lnRef idx="0"/>
-          <a:fillRef idx="0"/>
-          <a:effectRef idx="0"/>
-          <a:fontRef idx="minor"/>
-        </p:style>
-        <p:txBody>
-          <a:bodyPr lIns="182880" rIns="90000" tIns="91440" bIns="45000"/>
-          <a:p>
-            <a:pPr>
-              <a:lnSpc>
-                <a:spcPct val="100000"/>
-              </a:lnSpc>
-            </a:pPr>
-            <a:endParaRPr b="0" lang="pt-BR" sz="1800" spc="-1" strike="noStrike">
-              <a:solidFill>
-                <a:srgbClr val="000000"/>
-              </a:solidFill>
-              <a:uFill>
-                <a:solidFill>
-                  <a:srgbClr val="ffffff"/>
-                </a:solidFill>
-              </a:uFill>
-              <a:latin typeface="Arial"/>
-            </a:endParaRPr>
-          </a:p>
-          <a:p>
-            <a:pPr marL="265320" indent="-264240">
-              <a:lnSpc>
-                <a:spcPct val="150000"/>
-              </a:lnSpc>
-              <a:buClr>
-                <a:srgbClr val="f07f09"/>
-              </a:buClr>
-              <a:buSzPct val="80000"/>
-              <a:buFont typeface="Wingdings 2" charset="2"/>
-              <a:buChar char=""/>
-            </a:pPr>
-            <a:r>
-              <a:rPr b="0" lang="pt-BR" sz="2800" spc="-1" strike="noStrike">
-                <a:solidFill>
-                  <a:srgbClr val="000000"/>
-                </a:solidFill>
-                <a:uFill>
-                  <a:solidFill>
-                    <a:srgbClr val="ffffff"/>
-                  </a:solidFill>
-                </a:uFill>
-                <a:latin typeface="Verdana"/>
-                <a:ea typeface="DejaVu Sans"/>
-              </a:rPr>
-              <a:t> </a:t>
-            </a:r>
-            <a:endParaRPr b="0" lang="pt-BR" sz="1800" spc="-1" strike="noStrike">
-              <a:solidFill>
-                <a:srgbClr val="000000"/>
-              </a:solidFill>
-              <a:uFill>
-                <a:solidFill>
-                  <a:srgbClr val="ffffff"/>
-                </a:solidFill>
-              </a:uFill>
-              <a:latin typeface="Arial"/>
-            </a:endParaRPr>
-          </a:p>
-          <a:p>
-            <a:pPr>
-              <a:lnSpc>
-                <a:spcPct val="150000"/>
-              </a:lnSpc>
-            </a:pPr>
-            <a:endParaRPr b="0" lang="pt-BR" sz="1800" spc="-1" strike="noStrike">
-              <a:solidFill>
-                <a:srgbClr val="000000"/>
-              </a:solidFill>
-              <a:uFill>
-                <a:solidFill>
-                  <a:srgbClr val="ffffff"/>
-                </a:solidFill>
-              </a:uFill>
-              <a:latin typeface="Arial"/>
-            </a:endParaRPr>
-          </a:p>
-          <a:p>
-            <a:pPr>
-              <a:lnSpc>
-                <a:spcPct val="150000"/>
-              </a:lnSpc>
-            </a:pPr>
-            <a:endParaRPr b="0" lang="pt-BR" sz="1800" spc="-1" strike="noStrike">
-              <a:solidFill>
-                <a:srgbClr val="000000"/>
-              </a:solidFill>
-              <a:uFill>
-                <a:solidFill>
-                  <a:srgbClr val="ffffff"/>
-                </a:solidFill>
-              </a:uFill>
-              <a:latin typeface="Arial"/>
-            </a:endParaRPr>
-          </a:p>
-          <a:p>
-            <a:pPr>
-              <a:lnSpc>
-                <a:spcPct val="100000"/>
-              </a:lnSpc>
-            </a:pPr>
-            <a:endParaRPr b="0" lang="pt-BR" sz="1800" spc="-1" strike="noStrike">
-              <a:solidFill>
-                <a:srgbClr val="000000"/>
-              </a:solidFill>
-              <a:uFill>
-                <a:solidFill>
-                  <a:srgbClr val="ffffff"/>
-                </a:solidFill>
-              </a:uFill>
-              <a:latin typeface="Arial"/>
-            </a:endParaRPr>
-          </a:p>
-        </p:txBody>
-      </p:sp>
-      <p:pic>
-        <p:nvPicPr>
-          <p:cNvPr id="127" name="" descr=""/>
-          <p:cNvPicPr/>
-          <p:nvPr/>
-        </p:nvPicPr>
-        <p:blipFill>
-          <a:blip r:embed="rId1"/>
-          <a:stretch/>
-        </p:blipFill>
-        <p:spPr>
-          <a:xfrm>
-            <a:off x="2456280" y="1522440"/>
-            <a:ext cx="4743720" cy="4957560"/>
-          </a:xfrm>
-          <a:prstGeom prst="rect">
-            <a:avLst/>
-          </a:prstGeom>
-          <a:ln>
-            <a:noFill/>
-          </a:ln>
-        </p:spPr>
-      </p:pic>
-    </p:spTree>
-  </p:cSld>
-  <p:timing>
-    <p:tnLst>
-      <p:par>
-        <p:cTn id="31" dur="indefinite" restart="never" nodeType="tmRoot">
-          <p:childTnLst>
-            <p:seq>
-              <p:cTn id="32" nodeType="mainSeq"/>
-              <p:prevCondLst>
-                <p:cond delay="0" evt="onPrev">
-                  <p:tgtEl>
-                    <p:sldTgt/>
-                  </p:tgtEl>
-                </p:cond>
-              </p:prevCondLst>
-              <p:nextCondLst>
-                <p:cond delay="0" evt="onNext">
-                  <p:tgtEl>
-                    <p:sldTgt/>
-                  </p:tgtEl>
-                </p:cond>
-              </p:nextCondLst>
-            </p:seq>
-          </p:childTnLst>
-        </p:cTn>
-      </p:par>
-    </p:tnLst>
-  </p:timing>
-</p:sld>
-</file>
-
-<file path=ppt/slides/slide17.xml><?xml version="1.0" encoding="utf-8"?>
-<p:sld xmlns:a="http://schemas.openxmlformats.org/drawingml/2006/main" xmlns:p="http://schemas.openxmlformats.org/presentationml/2006/main" xmlns:r="http://schemas.openxmlformats.org/officeDocument/2006/relationships" xmlns:p14="http://schemas.microsoft.com/office/powerpoint/2010/main" xmlns:p15="http://schemas.microsoft.com/office/powerpoint/2012/main" xmlns:mc="http://schemas.openxmlformats.org/markup-compatibility/2006">
-  <p:cSld>
-    <p:spTree>
-      <p:nvGrpSpPr>
-        <p:cNvPr id="1" name=""/>
-        <p:cNvGrpSpPr/>
-        <p:nvPr/>
-      </p:nvGrpSpPr>
-      <p:grpSpPr>
-        <a:xfrm>
-          <a:off x="0" y="0"/>
-          <a:ext cx="0" cy="0"/>
-          <a:chOff x="0" y="0"/>
-          <a:chExt cx="0" cy="0"/>
-        </a:xfrm>
-      </p:grpSpPr>
-      <p:sp>
-        <p:nvSpPr>
-          <p:cNvPr id="128" name="CustomShape 1"/>
-          <p:cNvSpPr/>
-          <p:nvPr/>
-        </p:nvSpPr>
-        <p:spPr>
-          <a:xfrm>
-            <a:off x="467640" y="476640"/>
-            <a:ext cx="8182800" cy="1050480"/>
-          </a:xfrm>
-          <a:prstGeom prst="rect">
-            <a:avLst/>
-          </a:prstGeom>
-          <a:noFill/>
-          <a:ln>
-            <a:noFill/>
-          </a:ln>
-        </p:spPr>
-        <p:style>
-          <a:lnRef idx="0"/>
-          <a:fillRef idx="0"/>
-          <a:effectRef idx="0"/>
-          <a:fontRef idx="minor"/>
-        </p:style>
-        <p:txBody>
-          <a:bodyPr lIns="90000" rIns="90000" tIns="45000" bIns="45000" anchor="b"/>
-          <a:p>
-            <a:pPr>
-              <a:lnSpc>
-                <a:spcPct val="100000"/>
-              </a:lnSpc>
-            </a:pPr>
-            <a:r>
-              <a:rPr b="1" lang="pt-BR" sz="3600" spc="-1" strike="noStrike">
-                <a:solidFill>
-                  <a:srgbClr val="ff9257"/>
-                </a:solidFill>
-                <a:uFill>
-                  <a:solidFill>
-                    <a:srgbClr val="ffffff"/>
-                  </a:solidFill>
-                </a:uFill>
-                <a:latin typeface="Verdana"/>
-                <a:ea typeface="DejaVu Sans"/>
-              </a:rPr>
-              <a:t>Prototipação das Telas</a:t>
-            </a:r>
-            <a:endParaRPr b="0" lang="pt-BR" sz="1800" spc="-1" strike="noStrike">
-              <a:solidFill>
-                <a:srgbClr val="000000"/>
-              </a:solidFill>
-              <a:uFill>
-                <a:solidFill>
-                  <a:srgbClr val="ffffff"/>
-                </a:solidFill>
-              </a:uFill>
-              <a:latin typeface="Arial"/>
-            </a:endParaRPr>
-          </a:p>
-        </p:txBody>
-      </p:sp>
-      <p:sp>
-        <p:nvSpPr>
-          <p:cNvPr id="129" name="CustomShape 2"/>
-          <p:cNvSpPr/>
-          <p:nvPr/>
-        </p:nvSpPr>
-        <p:spPr>
-          <a:xfrm>
-            <a:off x="467640" y="1700640"/>
-            <a:ext cx="8182800" cy="4186800"/>
-          </a:xfrm>
-          <a:prstGeom prst="rect">
-            <a:avLst/>
-          </a:prstGeom>
-          <a:noFill/>
-          <a:ln>
-            <a:noFill/>
-          </a:ln>
-        </p:spPr>
-        <p:style>
-          <a:lnRef idx="0"/>
-          <a:fillRef idx="0"/>
-          <a:effectRef idx="0"/>
-          <a:fontRef idx="minor"/>
-        </p:style>
-        <p:txBody>
-          <a:bodyPr lIns="182880" rIns="90000" tIns="91440" bIns="45000"/>
-          <a:p>
-            <a:pPr>
-              <a:lnSpc>
-                <a:spcPct val="100000"/>
-              </a:lnSpc>
-            </a:pPr>
-            <a:endParaRPr b="0" lang="pt-BR" sz="1800" spc="-1" strike="noStrike">
-              <a:solidFill>
-                <a:srgbClr val="000000"/>
-              </a:solidFill>
-              <a:uFill>
-                <a:solidFill>
-                  <a:srgbClr val="ffffff"/>
-                </a:solidFill>
-              </a:uFill>
-              <a:latin typeface="Arial"/>
-            </a:endParaRPr>
-          </a:p>
-          <a:p>
-            <a:pPr marL="265320" indent="-264240">
-              <a:lnSpc>
-                <a:spcPct val="150000"/>
-              </a:lnSpc>
-              <a:buClr>
-                <a:srgbClr val="f07f09"/>
-              </a:buClr>
-              <a:buSzPct val="80000"/>
-              <a:buFont typeface="Wingdings 2" charset="2"/>
-              <a:buChar char=""/>
-            </a:pPr>
-            <a:r>
-              <a:rPr b="0" lang="pt-BR" sz="2800" spc="-1" strike="noStrike">
-                <a:solidFill>
-                  <a:srgbClr val="000000"/>
-                </a:solidFill>
-                <a:uFill>
-                  <a:solidFill>
-                    <a:srgbClr val="ffffff"/>
-                  </a:solidFill>
-                </a:uFill>
-                <a:latin typeface="Verdana"/>
-                <a:ea typeface="DejaVu Sans"/>
-              </a:rPr>
-              <a:t> </a:t>
-            </a:r>
-            <a:endParaRPr b="0" lang="pt-BR" sz="1800" spc="-1" strike="noStrike">
-              <a:solidFill>
-                <a:srgbClr val="000000"/>
-              </a:solidFill>
-              <a:uFill>
-                <a:solidFill>
-                  <a:srgbClr val="ffffff"/>
-                </a:solidFill>
-              </a:uFill>
-              <a:latin typeface="Arial"/>
-            </a:endParaRPr>
-          </a:p>
-          <a:p>
-            <a:pPr>
-              <a:lnSpc>
-                <a:spcPct val="150000"/>
-              </a:lnSpc>
-            </a:pPr>
-            <a:endParaRPr b="0" lang="pt-BR" sz="1800" spc="-1" strike="noStrike">
-              <a:solidFill>
-                <a:srgbClr val="000000"/>
-              </a:solidFill>
-              <a:uFill>
-                <a:solidFill>
-                  <a:srgbClr val="ffffff"/>
-                </a:solidFill>
-              </a:uFill>
-              <a:latin typeface="Arial"/>
-            </a:endParaRPr>
-          </a:p>
-          <a:p>
-            <a:pPr>
-              <a:lnSpc>
-                <a:spcPct val="150000"/>
-              </a:lnSpc>
-            </a:pPr>
-            <a:endParaRPr b="0" lang="pt-BR" sz="1800" spc="-1" strike="noStrike">
-              <a:solidFill>
-                <a:srgbClr val="000000"/>
-              </a:solidFill>
-              <a:uFill>
-                <a:solidFill>
-                  <a:srgbClr val="ffffff"/>
-                </a:solidFill>
-              </a:uFill>
-              <a:latin typeface="Arial"/>
-            </a:endParaRPr>
-          </a:p>
-          <a:p>
-            <a:pPr>
-              <a:lnSpc>
-                <a:spcPct val="100000"/>
-              </a:lnSpc>
-            </a:pPr>
-            <a:endParaRPr b="0" lang="pt-BR" sz="1800" spc="-1" strike="noStrike">
-              <a:solidFill>
-                <a:srgbClr val="000000"/>
-              </a:solidFill>
-              <a:uFill>
-                <a:solidFill>
-                  <a:srgbClr val="ffffff"/>
-                </a:solidFill>
-              </a:uFill>
-              <a:latin typeface="Arial"/>
-            </a:endParaRPr>
-          </a:p>
-        </p:txBody>
-      </p:sp>
-      <p:pic>
-        <p:nvPicPr>
-          <p:cNvPr id="130" name="" descr=""/>
-          <p:cNvPicPr/>
-          <p:nvPr/>
-        </p:nvPicPr>
-        <p:blipFill>
-          <a:blip r:embed="rId1"/>
-          <a:stretch/>
-        </p:blipFill>
-        <p:spPr>
-          <a:xfrm>
-            <a:off x="2451600" y="1557000"/>
-            <a:ext cx="4676400" cy="4923000"/>
-          </a:xfrm>
-          <a:prstGeom prst="rect">
-            <a:avLst/>
-          </a:prstGeom>
-          <a:ln>
-            <a:noFill/>
-          </a:ln>
-        </p:spPr>
-      </p:pic>
-    </p:spTree>
-  </p:cSld>
-  <p:timing>
-    <p:tnLst>
-      <p:par>
-        <p:cTn id="33" dur="indefinite" restart="never" nodeType="tmRoot">
-          <p:childTnLst>
-            <p:seq>
-              <p:cTn id="34" nodeType="mainSeq"/>
-              <p:prevCondLst>
-                <p:cond delay="0" evt="onPrev">
-                  <p:tgtEl>
-                    <p:sldTgt/>
-                  </p:tgtEl>
-                </p:cond>
-              </p:prevCondLst>
-              <p:nextCondLst>
-                <p:cond delay="0" evt="onNext">
-                  <p:tgtEl>
-                    <p:sldTgt/>
-                  </p:tgtEl>
-                </p:cond>
-              </p:nextCondLst>
-            </p:seq>
-          </p:childTnLst>
-        </p:cTn>
-      </p:par>
-    </p:tnLst>
-  </p:timing>
-</p:sld>
-</file>
-
-<file path=ppt/slides/slide18.xml><?xml version="1.0" encoding="utf-8"?>
-<p:sld xmlns:a="http://schemas.openxmlformats.org/drawingml/2006/main" xmlns:p="http://schemas.openxmlformats.org/presentationml/2006/main" xmlns:r="http://schemas.openxmlformats.org/officeDocument/2006/relationships" xmlns:p14="http://schemas.microsoft.com/office/powerpoint/2010/main" xmlns:p15="http://schemas.microsoft.com/office/powerpoint/2012/main" xmlns:mc="http://schemas.openxmlformats.org/markup-compatibility/2006">
-  <p:cSld>
-    <p:spTree>
-      <p:nvGrpSpPr>
-        <p:cNvPr id="1" name=""/>
-        <p:cNvGrpSpPr/>
-        <p:nvPr/>
-      </p:nvGrpSpPr>
-      <p:grpSpPr>
-        <a:xfrm>
-          <a:off x="0" y="0"/>
-          <a:ext cx="0" cy="0"/>
-          <a:chOff x="0" y="0"/>
-          <a:chExt cx="0" cy="0"/>
-        </a:xfrm>
-      </p:grpSpPr>
-      <p:sp>
-        <p:nvSpPr>
-          <p:cNvPr id="131" name="CustomShape 1"/>
-          <p:cNvSpPr/>
-          <p:nvPr/>
-        </p:nvSpPr>
-        <p:spPr>
-          <a:xfrm>
-            <a:off x="467640" y="476640"/>
-            <a:ext cx="8182800" cy="1050480"/>
-          </a:xfrm>
-          <a:prstGeom prst="rect">
-            <a:avLst/>
-          </a:prstGeom>
-          <a:noFill/>
-          <a:ln>
-            <a:noFill/>
-          </a:ln>
-        </p:spPr>
-        <p:style>
-          <a:lnRef idx="0"/>
-          <a:fillRef idx="0"/>
-          <a:effectRef idx="0"/>
-          <a:fontRef idx="minor"/>
-        </p:style>
-        <p:txBody>
-          <a:bodyPr lIns="90000" rIns="90000" tIns="45000" bIns="45000" anchor="b"/>
-          <a:p>
-            <a:pPr>
-              <a:lnSpc>
-                <a:spcPct val="100000"/>
-              </a:lnSpc>
-            </a:pPr>
-            <a:r>
-              <a:rPr b="1" lang="pt-BR" sz="3600" spc="-1" strike="noStrike">
-                <a:solidFill>
-                  <a:srgbClr val="ff9257"/>
-                </a:solidFill>
-                <a:uFill>
-                  <a:solidFill>
-                    <a:srgbClr val="ffffff"/>
-                  </a:solidFill>
-                </a:uFill>
-                <a:latin typeface="Verdana"/>
-                <a:ea typeface="DejaVu Sans"/>
-              </a:rPr>
-              <a:t>Prototipação das Telas</a:t>
-            </a:r>
-            <a:endParaRPr b="0" lang="pt-BR" sz="1800" spc="-1" strike="noStrike">
-              <a:solidFill>
-                <a:srgbClr val="000000"/>
-              </a:solidFill>
-              <a:uFill>
-                <a:solidFill>
-                  <a:srgbClr val="ffffff"/>
-                </a:solidFill>
-              </a:uFill>
-              <a:latin typeface="Arial"/>
-            </a:endParaRPr>
-          </a:p>
-        </p:txBody>
-      </p:sp>
-      <p:sp>
-        <p:nvSpPr>
-          <p:cNvPr id="132" name="CustomShape 2"/>
-          <p:cNvSpPr/>
-          <p:nvPr/>
-        </p:nvSpPr>
-        <p:spPr>
-          <a:xfrm>
-            <a:off x="467640" y="1700640"/>
-            <a:ext cx="8182800" cy="4186800"/>
-          </a:xfrm>
-          <a:prstGeom prst="rect">
-            <a:avLst/>
-          </a:prstGeom>
-          <a:noFill/>
-          <a:ln>
-            <a:noFill/>
-          </a:ln>
-        </p:spPr>
-        <p:style>
-          <a:lnRef idx="0"/>
-          <a:fillRef idx="0"/>
-          <a:effectRef idx="0"/>
-          <a:fontRef idx="minor"/>
-        </p:style>
-        <p:txBody>
-          <a:bodyPr lIns="182880" rIns="90000" tIns="91440" bIns="45000"/>
-          <a:p>
-            <a:pPr>
-              <a:lnSpc>
-                <a:spcPct val="100000"/>
-              </a:lnSpc>
-            </a:pPr>
-            <a:endParaRPr b="0" lang="pt-BR" sz="1800" spc="-1" strike="noStrike">
-              <a:solidFill>
-                <a:srgbClr val="000000"/>
-              </a:solidFill>
-              <a:uFill>
-                <a:solidFill>
-                  <a:srgbClr val="ffffff"/>
-                </a:solidFill>
-              </a:uFill>
-              <a:latin typeface="Arial"/>
-            </a:endParaRPr>
-          </a:p>
-          <a:p>
-            <a:pPr marL="265320" indent="-264240">
-              <a:lnSpc>
-                <a:spcPct val="150000"/>
-              </a:lnSpc>
-              <a:buClr>
-                <a:srgbClr val="f07f09"/>
-              </a:buClr>
-              <a:buSzPct val="80000"/>
-              <a:buFont typeface="Wingdings 2" charset="2"/>
-              <a:buChar char=""/>
-            </a:pPr>
-            <a:r>
-              <a:rPr b="0" lang="pt-BR" sz="2800" spc="-1" strike="noStrike">
-                <a:solidFill>
-                  <a:srgbClr val="000000"/>
-                </a:solidFill>
-                <a:uFill>
-                  <a:solidFill>
-                    <a:srgbClr val="ffffff"/>
-                  </a:solidFill>
-                </a:uFill>
-                <a:latin typeface="Verdana"/>
-                <a:ea typeface="DejaVu Sans"/>
-              </a:rPr>
-              <a:t> </a:t>
-            </a:r>
-            <a:endParaRPr b="0" lang="pt-BR" sz="1800" spc="-1" strike="noStrike">
-              <a:solidFill>
-                <a:srgbClr val="000000"/>
-              </a:solidFill>
-              <a:uFill>
-                <a:solidFill>
-                  <a:srgbClr val="ffffff"/>
-                </a:solidFill>
-              </a:uFill>
-              <a:latin typeface="Arial"/>
-            </a:endParaRPr>
-          </a:p>
-          <a:p>
-            <a:pPr>
-              <a:lnSpc>
-                <a:spcPct val="150000"/>
-              </a:lnSpc>
-            </a:pPr>
-            <a:endParaRPr b="0" lang="pt-BR" sz="1800" spc="-1" strike="noStrike">
-              <a:solidFill>
-                <a:srgbClr val="000000"/>
-              </a:solidFill>
-              <a:uFill>
-                <a:solidFill>
-                  <a:srgbClr val="ffffff"/>
-                </a:solidFill>
-              </a:uFill>
-              <a:latin typeface="Arial"/>
-            </a:endParaRPr>
-          </a:p>
-          <a:p>
-            <a:pPr>
-              <a:lnSpc>
-                <a:spcPct val="150000"/>
-              </a:lnSpc>
-            </a:pPr>
-            <a:endParaRPr b="0" lang="pt-BR" sz="1800" spc="-1" strike="noStrike">
-              <a:solidFill>
-                <a:srgbClr val="000000"/>
-              </a:solidFill>
-              <a:uFill>
-                <a:solidFill>
-                  <a:srgbClr val="ffffff"/>
-                </a:solidFill>
-              </a:uFill>
-              <a:latin typeface="Arial"/>
-            </a:endParaRPr>
-          </a:p>
-          <a:p>
-            <a:pPr>
-              <a:lnSpc>
-                <a:spcPct val="100000"/>
-              </a:lnSpc>
-            </a:pPr>
-            <a:endParaRPr b="0" lang="pt-BR" sz="1800" spc="-1" strike="noStrike">
-              <a:solidFill>
-                <a:srgbClr val="000000"/>
-              </a:solidFill>
-              <a:uFill>
-                <a:solidFill>
-                  <a:srgbClr val="ffffff"/>
-                </a:solidFill>
-              </a:uFill>
-              <a:latin typeface="Arial"/>
-            </a:endParaRPr>
-          </a:p>
-        </p:txBody>
-      </p:sp>
-      <p:pic>
-        <p:nvPicPr>
-          <p:cNvPr id="133" name="" descr=""/>
-          <p:cNvPicPr/>
-          <p:nvPr/>
-        </p:nvPicPr>
-        <p:blipFill>
-          <a:blip r:embed="rId1"/>
-          <a:stretch/>
-        </p:blipFill>
-        <p:spPr>
-          <a:xfrm>
-            <a:off x="2456280" y="1525680"/>
-            <a:ext cx="4815720" cy="4954320"/>
-          </a:xfrm>
-          <a:prstGeom prst="rect">
-            <a:avLst/>
-          </a:prstGeom>
-          <a:ln>
-            <a:noFill/>
-          </a:ln>
-        </p:spPr>
-      </p:pic>
-    </p:spTree>
-  </p:cSld>
-  <p:timing>
-    <p:tnLst>
-      <p:par>
-        <p:cTn id="35" dur="indefinite" restart="never" nodeType="tmRoot">
-          <p:childTnLst>
-            <p:seq>
-              <p:cTn id="36" nodeType="mainSeq"/>
-              <p:prevCondLst>
-                <p:cond delay="0" evt="onPrev">
-                  <p:tgtEl>
-                    <p:sldTgt/>
-                  </p:tgtEl>
-                </p:cond>
-              </p:prevCondLst>
-              <p:nextCondLst>
-                <p:cond delay="0" evt="onNext">
-                  <p:tgtEl>
-                    <p:sldTgt/>
-                  </p:tgtEl>
-                </p:cond>
-              </p:nextCondLst>
-            </p:seq>
-          </p:childTnLst>
-        </p:cTn>
-      </p:par>
-    </p:tnLst>
-  </p:timing>
-</p:sld>
-</file>
-
-<file path=ppt/slides/slide19.xml><?xml version="1.0" encoding="utf-8"?>
-<p:sld xmlns:a="http://schemas.openxmlformats.org/drawingml/2006/main" xmlns:p="http://schemas.openxmlformats.org/presentationml/2006/main" xmlns:r="http://schemas.openxmlformats.org/officeDocument/2006/relationships" xmlns:p14="http://schemas.microsoft.com/office/powerpoint/2010/main" xmlns:p15="http://schemas.microsoft.com/office/powerpoint/2012/main" xmlns:mc="http://schemas.openxmlformats.org/markup-compatibility/2006">
-  <p:cSld>
-    <p:spTree>
-      <p:nvGrpSpPr>
-        <p:cNvPr id="1" name=""/>
-        <p:cNvGrpSpPr/>
-        <p:nvPr/>
-      </p:nvGrpSpPr>
-      <p:grpSpPr>
-        <a:xfrm>
-          <a:off x="0" y="0"/>
-          <a:ext cx="0" cy="0"/>
-          <a:chOff x="0" y="0"/>
-          <a:chExt cx="0" cy="0"/>
-        </a:xfrm>
-      </p:grpSpPr>
-      <p:sp>
-        <p:nvSpPr>
-          <p:cNvPr id="134" name="CustomShape 1"/>
-          <p:cNvSpPr/>
-          <p:nvPr/>
-        </p:nvSpPr>
-        <p:spPr>
-          <a:xfrm>
-            <a:off x="467640" y="476640"/>
-            <a:ext cx="8182800" cy="1050480"/>
-          </a:xfrm>
-          <a:prstGeom prst="rect">
-            <a:avLst/>
-          </a:prstGeom>
-          <a:noFill/>
-          <a:ln>
-            <a:noFill/>
-          </a:ln>
-        </p:spPr>
-        <p:style>
-          <a:lnRef idx="0"/>
-          <a:fillRef idx="0"/>
-          <a:effectRef idx="0"/>
-          <a:fontRef idx="minor"/>
-        </p:style>
-        <p:txBody>
-          <a:bodyPr lIns="90000" rIns="90000" tIns="45000" bIns="45000" anchor="b"/>
-          <a:p>
-            <a:pPr>
-              <a:lnSpc>
-                <a:spcPct val="100000"/>
-              </a:lnSpc>
-            </a:pPr>
-            <a:r>
-              <a:rPr b="1" lang="pt-BR" sz="3600" spc="-1" strike="noStrike">
-                <a:solidFill>
-                  <a:srgbClr val="ff9257"/>
-                </a:solidFill>
-                <a:uFill>
-                  <a:solidFill>
-                    <a:srgbClr val="ffffff"/>
-                  </a:solidFill>
-                </a:uFill>
-                <a:latin typeface="Verdana"/>
-                <a:ea typeface="DejaVu Sans"/>
-              </a:rPr>
-              <a:t>Prototipação das Telas</a:t>
-            </a:r>
-            <a:endParaRPr b="0" lang="pt-BR" sz="1800" spc="-1" strike="noStrike">
-              <a:solidFill>
-                <a:srgbClr val="000000"/>
-              </a:solidFill>
-              <a:uFill>
-                <a:solidFill>
-                  <a:srgbClr val="ffffff"/>
-                </a:solidFill>
-              </a:uFill>
-              <a:latin typeface="Arial"/>
-            </a:endParaRPr>
-          </a:p>
-        </p:txBody>
-      </p:sp>
-      <p:sp>
-        <p:nvSpPr>
-          <p:cNvPr id="135" name="CustomShape 2"/>
-          <p:cNvSpPr/>
-          <p:nvPr/>
-        </p:nvSpPr>
-        <p:spPr>
-          <a:xfrm>
-            <a:off x="467640" y="1700640"/>
-            <a:ext cx="8182800" cy="4186800"/>
-          </a:xfrm>
-          <a:prstGeom prst="rect">
-            <a:avLst/>
-          </a:prstGeom>
-          <a:noFill/>
-          <a:ln>
-            <a:noFill/>
-          </a:ln>
-        </p:spPr>
-        <p:style>
-          <a:lnRef idx="0"/>
-          <a:fillRef idx="0"/>
-          <a:effectRef idx="0"/>
-          <a:fontRef idx="minor"/>
-        </p:style>
-        <p:txBody>
-          <a:bodyPr lIns="182880" rIns="90000" tIns="91440" bIns="45000"/>
-          <a:p>
-            <a:pPr>
-              <a:lnSpc>
-                <a:spcPct val="100000"/>
-              </a:lnSpc>
-            </a:pPr>
-            <a:endParaRPr b="0" lang="pt-BR" sz="1800" spc="-1" strike="noStrike">
-              <a:solidFill>
-                <a:srgbClr val="000000"/>
-              </a:solidFill>
-              <a:uFill>
-                <a:solidFill>
-                  <a:srgbClr val="ffffff"/>
-                </a:solidFill>
-              </a:uFill>
-              <a:latin typeface="Arial"/>
-            </a:endParaRPr>
-          </a:p>
-          <a:p>
-            <a:pPr marL="265320" indent="-264240">
-              <a:lnSpc>
-                <a:spcPct val="150000"/>
-              </a:lnSpc>
-              <a:buClr>
-                <a:srgbClr val="f07f09"/>
-              </a:buClr>
-              <a:buSzPct val="80000"/>
-              <a:buFont typeface="Wingdings 2" charset="2"/>
-              <a:buChar char=""/>
-            </a:pPr>
-            <a:r>
-              <a:rPr b="0" lang="pt-BR" sz="2800" spc="-1" strike="noStrike">
-                <a:solidFill>
-                  <a:srgbClr val="000000"/>
-                </a:solidFill>
-                <a:uFill>
-                  <a:solidFill>
-                    <a:srgbClr val="ffffff"/>
-                  </a:solidFill>
-                </a:uFill>
-                <a:latin typeface="Verdana"/>
-                <a:ea typeface="DejaVu Sans"/>
-              </a:rPr>
-              <a:t> </a:t>
-            </a:r>
-            <a:endParaRPr b="0" lang="pt-BR" sz="1800" spc="-1" strike="noStrike">
-              <a:solidFill>
-                <a:srgbClr val="000000"/>
-              </a:solidFill>
-              <a:uFill>
-                <a:solidFill>
-                  <a:srgbClr val="ffffff"/>
-                </a:solidFill>
-              </a:uFill>
-              <a:latin typeface="Arial"/>
-            </a:endParaRPr>
-          </a:p>
-          <a:p>
-            <a:pPr>
-              <a:lnSpc>
-                <a:spcPct val="150000"/>
-              </a:lnSpc>
-            </a:pPr>
-            <a:endParaRPr b="0" lang="pt-BR" sz="1800" spc="-1" strike="noStrike">
-              <a:solidFill>
-                <a:srgbClr val="000000"/>
-              </a:solidFill>
-              <a:uFill>
-                <a:solidFill>
-                  <a:srgbClr val="ffffff"/>
-                </a:solidFill>
-              </a:uFill>
-              <a:latin typeface="Arial"/>
-            </a:endParaRPr>
-          </a:p>
-          <a:p>
-            <a:pPr>
-              <a:lnSpc>
-                <a:spcPct val="150000"/>
-              </a:lnSpc>
-            </a:pPr>
-            <a:endParaRPr b="0" lang="pt-BR" sz="1800" spc="-1" strike="noStrike">
-              <a:solidFill>
-                <a:srgbClr val="000000"/>
-              </a:solidFill>
-              <a:uFill>
-                <a:solidFill>
-                  <a:srgbClr val="ffffff"/>
-                </a:solidFill>
-              </a:uFill>
-              <a:latin typeface="Arial"/>
-            </a:endParaRPr>
-          </a:p>
-          <a:p>
-            <a:pPr>
-              <a:lnSpc>
-                <a:spcPct val="100000"/>
-              </a:lnSpc>
-            </a:pPr>
-            <a:endParaRPr b="0" lang="pt-BR" sz="1800" spc="-1" strike="noStrike">
-              <a:solidFill>
-                <a:srgbClr val="000000"/>
-              </a:solidFill>
-              <a:uFill>
-                <a:solidFill>
-                  <a:srgbClr val="ffffff"/>
-                </a:solidFill>
-              </a:uFill>
-              <a:latin typeface="Arial"/>
-            </a:endParaRPr>
-          </a:p>
-        </p:txBody>
-      </p:sp>
-      <p:pic>
-        <p:nvPicPr>
-          <p:cNvPr id="136" name="" descr=""/>
-          <p:cNvPicPr/>
-          <p:nvPr/>
-        </p:nvPicPr>
-        <p:blipFill>
-          <a:blip r:embed="rId1"/>
-          <a:stretch/>
-        </p:blipFill>
-        <p:spPr>
-          <a:xfrm>
-            <a:off x="2451600" y="1593000"/>
-            <a:ext cx="4748400" cy="4887000"/>
-          </a:xfrm>
-          <a:prstGeom prst="rect">
-            <a:avLst/>
-          </a:prstGeom>
-          <a:ln>
-            <a:noFill/>
-          </a:ln>
-        </p:spPr>
-      </p:pic>
-    </p:spTree>
-  </p:cSld>
-  <p:timing>
-    <p:tnLst>
-      <p:par>
-        <p:cTn id="37" dur="indefinite" restart="never" nodeType="tmRoot">
-          <p:childTnLst>
-            <p:seq>
-              <p:cTn id="38" nodeType="mainSeq"/>
               <p:prevCondLst>
                 <p:cond delay="0" evt="onPrev">
                   <p:tgtEl>
@@ -7329,7 +5298,7 @@
         <p:spPr>
           <a:xfrm>
             <a:off x="467640" y="476640"/>
-            <a:ext cx="8182800" cy="1050480"/>
+            <a:ext cx="8181720" cy="1049400"/>
           </a:xfrm>
           <a:prstGeom prst="rect">
             <a:avLst/>
@@ -7391,7 +5360,7 @@
         <p:spPr>
           <a:xfrm>
             <a:off x="467640" y="1736640"/>
-            <a:ext cx="8182800" cy="4186800"/>
+            <a:ext cx="8181720" cy="4185720"/>
           </a:xfrm>
           <a:prstGeom prst="rect">
             <a:avLst/>
@@ -7428,7 +5397,7 @@
             </a:endParaRPr>
           </a:p>
           <a:p>
-            <a:pPr marL="265320" indent="-264240">
+            <a:pPr marL="265320" indent="-263160">
               <a:lnSpc>
                 <a:spcPct val="150000"/>
               </a:lnSpc>
@@ -7467,7 +5436,7 @@
             </a:endParaRPr>
           </a:p>
           <a:p>
-            <a:pPr marL="265320" indent="-264240">
+            <a:pPr marL="265320" indent="-263160">
               <a:lnSpc>
                 <a:spcPct val="150000"/>
               </a:lnSpc>
@@ -7506,7 +5475,7 @@
             </a:endParaRPr>
           </a:p>
           <a:p>
-            <a:pPr marL="265320" indent="-264240">
+            <a:pPr marL="265320" indent="-263160">
               <a:lnSpc>
                 <a:spcPct val="150000"/>
               </a:lnSpc>
@@ -7545,7 +5514,7 @@
             </a:endParaRPr>
           </a:p>
           <a:p>
-            <a:pPr marL="265320" indent="-264240">
+            <a:pPr marL="265320" indent="-263160">
               <a:lnSpc>
                 <a:spcPct val="150000"/>
               </a:lnSpc>
@@ -7616,7 +5585,7 @@
         <p:spPr>
           <a:xfrm>
             <a:off x="3528000" y="506160"/>
-            <a:ext cx="5106240" cy="1330200"/>
+            <a:ext cx="5105160" cy="1329120"/>
           </a:xfrm>
           <a:prstGeom prst="rect">
             <a:avLst/>
@@ -7635,1261 +5604,6 @@
           <p:childTnLst>
             <p:seq>
               <p:cTn id="4" nodeType="mainSeq"/>
-              <p:prevCondLst>
-                <p:cond delay="0" evt="onPrev">
-                  <p:tgtEl>
-                    <p:sldTgt/>
-                  </p:tgtEl>
-                </p:cond>
-              </p:prevCondLst>
-              <p:nextCondLst>
-                <p:cond delay="0" evt="onNext">
-                  <p:tgtEl>
-                    <p:sldTgt/>
-                  </p:tgtEl>
-                </p:cond>
-              </p:nextCondLst>
-            </p:seq>
-          </p:childTnLst>
-        </p:cTn>
-      </p:par>
-    </p:tnLst>
-  </p:timing>
-</p:sld>
-</file>
-
-<file path=ppt/slides/slide20.xml><?xml version="1.0" encoding="utf-8"?>
-<p:sld xmlns:a="http://schemas.openxmlformats.org/drawingml/2006/main" xmlns:p="http://schemas.openxmlformats.org/presentationml/2006/main" xmlns:r="http://schemas.openxmlformats.org/officeDocument/2006/relationships" xmlns:p14="http://schemas.microsoft.com/office/powerpoint/2010/main" xmlns:p15="http://schemas.microsoft.com/office/powerpoint/2012/main" xmlns:mc="http://schemas.openxmlformats.org/markup-compatibility/2006">
-  <p:cSld>
-    <p:spTree>
-      <p:nvGrpSpPr>
-        <p:cNvPr id="1" name=""/>
-        <p:cNvGrpSpPr/>
-        <p:nvPr/>
-      </p:nvGrpSpPr>
-      <p:grpSpPr>
-        <a:xfrm>
-          <a:off x="0" y="0"/>
-          <a:ext cx="0" cy="0"/>
-          <a:chOff x="0" y="0"/>
-          <a:chExt cx="0" cy="0"/>
-        </a:xfrm>
-      </p:grpSpPr>
-      <p:sp>
-        <p:nvSpPr>
-          <p:cNvPr id="137" name="CustomShape 1"/>
-          <p:cNvSpPr/>
-          <p:nvPr/>
-        </p:nvSpPr>
-        <p:spPr>
-          <a:xfrm>
-            <a:off x="467640" y="476640"/>
-            <a:ext cx="8182800" cy="1050480"/>
-          </a:xfrm>
-          <a:prstGeom prst="rect">
-            <a:avLst/>
-          </a:prstGeom>
-          <a:noFill/>
-          <a:ln>
-            <a:noFill/>
-          </a:ln>
-        </p:spPr>
-        <p:style>
-          <a:lnRef idx="0"/>
-          <a:fillRef idx="0"/>
-          <a:effectRef idx="0"/>
-          <a:fontRef idx="minor"/>
-        </p:style>
-        <p:txBody>
-          <a:bodyPr lIns="90000" rIns="90000" tIns="45000" bIns="45000" anchor="b"/>
-          <a:p>
-            <a:pPr>
-              <a:lnSpc>
-                <a:spcPct val="100000"/>
-              </a:lnSpc>
-            </a:pPr>
-            <a:r>
-              <a:rPr b="1" lang="pt-BR" sz="3600" spc="-1" strike="noStrike">
-                <a:solidFill>
-                  <a:srgbClr val="ff9257"/>
-                </a:solidFill>
-                <a:uFill>
-                  <a:solidFill>
-                    <a:srgbClr val="ffffff"/>
-                  </a:solidFill>
-                </a:uFill>
-                <a:latin typeface="Verdana"/>
-                <a:ea typeface="DejaVu Sans"/>
-              </a:rPr>
-              <a:t>Prototipação das Telas</a:t>
-            </a:r>
-            <a:endParaRPr b="0" lang="pt-BR" sz="1800" spc="-1" strike="noStrike">
-              <a:solidFill>
-                <a:srgbClr val="000000"/>
-              </a:solidFill>
-              <a:uFill>
-                <a:solidFill>
-                  <a:srgbClr val="ffffff"/>
-                </a:solidFill>
-              </a:uFill>
-              <a:latin typeface="Arial"/>
-            </a:endParaRPr>
-          </a:p>
-        </p:txBody>
-      </p:sp>
-      <p:sp>
-        <p:nvSpPr>
-          <p:cNvPr id="138" name="CustomShape 2"/>
-          <p:cNvSpPr/>
-          <p:nvPr/>
-        </p:nvSpPr>
-        <p:spPr>
-          <a:xfrm>
-            <a:off x="467640" y="1700640"/>
-            <a:ext cx="8182800" cy="4186800"/>
-          </a:xfrm>
-          <a:prstGeom prst="rect">
-            <a:avLst/>
-          </a:prstGeom>
-          <a:noFill/>
-          <a:ln>
-            <a:noFill/>
-          </a:ln>
-        </p:spPr>
-        <p:style>
-          <a:lnRef idx="0"/>
-          <a:fillRef idx="0"/>
-          <a:effectRef idx="0"/>
-          <a:fontRef idx="minor"/>
-        </p:style>
-        <p:txBody>
-          <a:bodyPr lIns="182880" rIns="90000" tIns="91440" bIns="45000"/>
-          <a:p>
-            <a:pPr>
-              <a:lnSpc>
-                <a:spcPct val="100000"/>
-              </a:lnSpc>
-            </a:pPr>
-            <a:endParaRPr b="0" lang="pt-BR" sz="1800" spc="-1" strike="noStrike">
-              <a:solidFill>
-                <a:srgbClr val="000000"/>
-              </a:solidFill>
-              <a:uFill>
-                <a:solidFill>
-                  <a:srgbClr val="ffffff"/>
-                </a:solidFill>
-              </a:uFill>
-              <a:latin typeface="Arial"/>
-            </a:endParaRPr>
-          </a:p>
-          <a:p>
-            <a:pPr marL="265320" indent="-264240">
-              <a:lnSpc>
-                <a:spcPct val="150000"/>
-              </a:lnSpc>
-              <a:buClr>
-                <a:srgbClr val="f07f09"/>
-              </a:buClr>
-              <a:buSzPct val="80000"/>
-              <a:buFont typeface="Wingdings 2" charset="2"/>
-              <a:buChar char=""/>
-            </a:pPr>
-            <a:r>
-              <a:rPr b="0" lang="pt-BR" sz="2800" spc="-1" strike="noStrike">
-                <a:solidFill>
-                  <a:srgbClr val="000000"/>
-                </a:solidFill>
-                <a:uFill>
-                  <a:solidFill>
-                    <a:srgbClr val="ffffff"/>
-                  </a:solidFill>
-                </a:uFill>
-                <a:latin typeface="Verdana"/>
-                <a:ea typeface="DejaVu Sans"/>
-              </a:rPr>
-              <a:t> </a:t>
-            </a:r>
-            <a:endParaRPr b="0" lang="pt-BR" sz="1800" spc="-1" strike="noStrike">
-              <a:solidFill>
-                <a:srgbClr val="000000"/>
-              </a:solidFill>
-              <a:uFill>
-                <a:solidFill>
-                  <a:srgbClr val="ffffff"/>
-                </a:solidFill>
-              </a:uFill>
-              <a:latin typeface="Arial"/>
-            </a:endParaRPr>
-          </a:p>
-          <a:p>
-            <a:pPr>
-              <a:lnSpc>
-                <a:spcPct val="150000"/>
-              </a:lnSpc>
-            </a:pPr>
-            <a:endParaRPr b="0" lang="pt-BR" sz="1800" spc="-1" strike="noStrike">
-              <a:solidFill>
-                <a:srgbClr val="000000"/>
-              </a:solidFill>
-              <a:uFill>
-                <a:solidFill>
-                  <a:srgbClr val="ffffff"/>
-                </a:solidFill>
-              </a:uFill>
-              <a:latin typeface="Arial"/>
-            </a:endParaRPr>
-          </a:p>
-          <a:p>
-            <a:pPr>
-              <a:lnSpc>
-                <a:spcPct val="150000"/>
-              </a:lnSpc>
-            </a:pPr>
-            <a:endParaRPr b="0" lang="pt-BR" sz="1800" spc="-1" strike="noStrike">
-              <a:solidFill>
-                <a:srgbClr val="000000"/>
-              </a:solidFill>
-              <a:uFill>
-                <a:solidFill>
-                  <a:srgbClr val="ffffff"/>
-                </a:solidFill>
-              </a:uFill>
-              <a:latin typeface="Arial"/>
-            </a:endParaRPr>
-          </a:p>
-          <a:p>
-            <a:pPr>
-              <a:lnSpc>
-                <a:spcPct val="100000"/>
-              </a:lnSpc>
-            </a:pPr>
-            <a:endParaRPr b="0" lang="pt-BR" sz="1800" spc="-1" strike="noStrike">
-              <a:solidFill>
-                <a:srgbClr val="000000"/>
-              </a:solidFill>
-              <a:uFill>
-                <a:solidFill>
-                  <a:srgbClr val="ffffff"/>
-                </a:solidFill>
-              </a:uFill>
-              <a:latin typeface="Arial"/>
-            </a:endParaRPr>
-          </a:p>
-        </p:txBody>
-      </p:sp>
-      <p:pic>
-        <p:nvPicPr>
-          <p:cNvPr id="139" name="" descr=""/>
-          <p:cNvPicPr/>
-          <p:nvPr/>
-        </p:nvPicPr>
-        <p:blipFill>
-          <a:blip r:embed="rId1"/>
-          <a:stretch/>
-        </p:blipFill>
-        <p:spPr>
-          <a:xfrm>
-            <a:off x="2456280" y="1557000"/>
-            <a:ext cx="5031720" cy="4923000"/>
-          </a:xfrm>
-          <a:prstGeom prst="rect">
-            <a:avLst/>
-          </a:prstGeom>
-          <a:ln>
-            <a:noFill/>
-          </a:ln>
-        </p:spPr>
-      </p:pic>
-    </p:spTree>
-  </p:cSld>
-  <p:timing>
-    <p:tnLst>
-      <p:par>
-        <p:cTn id="39" dur="indefinite" restart="never" nodeType="tmRoot">
-          <p:childTnLst>
-            <p:seq>
-              <p:cTn id="40" nodeType="mainSeq"/>
-              <p:prevCondLst>
-                <p:cond delay="0" evt="onPrev">
-                  <p:tgtEl>
-                    <p:sldTgt/>
-                  </p:tgtEl>
-                </p:cond>
-              </p:prevCondLst>
-              <p:nextCondLst>
-                <p:cond delay="0" evt="onNext">
-                  <p:tgtEl>
-                    <p:sldTgt/>
-                  </p:tgtEl>
-                </p:cond>
-              </p:nextCondLst>
-            </p:seq>
-          </p:childTnLst>
-        </p:cTn>
-      </p:par>
-    </p:tnLst>
-  </p:timing>
-</p:sld>
-</file>
-
-<file path=ppt/slides/slide21.xml><?xml version="1.0" encoding="utf-8"?>
-<p:sld xmlns:a="http://schemas.openxmlformats.org/drawingml/2006/main" xmlns:p="http://schemas.openxmlformats.org/presentationml/2006/main" xmlns:r="http://schemas.openxmlformats.org/officeDocument/2006/relationships" xmlns:p14="http://schemas.microsoft.com/office/powerpoint/2010/main" xmlns:p15="http://schemas.microsoft.com/office/powerpoint/2012/main" xmlns:mc="http://schemas.openxmlformats.org/markup-compatibility/2006">
-  <p:cSld>
-    <p:spTree>
-      <p:nvGrpSpPr>
-        <p:cNvPr id="1" name=""/>
-        <p:cNvGrpSpPr/>
-        <p:nvPr/>
-      </p:nvGrpSpPr>
-      <p:grpSpPr>
-        <a:xfrm>
-          <a:off x="0" y="0"/>
-          <a:ext cx="0" cy="0"/>
-          <a:chOff x="0" y="0"/>
-          <a:chExt cx="0" cy="0"/>
-        </a:xfrm>
-      </p:grpSpPr>
-      <p:sp>
-        <p:nvSpPr>
-          <p:cNvPr id="140" name="CustomShape 1"/>
-          <p:cNvSpPr/>
-          <p:nvPr/>
-        </p:nvSpPr>
-        <p:spPr>
-          <a:xfrm>
-            <a:off x="467640" y="476640"/>
-            <a:ext cx="8182800" cy="1050480"/>
-          </a:xfrm>
-          <a:prstGeom prst="rect">
-            <a:avLst/>
-          </a:prstGeom>
-          <a:noFill/>
-          <a:ln>
-            <a:noFill/>
-          </a:ln>
-        </p:spPr>
-        <p:style>
-          <a:lnRef idx="0"/>
-          <a:fillRef idx="0"/>
-          <a:effectRef idx="0"/>
-          <a:fontRef idx="minor"/>
-        </p:style>
-        <p:txBody>
-          <a:bodyPr lIns="90000" rIns="90000" tIns="45000" bIns="45000" anchor="b"/>
-          <a:p>
-            <a:pPr>
-              <a:lnSpc>
-                <a:spcPct val="100000"/>
-              </a:lnSpc>
-            </a:pPr>
-            <a:r>
-              <a:rPr b="1" lang="pt-BR" sz="3600" spc="-1" strike="noStrike">
-                <a:solidFill>
-                  <a:srgbClr val="ff9257"/>
-                </a:solidFill>
-                <a:uFill>
-                  <a:solidFill>
-                    <a:srgbClr val="ffffff"/>
-                  </a:solidFill>
-                </a:uFill>
-                <a:latin typeface="Verdana"/>
-                <a:ea typeface="DejaVu Sans"/>
-              </a:rPr>
-              <a:t>Prototipação das Telas</a:t>
-            </a:r>
-            <a:endParaRPr b="0" lang="pt-BR" sz="1800" spc="-1" strike="noStrike">
-              <a:solidFill>
-                <a:srgbClr val="000000"/>
-              </a:solidFill>
-              <a:uFill>
-                <a:solidFill>
-                  <a:srgbClr val="ffffff"/>
-                </a:solidFill>
-              </a:uFill>
-              <a:latin typeface="Arial"/>
-            </a:endParaRPr>
-          </a:p>
-        </p:txBody>
-      </p:sp>
-      <p:sp>
-        <p:nvSpPr>
-          <p:cNvPr id="141" name="CustomShape 2"/>
-          <p:cNvSpPr/>
-          <p:nvPr/>
-        </p:nvSpPr>
-        <p:spPr>
-          <a:xfrm>
-            <a:off x="467640" y="1700640"/>
-            <a:ext cx="8182800" cy="4186800"/>
-          </a:xfrm>
-          <a:prstGeom prst="rect">
-            <a:avLst/>
-          </a:prstGeom>
-          <a:noFill/>
-          <a:ln>
-            <a:noFill/>
-          </a:ln>
-        </p:spPr>
-        <p:style>
-          <a:lnRef idx="0"/>
-          <a:fillRef idx="0"/>
-          <a:effectRef idx="0"/>
-          <a:fontRef idx="minor"/>
-        </p:style>
-        <p:txBody>
-          <a:bodyPr lIns="182880" rIns="90000" tIns="91440" bIns="45000"/>
-          <a:p>
-            <a:pPr>
-              <a:lnSpc>
-                <a:spcPct val="100000"/>
-              </a:lnSpc>
-            </a:pPr>
-            <a:endParaRPr b="0" lang="pt-BR" sz="1800" spc="-1" strike="noStrike">
-              <a:solidFill>
-                <a:srgbClr val="000000"/>
-              </a:solidFill>
-              <a:uFill>
-                <a:solidFill>
-                  <a:srgbClr val="ffffff"/>
-                </a:solidFill>
-              </a:uFill>
-              <a:latin typeface="Arial"/>
-            </a:endParaRPr>
-          </a:p>
-          <a:p>
-            <a:pPr marL="265320" indent="-264240">
-              <a:lnSpc>
-                <a:spcPct val="150000"/>
-              </a:lnSpc>
-              <a:buClr>
-                <a:srgbClr val="f07f09"/>
-              </a:buClr>
-              <a:buSzPct val="80000"/>
-              <a:buFont typeface="Wingdings 2" charset="2"/>
-              <a:buChar char=""/>
-            </a:pPr>
-            <a:r>
-              <a:rPr b="0" lang="pt-BR" sz="2800" spc="-1" strike="noStrike">
-                <a:solidFill>
-                  <a:srgbClr val="000000"/>
-                </a:solidFill>
-                <a:uFill>
-                  <a:solidFill>
-                    <a:srgbClr val="ffffff"/>
-                  </a:solidFill>
-                </a:uFill>
-                <a:latin typeface="Verdana"/>
-                <a:ea typeface="DejaVu Sans"/>
-              </a:rPr>
-              <a:t> </a:t>
-            </a:r>
-            <a:endParaRPr b="0" lang="pt-BR" sz="1800" spc="-1" strike="noStrike">
-              <a:solidFill>
-                <a:srgbClr val="000000"/>
-              </a:solidFill>
-              <a:uFill>
-                <a:solidFill>
-                  <a:srgbClr val="ffffff"/>
-                </a:solidFill>
-              </a:uFill>
-              <a:latin typeface="Arial"/>
-            </a:endParaRPr>
-          </a:p>
-          <a:p>
-            <a:pPr>
-              <a:lnSpc>
-                <a:spcPct val="150000"/>
-              </a:lnSpc>
-            </a:pPr>
-            <a:endParaRPr b="0" lang="pt-BR" sz="1800" spc="-1" strike="noStrike">
-              <a:solidFill>
-                <a:srgbClr val="000000"/>
-              </a:solidFill>
-              <a:uFill>
-                <a:solidFill>
-                  <a:srgbClr val="ffffff"/>
-                </a:solidFill>
-              </a:uFill>
-              <a:latin typeface="Arial"/>
-            </a:endParaRPr>
-          </a:p>
-          <a:p>
-            <a:pPr>
-              <a:lnSpc>
-                <a:spcPct val="150000"/>
-              </a:lnSpc>
-            </a:pPr>
-            <a:endParaRPr b="0" lang="pt-BR" sz="1800" spc="-1" strike="noStrike">
-              <a:solidFill>
-                <a:srgbClr val="000000"/>
-              </a:solidFill>
-              <a:uFill>
-                <a:solidFill>
-                  <a:srgbClr val="ffffff"/>
-                </a:solidFill>
-              </a:uFill>
-              <a:latin typeface="Arial"/>
-            </a:endParaRPr>
-          </a:p>
-          <a:p>
-            <a:pPr>
-              <a:lnSpc>
-                <a:spcPct val="100000"/>
-              </a:lnSpc>
-            </a:pPr>
-            <a:endParaRPr b="0" lang="pt-BR" sz="1800" spc="-1" strike="noStrike">
-              <a:solidFill>
-                <a:srgbClr val="000000"/>
-              </a:solidFill>
-              <a:uFill>
-                <a:solidFill>
-                  <a:srgbClr val="ffffff"/>
-                </a:solidFill>
-              </a:uFill>
-              <a:latin typeface="Arial"/>
-            </a:endParaRPr>
-          </a:p>
-        </p:txBody>
-      </p:sp>
-      <p:pic>
-        <p:nvPicPr>
-          <p:cNvPr id="142" name="" descr=""/>
-          <p:cNvPicPr/>
-          <p:nvPr/>
-        </p:nvPicPr>
-        <p:blipFill>
-          <a:blip r:embed="rId1"/>
-          <a:stretch/>
-        </p:blipFill>
-        <p:spPr>
-          <a:xfrm>
-            <a:off x="2456280" y="1557000"/>
-            <a:ext cx="4959720" cy="4923000"/>
-          </a:xfrm>
-          <a:prstGeom prst="rect">
-            <a:avLst/>
-          </a:prstGeom>
-          <a:ln>
-            <a:noFill/>
-          </a:ln>
-        </p:spPr>
-      </p:pic>
-    </p:spTree>
-  </p:cSld>
-  <p:timing>
-    <p:tnLst>
-      <p:par>
-        <p:cTn id="41" dur="indefinite" restart="never" nodeType="tmRoot">
-          <p:childTnLst>
-            <p:seq>
-              <p:cTn id="42" nodeType="mainSeq"/>
-              <p:prevCondLst>
-                <p:cond delay="0" evt="onPrev">
-                  <p:tgtEl>
-                    <p:sldTgt/>
-                  </p:tgtEl>
-                </p:cond>
-              </p:prevCondLst>
-              <p:nextCondLst>
-                <p:cond delay="0" evt="onNext">
-                  <p:tgtEl>
-                    <p:sldTgt/>
-                  </p:tgtEl>
-                </p:cond>
-              </p:nextCondLst>
-            </p:seq>
-          </p:childTnLst>
-        </p:cTn>
-      </p:par>
-    </p:tnLst>
-  </p:timing>
-</p:sld>
-</file>
-
-<file path=ppt/slides/slide22.xml><?xml version="1.0" encoding="utf-8"?>
-<p:sld xmlns:a="http://schemas.openxmlformats.org/drawingml/2006/main" xmlns:p="http://schemas.openxmlformats.org/presentationml/2006/main" xmlns:r="http://schemas.openxmlformats.org/officeDocument/2006/relationships" xmlns:p14="http://schemas.microsoft.com/office/powerpoint/2010/main" xmlns:p15="http://schemas.microsoft.com/office/powerpoint/2012/main" xmlns:mc="http://schemas.openxmlformats.org/markup-compatibility/2006">
-  <p:cSld>
-    <p:spTree>
-      <p:nvGrpSpPr>
-        <p:cNvPr id="1" name=""/>
-        <p:cNvGrpSpPr/>
-        <p:nvPr/>
-      </p:nvGrpSpPr>
-      <p:grpSpPr>
-        <a:xfrm>
-          <a:off x="0" y="0"/>
-          <a:ext cx="0" cy="0"/>
-          <a:chOff x="0" y="0"/>
-          <a:chExt cx="0" cy="0"/>
-        </a:xfrm>
-      </p:grpSpPr>
-      <p:sp>
-        <p:nvSpPr>
-          <p:cNvPr id="143" name="CustomShape 1"/>
-          <p:cNvSpPr/>
-          <p:nvPr/>
-        </p:nvSpPr>
-        <p:spPr>
-          <a:xfrm>
-            <a:off x="467640" y="476640"/>
-            <a:ext cx="8182800" cy="1050480"/>
-          </a:xfrm>
-          <a:prstGeom prst="rect">
-            <a:avLst/>
-          </a:prstGeom>
-          <a:noFill/>
-          <a:ln>
-            <a:noFill/>
-          </a:ln>
-        </p:spPr>
-        <p:style>
-          <a:lnRef idx="0"/>
-          <a:fillRef idx="0"/>
-          <a:effectRef idx="0"/>
-          <a:fontRef idx="minor"/>
-        </p:style>
-        <p:txBody>
-          <a:bodyPr lIns="90000" rIns="90000" tIns="45000" bIns="45000" anchor="b"/>
-          <a:p>
-            <a:pPr>
-              <a:lnSpc>
-                <a:spcPct val="100000"/>
-              </a:lnSpc>
-            </a:pPr>
-            <a:r>
-              <a:rPr b="1" lang="pt-BR" sz="3600" spc="-1" strike="noStrike">
-                <a:solidFill>
-                  <a:srgbClr val="ff9257"/>
-                </a:solidFill>
-                <a:uFill>
-                  <a:solidFill>
-                    <a:srgbClr val="ffffff"/>
-                  </a:solidFill>
-                </a:uFill>
-                <a:latin typeface="Verdana"/>
-                <a:ea typeface="DejaVu Sans"/>
-              </a:rPr>
-              <a:t>Diagrama de Entidade e Relacionamento</a:t>
-            </a:r>
-            <a:endParaRPr b="0" lang="pt-BR" sz="1800" spc="-1" strike="noStrike">
-              <a:solidFill>
-                <a:srgbClr val="000000"/>
-              </a:solidFill>
-              <a:uFill>
-                <a:solidFill>
-                  <a:srgbClr val="ffffff"/>
-                </a:solidFill>
-              </a:uFill>
-              <a:latin typeface="Arial"/>
-            </a:endParaRPr>
-          </a:p>
-        </p:txBody>
-      </p:sp>
-      <p:sp>
-        <p:nvSpPr>
-          <p:cNvPr id="144" name="CustomShape 2"/>
-          <p:cNvSpPr/>
-          <p:nvPr/>
-        </p:nvSpPr>
-        <p:spPr>
-          <a:xfrm>
-            <a:off x="467640" y="1700640"/>
-            <a:ext cx="8182800" cy="4186800"/>
-          </a:xfrm>
-          <a:prstGeom prst="rect">
-            <a:avLst/>
-          </a:prstGeom>
-          <a:noFill/>
-          <a:ln>
-            <a:noFill/>
-          </a:ln>
-        </p:spPr>
-        <p:style>
-          <a:lnRef idx="0"/>
-          <a:fillRef idx="0"/>
-          <a:effectRef idx="0"/>
-          <a:fontRef idx="minor"/>
-        </p:style>
-        <p:txBody>
-          <a:bodyPr lIns="182880" rIns="90000" tIns="91440" bIns="45000"/>
-          <a:p>
-            <a:pPr>
-              <a:lnSpc>
-                <a:spcPct val="100000"/>
-              </a:lnSpc>
-            </a:pPr>
-            <a:endParaRPr b="0" lang="pt-BR" sz="1800" spc="-1" strike="noStrike">
-              <a:solidFill>
-                <a:srgbClr val="000000"/>
-              </a:solidFill>
-              <a:uFill>
-                <a:solidFill>
-                  <a:srgbClr val="ffffff"/>
-                </a:solidFill>
-              </a:uFill>
-              <a:latin typeface="Arial"/>
-            </a:endParaRPr>
-          </a:p>
-          <a:p>
-            <a:pPr marL="265320" indent="-264240">
-              <a:lnSpc>
-                <a:spcPct val="150000"/>
-              </a:lnSpc>
-              <a:buClr>
-                <a:srgbClr val="f07f09"/>
-              </a:buClr>
-              <a:buSzPct val="80000"/>
-              <a:buFont typeface="Wingdings 2" charset="2"/>
-              <a:buChar char=""/>
-            </a:pPr>
-            <a:r>
-              <a:rPr b="0" lang="pt-BR" sz="2800" spc="-1" strike="noStrike">
-                <a:solidFill>
-                  <a:srgbClr val="000000"/>
-                </a:solidFill>
-                <a:uFill>
-                  <a:solidFill>
-                    <a:srgbClr val="ffffff"/>
-                  </a:solidFill>
-                </a:uFill>
-                <a:latin typeface="Verdana"/>
-                <a:ea typeface="DejaVu Sans"/>
-              </a:rPr>
-              <a:t> </a:t>
-            </a:r>
-            <a:endParaRPr b="0" lang="pt-BR" sz="1800" spc="-1" strike="noStrike">
-              <a:solidFill>
-                <a:srgbClr val="000000"/>
-              </a:solidFill>
-              <a:uFill>
-                <a:solidFill>
-                  <a:srgbClr val="ffffff"/>
-                </a:solidFill>
-              </a:uFill>
-              <a:latin typeface="Arial"/>
-            </a:endParaRPr>
-          </a:p>
-          <a:p>
-            <a:pPr>
-              <a:lnSpc>
-                <a:spcPct val="150000"/>
-              </a:lnSpc>
-            </a:pPr>
-            <a:endParaRPr b="0" lang="pt-BR" sz="1800" spc="-1" strike="noStrike">
-              <a:solidFill>
-                <a:srgbClr val="000000"/>
-              </a:solidFill>
-              <a:uFill>
-                <a:solidFill>
-                  <a:srgbClr val="ffffff"/>
-                </a:solidFill>
-              </a:uFill>
-              <a:latin typeface="Arial"/>
-            </a:endParaRPr>
-          </a:p>
-          <a:p>
-            <a:pPr>
-              <a:lnSpc>
-                <a:spcPct val="150000"/>
-              </a:lnSpc>
-            </a:pPr>
-            <a:endParaRPr b="0" lang="pt-BR" sz="1800" spc="-1" strike="noStrike">
-              <a:solidFill>
-                <a:srgbClr val="000000"/>
-              </a:solidFill>
-              <a:uFill>
-                <a:solidFill>
-                  <a:srgbClr val="ffffff"/>
-                </a:solidFill>
-              </a:uFill>
-              <a:latin typeface="Arial"/>
-            </a:endParaRPr>
-          </a:p>
-          <a:p>
-            <a:pPr>
-              <a:lnSpc>
-                <a:spcPct val="100000"/>
-              </a:lnSpc>
-            </a:pPr>
-            <a:endParaRPr b="0" lang="pt-BR" sz="1800" spc="-1" strike="noStrike">
-              <a:solidFill>
-                <a:srgbClr val="000000"/>
-              </a:solidFill>
-              <a:uFill>
-                <a:solidFill>
-                  <a:srgbClr val="ffffff"/>
-                </a:solidFill>
-              </a:uFill>
-              <a:latin typeface="Arial"/>
-            </a:endParaRPr>
-          </a:p>
-        </p:txBody>
-      </p:sp>
-      <p:pic>
-        <p:nvPicPr>
-          <p:cNvPr id="145" name="" descr=""/>
-          <p:cNvPicPr/>
-          <p:nvPr/>
-        </p:nvPicPr>
-        <p:blipFill>
-          <a:blip r:embed="rId1"/>
-          <a:stretch/>
-        </p:blipFill>
-        <p:spPr>
-          <a:xfrm>
-            <a:off x="503640" y="2409840"/>
-            <a:ext cx="8182800" cy="3276720"/>
-          </a:xfrm>
-          <a:prstGeom prst="rect">
-            <a:avLst/>
-          </a:prstGeom>
-          <a:ln>
-            <a:noFill/>
-          </a:ln>
-        </p:spPr>
-      </p:pic>
-    </p:spTree>
-  </p:cSld>
-  <p:timing>
-    <p:tnLst>
-      <p:par>
-        <p:cTn id="43" dur="indefinite" restart="never" nodeType="tmRoot">
-          <p:childTnLst>
-            <p:seq>
-              <p:cTn id="44" nodeType="mainSeq"/>
-              <p:prevCondLst>
-                <p:cond delay="0" evt="onPrev">
-                  <p:tgtEl>
-                    <p:sldTgt/>
-                  </p:tgtEl>
-                </p:cond>
-              </p:prevCondLst>
-              <p:nextCondLst>
-                <p:cond delay="0" evt="onNext">
-                  <p:tgtEl>
-                    <p:sldTgt/>
-                  </p:tgtEl>
-                </p:cond>
-              </p:nextCondLst>
-            </p:seq>
-          </p:childTnLst>
-        </p:cTn>
-      </p:par>
-    </p:tnLst>
-  </p:timing>
-</p:sld>
-</file>
-
-<file path=ppt/slides/slide23.xml><?xml version="1.0" encoding="utf-8"?>
-<p:sld xmlns:a="http://schemas.openxmlformats.org/drawingml/2006/main" xmlns:p="http://schemas.openxmlformats.org/presentationml/2006/main" xmlns:r="http://schemas.openxmlformats.org/officeDocument/2006/relationships" xmlns:p14="http://schemas.microsoft.com/office/powerpoint/2010/main" xmlns:p15="http://schemas.microsoft.com/office/powerpoint/2012/main" xmlns:mc="http://schemas.openxmlformats.org/markup-compatibility/2006">
-  <p:cSld>
-    <p:spTree>
-      <p:nvGrpSpPr>
-        <p:cNvPr id="1" name=""/>
-        <p:cNvGrpSpPr/>
-        <p:nvPr/>
-      </p:nvGrpSpPr>
-      <p:grpSpPr>
-        <a:xfrm>
-          <a:off x="0" y="0"/>
-          <a:ext cx="0" cy="0"/>
-          <a:chOff x="0" y="0"/>
-          <a:chExt cx="0" cy="0"/>
-        </a:xfrm>
-      </p:grpSpPr>
-      <p:sp>
-        <p:nvSpPr>
-          <p:cNvPr id="146" name="CustomShape 1"/>
-          <p:cNvSpPr/>
-          <p:nvPr/>
-        </p:nvSpPr>
-        <p:spPr>
-          <a:xfrm>
-            <a:off x="467640" y="476640"/>
-            <a:ext cx="8182800" cy="1050480"/>
-          </a:xfrm>
-          <a:prstGeom prst="rect">
-            <a:avLst/>
-          </a:prstGeom>
-          <a:noFill/>
-          <a:ln>
-            <a:noFill/>
-          </a:ln>
-        </p:spPr>
-        <p:style>
-          <a:lnRef idx="0"/>
-          <a:fillRef idx="0"/>
-          <a:effectRef idx="0"/>
-          <a:fontRef idx="minor"/>
-        </p:style>
-        <p:txBody>
-          <a:bodyPr lIns="90000" rIns="90000" tIns="45000" bIns="45000" anchor="b"/>
-          <a:p>
-            <a:pPr>
-              <a:lnSpc>
-                <a:spcPct val="100000"/>
-              </a:lnSpc>
-            </a:pPr>
-            <a:r>
-              <a:rPr b="1" lang="pt-BR" sz="3600" spc="-1" strike="noStrike">
-                <a:solidFill>
-                  <a:srgbClr val="ff9257"/>
-                </a:solidFill>
-                <a:uFill>
-                  <a:solidFill>
-                    <a:srgbClr val="ffffff"/>
-                  </a:solidFill>
-                </a:uFill>
-                <a:latin typeface="Verdana"/>
-                <a:ea typeface="DejaVu Sans"/>
-              </a:rPr>
-              <a:t>Sobre</a:t>
-            </a:r>
-            <a:endParaRPr b="0" lang="pt-BR" sz="1800" spc="-1" strike="noStrike">
-              <a:solidFill>
-                <a:srgbClr val="000000"/>
-              </a:solidFill>
-              <a:uFill>
-                <a:solidFill>
-                  <a:srgbClr val="ffffff"/>
-                </a:solidFill>
-              </a:uFill>
-              <a:latin typeface="Arial"/>
-            </a:endParaRPr>
-          </a:p>
-        </p:txBody>
-      </p:sp>
-      <p:sp>
-        <p:nvSpPr>
-          <p:cNvPr id="147" name="CustomShape 2"/>
-          <p:cNvSpPr/>
-          <p:nvPr/>
-        </p:nvSpPr>
-        <p:spPr>
-          <a:xfrm>
-            <a:off x="467640" y="1700640"/>
-            <a:ext cx="8182800" cy="4186800"/>
-          </a:xfrm>
-          <a:prstGeom prst="rect">
-            <a:avLst/>
-          </a:prstGeom>
-          <a:noFill/>
-          <a:ln>
-            <a:noFill/>
-          </a:ln>
-        </p:spPr>
-        <p:style>
-          <a:lnRef idx="0"/>
-          <a:fillRef idx="0"/>
-          <a:effectRef idx="0"/>
-          <a:fontRef idx="minor"/>
-        </p:style>
-        <p:txBody>
-          <a:bodyPr lIns="182880" rIns="90000" tIns="91440" bIns="45000"/>
-          <a:p>
-            <a:pPr>
-              <a:lnSpc>
-                <a:spcPct val="100000"/>
-              </a:lnSpc>
-            </a:pPr>
-            <a:endParaRPr b="0" lang="pt-BR" sz="1800" spc="-1" strike="noStrike">
-              <a:solidFill>
-                <a:srgbClr val="000000"/>
-              </a:solidFill>
-              <a:uFill>
-                <a:solidFill>
-                  <a:srgbClr val="ffffff"/>
-                </a:solidFill>
-              </a:uFill>
-              <a:latin typeface="Arial"/>
-            </a:endParaRPr>
-          </a:p>
-          <a:p>
-            <a:pPr marL="265320" indent="-264240">
-              <a:lnSpc>
-                <a:spcPct val="150000"/>
-              </a:lnSpc>
-              <a:buClr>
-                <a:srgbClr val="f07f09"/>
-              </a:buClr>
-              <a:buSzPct val="80000"/>
-              <a:buFont typeface="Wingdings 2" charset="2"/>
-              <a:buChar char=""/>
-            </a:pPr>
-            <a:r>
-              <a:rPr b="0" lang="pt-BR" sz="2000" spc="-1" strike="noStrike">
-                <a:solidFill>
-                  <a:srgbClr val="000000"/>
-                </a:solidFill>
-                <a:uFill>
-                  <a:solidFill>
-                    <a:srgbClr val="ffffff"/>
-                  </a:solidFill>
-                </a:uFill>
-                <a:latin typeface="Verdana"/>
-                <a:ea typeface="DejaVu Sans"/>
-              </a:rPr>
-              <a:t>Jonas Pereira</a:t>
-            </a:r>
-            <a:endParaRPr b="0" lang="pt-BR" sz="1800" spc="-1" strike="noStrike">
-              <a:solidFill>
-                <a:srgbClr val="000000"/>
-              </a:solidFill>
-              <a:uFill>
-                <a:solidFill>
-                  <a:srgbClr val="ffffff"/>
-                </a:solidFill>
-              </a:uFill>
-              <a:latin typeface="Arial"/>
-            </a:endParaRPr>
-          </a:p>
-          <a:p>
-            <a:pPr marL="265320" indent="-264240">
-              <a:lnSpc>
-                <a:spcPct val="150000"/>
-              </a:lnSpc>
-              <a:buClr>
-                <a:srgbClr val="f07f09"/>
-              </a:buClr>
-              <a:buSzPct val="80000"/>
-              <a:buFont typeface="Wingdings 2" charset="2"/>
-              <a:buChar char=""/>
-            </a:pPr>
-            <a:r>
-              <a:rPr b="0" lang="pt-BR" sz="2000" spc="-1" strike="noStrike">
-                <a:solidFill>
-                  <a:srgbClr val="000000"/>
-                </a:solidFill>
-                <a:uFill>
-                  <a:solidFill>
-                    <a:srgbClr val="ffffff"/>
-                  </a:solidFill>
-                </a:uFill>
-                <a:latin typeface="Verdana"/>
-                <a:ea typeface="DejaVu Sans"/>
-              </a:rPr>
-              <a:t>34 anos</a:t>
-            </a:r>
-            <a:endParaRPr b="0" lang="pt-BR" sz="1800" spc="-1" strike="noStrike">
-              <a:solidFill>
-                <a:srgbClr val="000000"/>
-              </a:solidFill>
-              <a:uFill>
-                <a:solidFill>
-                  <a:srgbClr val="ffffff"/>
-                </a:solidFill>
-              </a:uFill>
-              <a:latin typeface="Arial"/>
-            </a:endParaRPr>
-          </a:p>
-          <a:p>
-            <a:pPr marL="265320" indent="-264240">
-              <a:lnSpc>
-                <a:spcPct val="150000"/>
-              </a:lnSpc>
-              <a:buClr>
-                <a:srgbClr val="f07f09"/>
-              </a:buClr>
-              <a:buSzPct val="80000"/>
-              <a:buFont typeface="Wingdings 2" charset="2"/>
-              <a:buChar char=""/>
-            </a:pPr>
-            <a:r>
-              <a:rPr b="0" lang="pt-BR" sz="2000" spc="-1" strike="noStrike">
-                <a:solidFill>
-                  <a:srgbClr val="000000"/>
-                </a:solidFill>
-                <a:uFill>
-                  <a:solidFill>
-                    <a:srgbClr val="ffffff"/>
-                  </a:solidFill>
-                </a:uFill>
-                <a:latin typeface="Verdana"/>
-                <a:ea typeface="DejaVu Sans"/>
-              </a:rPr>
-              <a:t>Graduado em Sistema de Informação</a:t>
-            </a:r>
-            <a:endParaRPr b="0" lang="pt-BR" sz="1800" spc="-1" strike="noStrike">
-              <a:solidFill>
-                <a:srgbClr val="000000"/>
-              </a:solidFill>
-              <a:uFill>
-                <a:solidFill>
-                  <a:srgbClr val="ffffff"/>
-                </a:solidFill>
-              </a:uFill>
-              <a:latin typeface="Arial"/>
-            </a:endParaRPr>
-          </a:p>
-          <a:p>
-            <a:pPr marL="265320" indent="-264240">
-              <a:lnSpc>
-                <a:spcPct val="150000"/>
-              </a:lnSpc>
-              <a:buClr>
-                <a:srgbClr val="f07f09"/>
-              </a:buClr>
-              <a:buSzPct val="80000"/>
-              <a:buFont typeface="Wingdings 2" charset="2"/>
-              <a:buChar char=""/>
-            </a:pPr>
-            <a:r>
-              <a:rPr b="0" lang="pt-BR" sz="2000" spc="-1" strike="noStrike">
-                <a:solidFill>
-                  <a:srgbClr val="000000"/>
-                </a:solidFill>
-                <a:uFill>
-                  <a:solidFill>
-                    <a:srgbClr val="ffffff"/>
-                  </a:solidFill>
-                </a:uFill>
-                <a:latin typeface="Verdana"/>
-                <a:ea typeface="DejaVu Sans"/>
-              </a:rPr>
-              <a:t>Pós-graduado em Gestão Estratégica em Tecnologia de Informação</a:t>
-            </a:r>
-            <a:endParaRPr b="0" lang="pt-BR" sz="1800" spc="-1" strike="noStrike">
-              <a:solidFill>
-                <a:srgbClr val="000000"/>
-              </a:solidFill>
-              <a:uFill>
-                <a:solidFill>
-                  <a:srgbClr val="ffffff"/>
-                </a:solidFill>
-              </a:uFill>
-              <a:latin typeface="Arial"/>
-            </a:endParaRPr>
-          </a:p>
-          <a:p>
-            <a:pPr marL="265320" indent="-264240">
-              <a:lnSpc>
-                <a:spcPct val="150000"/>
-              </a:lnSpc>
-              <a:buClr>
-                <a:srgbClr val="f07f09"/>
-              </a:buClr>
-              <a:buSzPct val="80000"/>
-              <a:buFont typeface="Wingdings 2" charset="2"/>
-              <a:buChar char=""/>
-            </a:pPr>
-            <a:r>
-              <a:rPr b="0" lang="pt-BR" sz="2000" spc="-1" strike="noStrike">
-                <a:solidFill>
-                  <a:srgbClr val="000000"/>
-                </a:solidFill>
-                <a:uFill>
-                  <a:solidFill>
-                    <a:srgbClr val="ffffff"/>
-                  </a:solidFill>
-                </a:uFill>
-                <a:latin typeface="Verdana"/>
-                <a:ea typeface="DejaVu Sans"/>
-              </a:rPr>
-              <a:t>Aluno do Projeto Aprender e Crescer</a:t>
-            </a:r>
-            <a:endParaRPr b="0" lang="pt-BR" sz="1800" spc="-1" strike="noStrike">
-              <a:solidFill>
-                <a:srgbClr val="000000"/>
-              </a:solidFill>
-              <a:uFill>
-                <a:solidFill>
-                  <a:srgbClr val="ffffff"/>
-                </a:solidFill>
-              </a:uFill>
-              <a:latin typeface="Arial"/>
-            </a:endParaRPr>
-          </a:p>
-          <a:p>
-            <a:pPr marL="265320" indent="-264240">
-              <a:lnSpc>
-                <a:spcPct val="150000"/>
-              </a:lnSpc>
-              <a:buClr>
-                <a:srgbClr val="f07f09"/>
-              </a:buClr>
-              <a:buSzPct val="80000"/>
-              <a:buFont typeface="Wingdings 2" charset="2"/>
-              <a:buChar char=""/>
-            </a:pPr>
-            <a:r>
-              <a:rPr b="0" lang="pt-BR" sz="2000" spc="-1" strike="noStrike">
-                <a:solidFill>
-                  <a:srgbClr val="000000"/>
-                </a:solidFill>
-                <a:uFill>
-                  <a:solidFill>
-                    <a:srgbClr val="ffffff"/>
-                  </a:solidFill>
-                </a:uFill>
-                <a:latin typeface="Verdana"/>
-                <a:ea typeface="DejaVu Sans"/>
-              </a:rPr>
-              <a:t>Colaborador da Empresa CISS Software e Serviços.</a:t>
-            </a:r>
-            <a:endParaRPr b="0" lang="pt-BR" sz="1800" spc="-1" strike="noStrike">
-              <a:solidFill>
-                <a:srgbClr val="000000"/>
-              </a:solidFill>
-              <a:uFill>
-                <a:solidFill>
-                  <a:srgbClr val="ffffff"/>
-                </a:solidFill>
-              </a:uFill>
-              <a:latin typeface="Arial"/>
-            </a:endParaRPr>
-          </a:p>
-          <a:p>
-            <a:pPr>
-              <a:lnSpc>
-                <a:spcPct val="100000"/>
-              </a:lnSpc>
-            </a:pPr>
-            <a:endParaRPr b="0" lang="pt-BR" sz="1800" spc="-1" strike="noStrike">
-              <a:solidFill>
-                <a:srgbClr val="000000"/>
-              </a:solidFill>
-              <a:uFill>
-                <a:solidFill>
-                  <a:srgbClr val="ffffff"/>
-                </a:solidFill>
-              </a:uFill>
-              <a:latin typeface="Arial"/>
-            </a:endParaRPr>
-          </a:p>
-        </p:txBody>
-      </p:sp>
-      <p:pic>
-        <p:nvPicPr>
-          <p:cNvPr id="148" name="" descr=""/>
-          <p:cNvPicPr/>
-          <p:nvPr/>
-        </p:nvPicPr>
-        <p:blipFill>
-          <a:blip r:embed="rId1"/>
-          <a:stretch/>
-        </p:blipFill>
-        <p:spPr>
-          <a:xfrm>
-            <a:off x="5976000" y="720000"/>
-            <a:ext cx="2519640" cy="2159640"/>
-          </a:xfrm>
-          <a:prstGeom prst="rect">
-            <a:avLst/>
-          </a:prstGeom>
-          <a:ln>
-            <a:noFill/>
-          </a:ln>
-        </p:spPr>
-      </p:pic>
-    </p:spTree>
-  </p:cSld>
-  <p:timing>
-    <p:tnLst>
-      <p:par>
-        <p:cTn id="45" dur="indefinite" restart="never" nodeType="tmRoot">
-          <p:childTnLst>
-            <p:seq>
-              <p:cTn id="46" nodeType="mainSeq"/>
               <p:prevCondLst>
                 <p:cond delay="0" evt="onPrev">
                   <p:tgtEl>
@@ -8939,7 +5653,7 @@
         <p:spPr>
           <a:xfrm>
             <a:off x="467640" y="476640"/>
-            <a:ext cx="8182800" cy="1050480"/>
+            <a:ext cx="8181720" cy="1049400"/>
           </a:xfrm>
           <a:prstGeom prst="rect">
             <a:avLst/>
@@ -9001,7 +5715,7 @@
         <p:spPr>
           <a:xfrm>
             <a:off x="455040" y="1813320"/>
-            <a:ext cx="8182800" cy="4607280"/>
+            <a:ext cx="8181720" cy="4606200"/>
           </a:xfrm>
           <a:prstGeom prst="rect">
             <a:avLst/>
@@ -9038,7 +5752,7 @@
             </a:endParaRPr>
           </a:p>
           <a:p>
-            <a:pPr marL="265320" indent="-264240">
+            <a:pPr marL="265320" indent="-263160">
               <a:lnSpc>
                 <a:spcPct val="150000"/>
               </a:lnSpc>
@@ -9077,7 +5791,7 @@
             </a:endParaRPr>
           </a:p>
           <a:p>
-            <a:pPr marL="265320" indent="-264240">
+            <a:pPr marL="265320" indent="-263160">
               <a:lnSpc>
                 <a:spcPct val="150000"/>
               </a:lnSpc>
@@ -9116,7 +5830,7 @@
             </a:endParaRPr>
           </a:p>
           <a:p>
-            <a:pPr marL="265320" indent="-264240">
+            <a:pPr marL="265320" indent="-263160">
               <a:lnSpc>
                 <a:spcPct val="150000"/>
               </a:lnSpc>
@@ -9155,7 +5869,7 @@
             </a:endParaRPr>
           </a:p>
           <a:p>
-            <a:pPr marL="265320" indent="-264240">
+            <a:pPr marL="265320" indent="-263160">
               <a:lnSpc>
                 <a:spcPct val="150000"/>
               </a:lnSpc>
@@ -9194,7 +5908,7 @@
             </a:endParaRPr>
           </a:p>
           <a:p>
-            <a:pPr marL="265320" indent="-264240">
+            <a:pPr marL="265320" indent="-263160">
               <a:lnSpc>
                 <a:spcPct val="150000"/>
               </a:lnSpc>
@@ -9233,7 +5947,7 @@
             </a:endParaRPr>
           </a:p>
           <a:p>
-            <a:pPr marL="265320" indent="-264240">
+            <a:pPr marL="265320" indent="-263160">
               <a:lnSpc>
                 <a:spcPct val="150000"/>
               </a:lnSpc>
@@ -9272,7 +5986,7 @@
             </a:endParaRPr>
           </a:p>
           <a:p>
-            <a:pPr marL="265320" indent="-264240">
+            <a:pPr marL="265320" indent="-263160">
               <a:lnSpc>
                 <a:spcPct val="150000"/>
               </a:lnSpc>
@@ -9343,7 +6057,7 @@
         <p:spPr>
           <a:xfrm>
             <a:off x="4742640" y="505440"/>
-            <a:ext cx="3887640" cy="1760760"/>
+            <a:ext cx="3886560" cy="1759680"/>
           </a:xfrm>
           <a:prstGeom prst="rect">
             <a:avLst/>
@@ -9413,7 +6127,7 @@
         <p:spPr>
           <a:xfrm>
             <a:off x="467640" y="476640"/>
-            <a:ext cx="8182800" cy="1050480"/>
+            <a:ext cx="8181720" cy="1049400"/>
           </a:xfrm>
           <a:prstGeom prst="rect">
             <a:avLst/>
@@ -9475,7 +6189,7 @@
         <p:spPr>
           <a:xfrm>
             <a:off x="467640" y="1700640"/>
-            <a:ext cx="8182800" cy="4186800"/>
+            <a:ext cx="8181720" cy="4185720"/>
           </a:xfrm>
           <a:prstGeom prst="rect">
             <a:avLst/>
@@ -9512,7 +6226,7 @@
             </a:endParaRPr>
           </a:p>
           <a:p>
-            <a:pPr marL="265320" indent="-264240">
+            <a:pPr marL="265320" indent="-263160">
               <a:lnSpc>
                 <a:spcPct val="150000"/>
               </a:lnSpc>
@@ -9551,7 +6265,7 @@
             </a:endParaRPr>
           </a:p>
           <a:p>
-            <a:pPr lvl="3" marL="864000" indent="-215640">
+            <a:pPr lvl="3" marL="864000" indent="-214560">
               <a:lnSpc>
                 <a:spcPct val="150000"/>
               </a:lnSpc>
@@ -9590,7 +6304,7 @@
             </a:endParaRPr>
           </a:p>
           <a:p>
-            <a:pPr lvl="3" marL="864000" indent="-215640">
+            <a:pPr lvl="3" marL="864000" indent="-214560">
               <a:lnSpc>
                 <a:spcPct val="150000"/>
               </a:lnSpc>
@@ -9629,7 +6343,7 @@
             </a:endParaRPr>
           </a:p>
           <a:p>
-            <a:pPr lvl="3" marL="864000" indent="-215640">
+            <a:pPr lvl="3" marL="864000" indent="-214560">
               <a:lnSpc>
                 <a:spcPct val="150000"/>
               </a:lnSpc>
@@ -9668,7 +6382,7 @@
             </a:endParaRPr>
           </a:p>
           <a:p>
-            <a:pPr marL="265320" indent="-264240">
+            <a:pPr marL="265320" indent="-263160">
               <a:lnSpc>
                 <a:spcPct val="150000"/>
               </a:lnSpc>
@@ -9757,7 +6471,7 @@
         <p:spPr>
           <a:xfrm>
             <a:off x="4716000" y="3208680"/>
-            <a:ext cx="3960360" cy="2631240"/>
+            <a:ext cx="3959280" cy="2630160"/>
           </a:xfrm>
           <a:prstGeom prst="rect">
             <a:avLst/>
@@ -9780,7 +6494,7 @@
         <p:spPr>
           <a:xfrm>
             <a:off x="7362720" y="615240"/>
-            <a:ext cx="1132920" cy="1904400"/>
+            <a:ext cx="1131840" cy="1903320"/>
           </a:xfrm>
           <a:prstGeom prst="rect">
             <a:avLst/>
@@ -9848,7 +6562,7 @@
         <p:spPr>
           <a:xfrm>
             <a:off x="467640" y="476640"/>
-            <a:ext cx="8182800" cy="1050480"/>
+            <a:ext cx="8181720" cy="1049400"/>
           </a:xfrm>
           <a:prstGeom prst="rect">
             <a:avLst/>
@@ -9910,7 +6624,7 @@
         <p:spPr>
           <a:xfrm>
             <a:off x="467640" y="1700640"/>
-            <a:ext cx="8182800" cy="4186800"/>
+            <a:ext cx="8181720" cy="4185720"/>
           </a:xfrm>
           <a:prstGeom prst="rect">
             <a:avLst/>
@@ -9947,7 +6661,7 @@
             </a:endParaRPr>
           </a:p>
           <a:p>
-            <a:pPr marL="265320" indent="-264240">
+            <a:pPr marL="265320" indent="-263160">
               <a:lnSpc>
                 <a:spcPct val="150000"/>
               </a:lnSpc>
@@ -9986,7 +6700,7 @@
             </a:endParaRPr>
           </a:p>
           <a:p>
-            <a:pPr marL="265320" indent="-264240">
+            <a:pPr marL="265320" indent="-263160">
               <a:lnSpc>
                 <a:spcPct val="150000"/>
               </a:lnSpc>
@@ -10075,7 +6789,7 @@
         <p:spPr>
           <a:xfrm>
             <a:off x="5400000" y="3168000"/>
-            <a:ext cx="3167640" cy="2624400"/>
+            <a:ext cx="3166560" cy="2623320"/>
           </a:xfrm>
           <a:prstGeom prst="rect">
             <a:avLst/>
@@ -10143,7 +6857,7 @@
         <p:spPr>
           <a:xfrm>
             <a:off x="467640" y="476640"/>
-            <a:ext cx="8182800" cy="1050480"/>
+            <a:ext cx="8181720" cy="1049400"/>
           </a:xfrm>
           <a:prstGeom prst="rect">
             <a:avLst/>
@@ -10205,7 +6919,7 @@
         <p:spPr>
           <a:xfrm>
             <a:off x="467640" y="1700640"/>
-            <a:ext cx="8182800" cy="4186800"/>
+            <a:ext cx="8181720" cy="4185720"/>
           </a:xfrm>
           <a:prstGeom prst="rect">
             <a:avLst/>
@@ -10242,7 +6956,7 @@
             </a:endParaRPr>
           </a:p>
           <a:p>
-            <a:pPr marL="265320" indent="-264240">
+            <a:pPr marL="265320" indent="-263160">
               <a:lnSpc>
                 <a:spcPct val="150000"/>
               </a:lnSpc>
@@ -10349,7 +7063,7 @@
         <p:spPr>
           <a:xfrm>
             <a:off x="2456280" y="1557000"/>
-            <a:ext cx="5247720" cy="4923000"/>
+            <a:ext cx="5246640" cy="4921920"/>
           </a:xfrm>
           <a:prstGeom prst="rect">
             <a:avLst/>
@@ -10417,7 +7131,7 @@
         <p:spPr>
           <a:xfrm>
             <a:off x="467640" y="476640"/>
-            <a:ext cx="8182800" cy="1050480"/>
+            <a:ext cx="8181720" cy="1049400"/>
           </a:xfrm>
           <a:prstGeom prst="rect">
             <a:avLst/>
@@ -10479,7 +7193,7 @@
         <p:spPr>
           <a:xfrm>
             <a:off x="467640" y="1700640"/>
-            <a:ext cx="8182800" cy="4186800"/>
+            <a:ext cx="8181720" cy="4185720"/>
           </a:xfrm>
           <a:prstGeom prst="rect">
             <a:avLst/>
@@ -10516,7 +7230,7 @@
             </a:endParaRPr>
           </a:p>
           <a:p>
-            <a:pPr marL="265320" indent="-264240">
+            <a:pPr marL="265320" indent="-263160">
               <a:lnSpc>
                 <a:spcPct val="150000"/>
               </a:lnSpc>
@@ -10622,31 +7336,8 @@
         </p:blipFill>
         <p:spPr>
           <a:xfrm>
-            <a:off x="2448000" y="1590480"/>
-            <a:ext cx="4285800" cy="3809520"/>
-          </a:xfrm>
-          <a:prstGeom prst="rect">
-            <a:avLst/>
-          </a:prstGeom>
-          <a:ln>
-            <a:noFill/>
-          </a:ln>
-        </p:spPr>
-      </p:pic>
-      <p:pic>
-        <p:nvPicPr>
-          <p:cNvPr id="100" name="" descr=""/>
-          <p:cNvPicPr/>
-          <p:nvPr/>
-        </p:nvPicPr>
-        <p:blipFill>
-          <a:blip r:embed="rId2"/>
-          <a:stretch/>
-        </p:blipFill>
-        <p:spPr>
-          <a:xfrm>
-            <a:off x="2448000" y="1590480"/>
-            <a:ext cx="5419800" cy="4817520"/>
+            <a:off x="2456280" y="1557000"/>
+            <a:ext cx="5102640" cy="4921920"/>
           </a:xfrm>
           <a:prstGeom prst="rect">
             <a:avLst/>
@@ -10707,14 +7398,14 @@
       </p:grpSpPr>
       <p:sp>
         <p:nvSpPr>
-          <p:cNvPr id="101" name="CustomShape 1"/>
+          <p:cNvPr id="100" name="CustomShape 1"/>
           <p:cNvSpPr/>
           <p:nvPr/>
         </p:nvSpPr>
         <p:spPr>
           <a:xfrm>
             <a:off x="467640" y="476640"/>
-            <a:ext cx="8182800" cy="1050480"/>
+            <a:ext cx="8181720" cy="1049400"/>
           </a:xfrm>
           <a:prstGeom prst="rect">
             <a:avLst/>
@@ -10769,14 +7460,14 @@
       </p:sp>
       <p:sp>
         <p:nvSpPr>
-          <p:cNvPr id="102" name="CustomShape 2"/>
+          <p:cNvPr id="101" name="CustomShape 2"/>
           <p:cNvSpPr/>
           <p:nvPr/>
         </p:nvSpPr>
         <p:spPr>
           <a:xfrm>
             <a:off x="467640" y="1700640"/>
-            <a:ext cx="8182800" cy="4186800"/>
+            <a:ext cx="8181720" cy="4185720"/>
           </a:xfrm>
           <a:prstGeom prst="rect">
             <a:avLst/>
@@ -10813,7 +7504,7 @@
             </a:endParaRPr>
           </a:p>
           <a:p>
-            <a:pPr marL="265320" indent="-264240">
+            <a:pPr marL="265320" indent="-263160">
               <a:lnSpc>
                 <a:spcPct val="150000"/>
               </a:lnSpc>
@@ -10909,7 +7600,7 @@
       </p:sp>
       <p:pic>
         <p:nvPicPr>
-          <p:cNvPr id="103" name="" descr=""/>
+          <p:cNvPr id="102" name="" descr=""/>
           <p:cNvPicPr/>
           <p:nvPr/>
         </p:nvPicPr>
@@ -10919,8 +7610,8 @@
         </p:blipFill>
         <p:spPr>
           <a:xfrm>
-            <a:off x="2456280" y="1557000"/>
-            <a:ext cx="5319720" cy="4923000"/>
+            <a:off x="2456280" y="1525680"/>
+            <a:ext cx="4814640" cy="4953240"/>
           </a:xfrm>
           <a:prstGeom prst="rect">
             <a:avLst/>
@@ -10981,14 +7672,14 @@
       </p:grpSpPr>
       <p:sp>
         <p:nvSpPr>
-          <p:cNvPr id="104" name="CustomShape 1"/>
+          <p:cNvPr id="103" name="CustomShape 1"/>
           <p:cNvSpPr/>
           <p:nvPr/>
         </p:nvSpPr>
         <p:spPr>
           <a:xfrm>
             <a:off x="467640" y="476640"/>
-            <a:ext cx="8182800" cy="1050480"/>
+            <a:ext cx="8181720" cy="1049400"/>
           </a:xfrm>
           <a:prstGeom prst="rect">
             <a:avLst/>
@@ -11043,14 +7734,14 @@
       </p:sp>
       <p:sp>
         <p:nvSpPr>
-          <p:cNvPr id="105" name="CustomShape 2"/>
+          <p:cNvPr id="104" name="CustomShape 2"/>
           <p:cNvSpPr/>
           <p:nvPr/>
         </p:nvSpPr>
         <p:spPr>
           <a:xfrm>
             <a:off x="467640" y="1700640"/>
-            <a:ext cx="8182800" cy="4186800"/>
+            <a:ext cx="8181720" cy="4185720"/>
           </a:xfrm>
           <a:prstGeom prst="rect">
             <a:avLst/>
@@ -11087,7 +7778,7 @@
             </a:endParaRPr>
           </a:p>
           <a:p>
-            <a:pPr marL="265320" indent="-264240">
+            <a:pPr marL="265320" indent="-263160">
               <a:lnSpc>
                 <a:spcPct val="150000"/>
               </a:lnSpc>
@@ -11183,7 +7874,7 @@
       </p:sp>
       <p:pic>
         <p:nvPicPr>
-          <p:cNvPr id="106" name="" descr=""/>
+          <p:cNvPr id="105" name="" descr=""/>
           <p:cNvPicPr/>
           <p:nvPr/>
         </p:nvPicPr>
@@ -11194,7 +7885,7 @@
         <p:spPr>
           <a:xfrm>
             <a:off x="2456280" y="1557000"/>
-            <a:ext cx="5391720" cy="4923000"/>
+            <a:ext cx="4958640" cy="4921920"/>
           </a:xfrm>
           <a:prstGeom prst="rect">
             <a:avLst/>
